--- a/Presentation.pptx
+++ b/Presentation.pptx
@@ -7,7 +7,12 @@
   <p:sldIdLst>
     <p:sldId id="256" r:id="rId2"/>
     <p:sldId id="257" r:id="rId3"/>
-    <p:sldId id="258" r:id="rId4"/>
+    <p:sldId id="261" r:id="rId4"/>
+    <p:sldId id="259" r:id="rId5"/>
+    <p:sldId id="262" r:id="rId6"/>
+    <p:sldId id="263" r:id="rId7"/>
+    <p:sldId id="264" r:id="rId8"/>
+    <p:sldId id="258" r:id="rId9"/>
   </p:sldIdLst>
   <p:sldSz cx="12192000" cy="6858000"/>
   <p:notesSz cx="6858000" cy="9144000"/>
@@ -106,7 +111,208 @@
       </a:defRPr>
     </a:lvl9pPr>
   </p:defaultTextStyle>
+  <p:extLst>
+    <p:ext uri="{EFAFB233-063F-42B5-8137-9DF3F51BA10A}">
+      <p15:sldGuideLst xmlns:p15="http://schemas.microsoft.com/office/powerpoint/2012/main"/>
+    </p:ext>
+  </p:extLst>
 </p:presentation>
+</file>
+
+<file path=ppt/changesInfos/changesInfo1.xml><?xml version="1.0" encoding="utf-8"?>
+<pc:chgInfo xmlns:a="http://schemas.openxmlformats.org/drawingml/2006/main" xmlns:r="http://schemas.openxmlformats.org/officeDocument/2006/relationships" xmlns:ac="http://schemas.microsoft.com/office/drawing/2013/main/command" xmlns:pc="http://schemas.microsoft.com/office/powerpoint/2013/main/command">
+  <pc:docChgLst>
+    <pc:chgData name="Shahar Edelman" userId="aa504bdc-97fd-43f3-881c-3fdbdf419664" providerId="ADAL" clId="{575524EE-847D-4328-A9BB-1B51D697A921}"/>
+    <pc:docChg chg="undo custSel addSld delSld modSld sldOrd">
+      <pc:chgData name="Shahar Edelman" userId="aa504bdc-97fd-43f3-881c-3fdbdf419664" providerId="ADAL" clId="{575524EE-847D-4328-A9BB-1B51D697A921}" dt="2025-06-29T08:06:50.032" v="449" actId="47"/>
+      <pc:docMkLst>
+        <pc:docMk/>
+      </pc:docMkLst>
+      <pc:sldChg chg="addSp delSp modSp mod">
+        <pc:chgData name="Shahar Edelman" userId="aa504bdc-97fd-43f3-881c-3fdbdf419664" providerId="ADAL" clId="{575524EE-847D-4328-A9BB-1B51D697A921}" dt="2025-06-29T08:04:16" v="121" actId="20577"/>
+        <pc:sldMkLst>
+          <pc:docMk/>
+          <pc:sldMk cId="1931218120" sldId="257"/>
+        </pc:sldMkLst>
+        <pc:spChg chg="mod">
+          <ac:chgData name="Shahar Edelman" userId="aa504bdc-97fd-43f3-881c-3fdbdf419664" providerId="ADAL" clId="{575524EE-847D-4328-A9BB-1B51D697A921}" dt="2025-06-29T08:03:26.679" v="12" actId="2711"/>
+          <ac:spMkLst>
+            <pc:docMk/>
+            <pc:sldMk cId="1931218120" sldId="257"/>
+            <ac:spMk id="2" creationId="{E73E408D-4542-C590-1004-7CC05019E5A6}"/>
+          </ac:spMkLst>
+        </pc:spChg>
+        <pc:spChg chg="add del mod">
+          <ac:chgData name="Shahar Edelman" userId="aa504bdc-97fd-43f3-881c-3fdbdf419664" providerId="ADAL" clId="{575524EE-847D-4328-A9BB-1B51D697A921}" dt="2025-06-29T08:03:39.913" v="18" actId="478"/>
+          <ac:spMkLst>
+            <pc:docMk/>
+            <pc:sldMk cId="1931218120" sldId="257"/>
+            <ac:spMk id="6" creationId="{94740E25-65EE-0347-7FCA-DBCCEAA1EC78}"/>
+          </ac:spMkLst>
+        </pc:spChg>
+        <pc:spChg chg="add mod">
+          <ac:chgData name="Shahar Edelman" userId="aa504bdc-97fd-43f3-881c-3fdbdf419664" providerId="ADAL" clId="{575524EE-847D-4328-A9BB-1B51D697A921}" dt="2025-06-29T08:04:16" v="121" actId="20577"/>
+          <ac:spMkLst>
+            <pc:docMk/>
+            <pc:sldMk cId="1931218120" sldId="257"/>
+            <ac:spMk id="8" creationId="{D62743CD-F7BB-5EF8-24D1-5D1CFC78B696}"/>
+          </ac:spMkLst>
+        </pc:spChg>
+        <pc:graphicFrameChg chg="add del mod">
+          <ac:chgData name="Shahar Edelman" userId="aa504bdc-97fd-43f3-881c-3fdbdf419664" providerId="ADAL" clId="{575524EE-847D-4328-A9BB-1B51D697A921}" dt="2025-06-29T08:03:43.056" v="20" actId="478"/>
+          <ac:graphicFrameMkLst>
+            <pc:docMk/>
+            <pc:sldMk cId="1931218120" sldId="257"/>
+            <ac:graphicFrameMk id="5" creationId="{F5B39CCC-A67B-55AD-D0D8-07153B320309}"/>
+          </ac:graphicFrameMkLst>
+        </pc:graphicFrameChg>
+        <pc:picChg chg="add del mod">
+          <ac:chgData name="Shahar Edelman" userId="aa504bdc-97fd-43f3-881c-3fdbdf419664" providerId="ADAL" clId="{575524EE-847D-4328-A9BB-1B51D697A921}" dt="2025-06-29T08:03:43.056" v="20" actId="478"/>
+          <ac:picMkLst>
+            <pc:docMk/>
+            <pc:sldMk cId="1931218120" sldId="257"/>
+            <ac:picMk id="4" creationId="{AD418963-A7B2-9087-9957-AF836709067B}"/>
+          </ac:picMkLst>
+        </pc:picChg>
+      </pc:sldChg>
+      <pc:sldChg chg="modSp add mod">
+        <pc:chgData name="Shahar Edelman" userId="aa504bdc-97fd-43f3-881c-3fdbdf419664" providerId="ADAL" clId="{575524EE-847D-4328-A9BB-1B51D697A921}" dt="2025-06-29T08:04:57.850" v="190" actId="2711"/>
+        <pc:sldMkLst>
+          <pc:docMk/>
+          <pc:sldMk cId="4151896962" sldId="259"/>
+        </pc:sldMkLst>
+        <pc:spChg chg="mod">
+          <ac:chgData name="Shahar Edelman" userId="aa504bdc-97fd-43f3-881c-3fdbdf419664" providerId="ADAL" clId="{575524EE-847D-4328-A9BB-1B51D697A921}" dt="2025-06-29T08:04:57.850" v="190" actId="2711"/>
+          <ac:spMkLst>
+            <pc:docMk/>
+            <pc:sldMk cId="4151896962" sldId="259"/>
+            <ac:spMk id="2" creationId="{F6910B2A-69BC-9DC2-5F5A-8F3E0940A5AD}"/>
+          </ac:spMkLst>
+        </pc:spChg>
+      </pc:sldChg>
+      <pc:sldChg chg="add del">
+        <pc:chgData name="Shahar Edelman" userId="aa504bdc-97fd-43f3-881c-3fdbdf419664" providerId="ADAL" clId="{575524EE-847D-4328-A9BB-1B51D697A921}" dt="2025-06-29T08:05:09.523" v="194" actId="47"/>
+        <pc:sldMkLst>
+          <pc:docMk/>
+          <pc:sldMk cId="1552803028" sldId="260"/>
+        </pc:sldMkLst>
+      </pc:sldChg>
+      <pc:sldChg chg="new del">
+        <pc:chgData name="Shahar Edelman" userId="aa504bdc-97fd-43f3-881c-3fdbdf419664" providerId="ADAL" clId="{575524EE-847D-4328-A9BB-1B51D697A921}" dt="2025-06-29T08:04:21.354" v="124" actId="47"/>
+        <pc:sldMkLst>
+          <pc:docMk/>
+          <pc:sldMk cId="67679404" sldId="261"/>
+        </pc:sldMkLst>
+      </pc:sldChg>
+      <pc:sldChg chg="modSp add mod">
+        <pc:chgData name="Shahar Edelman" userId="aa504bdc-97fd-43f3-881c-3fdbdf419664" providerId="ADAL" clId="{575524EE-847D-4328-A9BB-1B51D697A921}" dt="2025-06-29T08:04:41.534" v="181" actId="20577"/>
+        <pc:sldMkLst>
+          <pc:docMk/>
+          <pc:sldMk cId="2355995172" sldId="261"/>
+        </pc:sldMkLst>
+        <pc:spChg chg="mod">
+          <ac:chgData name="Shahar Edelman" userId="aa504bdc-97fd-43f3-881c-3fdbdf419664" providerId="ADAL" clId="{575524EE-847D-4328-A9BB-1B51D697A921}" dt="2025-06-29T08:04:31.507" v="135" actId="20577"/>
+          <ac:spMkLst>
+            <pc:docMk/>
+            <pc:sldMk cId="2355995172" sldId="261"/>
+            <ac:spMk id="2" creationId="{98B014C1-33E6-DE01-F1EC-8436A4D197F5}"/>
+          </ac:spMkLst>
+        </pc:spChg>
+        <pc:spChg chg="mod">
+          <ac:chgData name="Shahar Edelman" userId="aa504bdc-97fd-43f3-881c-3fdbdf419664" providerId="ADAL" clId="{575524EE-847D-4328-A9BB-1B51D697A921}" dt="2025-06-29T08:04:41.534" v="181" actId="20577"/>
+          <ac:spMkLst>
+            <pc:docMk/>
+            <pc:sldMk cId="2355995172" sldId="261"/>
+            <ac:spMk id="8" creationId="{F9230E13-57A8-4B69-DBAB-565D5227123B}"/>
+          </ac:spMkLst>
+        </pc:spChg>
+      </pc:sldChg>
+      <pc:sldChg chg="add del">
+        <pc:chgData name="Shahar Edelman" userId="aa504bdc-97fd-43f3-881c-3fdbdf419664" providerId="ADAL" clId="{575524EE-847D-4328-A9BB-1B51D697A921}" dt="2025-06-29T08:04:21.354" v="124" actId="47"/>
+        <pc:sldMkLst>
+          <pc:docMk/>
+          <pc:sldMk cId="4010055901" sldId="262"/>
+        </pc:sldMkLst>
+      </pc:sldChg>
+      <pc:sldChg chg="modSp add mod ord">
+        <pc:chgData name="Shahar Edelman" userId="aa504bdc-97fd-43f3-881c-3fdbdf419664" providerId="ADAL" clId="{575524EE-847D-4328-A9BB-1B51D697A921}" dt="2025-06-29T08:05:20.016" v="217" actId="20577"/>
+        <pc:sldMkLst>
+          <pc:docMk/>
+          <pc:sldMk cId="4100706807" sldId="262"/>
+        </pc:sldMkLst>
+        <pc:spChg chg="mod">
+          <ac:chgData name="Shahar Edelman" userId="aa504bdc-97fd-43f3-881c-3fdbdf419664" providerId="ADAL" clId="{575524EE-847D-4328-A9BB-1B51D697A921}" dt="2025-06-29T08:05:16.714" v="204" actId="20577"/>
+          <ac:spMkLst>
+            <pc:docMk/>
+            <pc:sldMk cId="4100706807" sldId="262"/>
+            <ac:spMk id="2" creationId="{DC19C957-B165-C9F7-FADF-1EEEED0E8189}"/>
+          </ac:spMkLst>
+        </pc:spChg>
+        <pc:spChg chg="mod">
+          <ac:chgData name="Shahar Edelman" userId="aa504bdc-97fd-43f3-881c-3fdbdf419664" providerId="ADAL" clId="{575524EE-847D-4328-A9BB-1B51D697A921}" dt="2025-06-29T08:05:20.016" v="217" actId="20577"/>
+          <ac:spMkLst>
+            <pc:docMk/>
+            <pc:sldMk cId="4100706807" sldId="262"/>
+            <ac:spMk id="8" creationId="{9CCF092A-23FB-CFB4-9CE3-FF5F6A05304A}"/>
+          </ac:spMkLst>
+        </pc:spChg>
+      </pc:sldChg>
+      <pc:sldChg chg="modSp add mod">
+        <pc:chgData name="Shahar Edelman" userId="aa504bdc-97fd-43f3-881c-3fdbdf419664" providerId="ADAL" clId="{575524EE-847D-4328-A9BB-1B51D697A921}" dt="2025-06-29T08:05:55.223" v="332" actId="20577"/>
+        <pc:sldMkLst>
+          <pc:docMk/>
+          <pc:sldMk cId="649604960" sldId="263"/>
+        </pc:sldMkLst>
+        <pc:spChg chg="mod">
+          <ac:chgData name="Shahar Edelman" userId="aa504bdc-97fd-43f3-881c-3fdbdf419664" providerId="ADAL" clId="{575524EE-847D-4328-A9BB-1B51D697A921}" dt="2025-06-29T08:05:24.652" v="226" actId="20577"/>
+          <ac:spMkLst>
+            <pc:docMk/>
+            <pc:sldMk cId="649604960" sldId="263"/>
+            <ac:spMk id="2" creationId="{E5C5A41E-1BAA-FA9E-1E39-8A477D8E0BB9}"/>
+          </ac:spMkLst>
+        </pc:spChg>
+        <pc:spChg chg="mod">
+          <ac:chgData name="Shahar Edelman" userId="aa504bdc-97fd-43f3-881c-3fdbdf419664" providerId="ADAL" clId="{575524EE-847D-4328-A9BB-1B51D697A921}" dt="2025-06-29T08:05:55.223" v="332" actId="20577"/>
+          <ac:spMkLst>
+            <pc:docMk/>
+            <pc:sldMk cId="649604960" sldId="263"/>
+            <ac:spMk id="8" creationId="{0293C29B-D536-2A2F-51E2-C9B0FEA98A8C}"/>
+          </ac:spMkLst>
+        </pc:spChg>
+      </pc:sldChg>
+      <pc:sldChg chg="modSp add mod">
+        <pc:chgData name="Shahar Edelman" userId="aa504bdc-97fd-43f3-881c-3fdbdf419664" providerId="ADAL" clId="{575524EE-847D-4328-A9BB-1B51D697A921}" dt="2025-06-29T08:06:45.165" v="447" actId="20577"/>
+        <pc:sldMkLst>
+          <pc:docMk/>
+          <pc:sldMk cId="2217475511" sldId="264"/>
+        </pc:sldMkLst>
+        <pc:spChg chg="mod">
+          <ac:chgData name="Shahar Edelman" userId="aa504bdc-97fd-43f3-881c-3fdbdf419664" providerId="ADAL" clId="{575524EE-847D-4328-A9BB-1B51D697A921}" dt="2025-06-29T08:06:05.738" v="350" actId="20577"/>
+          <ac:spMkLst>
+            <pc:docMk/>
+            <pc:sldMk cId="2217475511" sldId="264"/>
+            <ac:spMk id="2" creationId="{A41E420E-127B-5E82-70FD-02DDBB3E1984}"/>
+          </ac:spMkLst>
+        </pc:spChg>
+        <pc:spChg chg="mod">
+          <ac:chgData name="Shahar Edelman" userId="aa504bdc-97fd-43f3-881c-3fdbdf419664" providerId="ADAL" clId="{575524EE-847D-4328-A9BB-1B51D697A921}" dt="2025-06-29T08:06:45.165" v="447" actId="20577"/>
+          <ac:spMkLst>
+            <pc:docMk/>
+            <pc:sldMk cId="2217475511" sldId="264"/>
+            <ac:spMk id="8" creationId="{6ACB2A28-23E2-76E7-26F9-96E1300346EF}"/>
+          </ac:spMkLst>
+        </pc:spChg>
+      </pc:sldChg>
+      <pc:sldChg chg="add del">
+        <pc:chgData name="Shahar Edelman" userId="aa504bdc-97fd-43f3-881c-3fdbdf419664" providerId="ADAL" clId="{575524EE-847D-4328-A9BB-1B51D697A921}" dt="2025-06-29T08:06:50.032" v="449" actId="47"/>
+        <pc:sldMkLst>
+          <pc:docMk/>
+          <pc:sldMk cId="1331175958" sldId="265"/>
+        </pc:sldMkLst>
+      </pc:sldChg>
+    </pc:docChg>
+  </pc:docChgLst>
+</pc:chgInfo>
 </file>
 
 <file path=ppt/diagrams/colors1.xml><?xml version="1.0" encoding="utf-8"?>
@@ -2907,7 +3113,7 @@
           <a:p>
             <a:fld id="{71C9DD0B-7FC0-4858-B5CE-84176FCB6606}" type="datetimeFigureOut">
               <a:rPr lang="LID4096" smtClean="0"/>
-              <a:t>06/26/2025</a:t>
+              <a:t>06/29/2025</a:t>
             </a:fld>
             <a:endParaRPr lang="LID4096"/>
           </a:p>
@@ -3107,7 +3313,7 @@
           <a:p>
             <a:fld id="{71C9DD0B-7FC0-4858-B5CE-84176FCB6606}" type="datetimeFigureOut">
               <a:rPr lang="LID4096" smtClean="0"/>
-              <a:t>06/26/2025</a:t>
+              <a:t>06/29/2025</a:t>
             </a:fld>
             <a:endParaRPr lang="LID4096"/>
           </a:p>
@@ -3317,7 +3523,7 @@
           <a:p>
             <a:fld id="{71C9DD0B-7FC0-4858-B5CE-84176FCB6606}" type="datetimeFigureOut">
               <a:rPr lang="LID4096" smtClean="0"/>
-              <a:t>06/26/2025</a:t>
+              <a:t>06/29/2025</a:t>
             </a:fld>
             <a:endParaRPr lang="LID4096"/>
           </a:p>
@@ -3517,7 +3723,7 @@
           <a:p>
             <a:fld id="{71C9DD0B-7FC0-4858-B5CE-84176FCB6606}" type="datetimeFigureOut">
               <a:rPr lang="LID4096" smtClean="0"/>
-              <a:t>06/26/2025</a:t>
+              <a:t>06/29/2025</a:t>
             </a:fld>
             <a:endParaRPr lang="LID4096"/>
           </a:p>
@@ -3793,7 +3999,7 @@
           <a:p>
             <a:fld id="{71C9DD0B-7FC0-4858-B5CE-84176FCB6606}" type="datetimeFigureOut">
               <a:rPr lang="LID4096" smtClean="0"/>
-              <a:t>06/26/2025</a:t>
+              <a:t>06/29/2025</a:t>
             </a:fld>
             <a:endParaRPr lang="LID4096"/>
           </a:p>
@@ -4061,7 +4267,7 @@
           <a:p>
             <a:fld id="{71C9DD0B-7FC0-4858-B5CE-84176FCB6606}" type="datetimeFigureOut">
               <a:rPr lang="LID4096" smtClean="0"/>
-              <a:t>06/26/2025</a:t>
+              <a:t>06/29/2025</a:t>
             </a:fld>
             <a:endParaRPr lang="LID4096"/>
           </a:p>
@@ -4476,7 +4682,7 @@
           <a:p>
             <a:fld id="{71C9DD0B-7FC0-4858-B5CE-84176FCB6606}" type="datetimeFigureOut">
               <a:rPr lang="LID4096" smtClean="0"/>
-              <a:t>06/26/2025</a:t>
+              <a:t>06/29/2025</a:t>
             </a:fld>
             <a:endParaRPr lang="LID4096"/>
           </a:p>
@@ -4618,7 +4824,7 @@
           <a:p>
             <a:fld id="{71C9DD0B-7FC0-4858-B5CE-84176FCB6606}" type="datetimeFigureOut">
               <a:rPr lang="LID4096" smtClean="0"/>
-              <a:t>06/26/2025</a:t>
+              <a:t>06/29/2025</a:t>
             </a:fld>
             <a:endParaRPr lang="LID4096"/>
           </a:p>
@@ -4731,7 +4937,7 @@
           <a:p>
             <a:fld id="{71C9DD0B-7FC0-4858-B5CE-84176FCB6606}" type="datetimeFigureOut">
               <a:rPr lang="LID4096" smtClean="0"/>
-              <a:t>06/26/2025</a:t>
+              <a:t>06/29/2025</a:t>
             </a:fld>
             <a:endParaRPr lang="LID4096"/>
           </a:p>
@@ -5044,7 +5250,7 @@
           <a:p>
             <a:fld id="{71C9DD0B-7FC0-4858-B5CE-84176FCB6606}" type="datetimeFigureOut">
               <a:rPr lang="LID4096" smtClean="0"/>
-              <a:t>06/26/2025</a:t>
+              <a:t>06/29/2025</a:t>
             </a:fld>
             <a:endParaRPr lang="LID4096"/>
           </a:p>
@@ -5333,7 +5539,7 @@
           <a:p>
             <a:fld id="{71C9DD0B-7FC0-4858-B5CE-84176FCB6606}" type="datetimeFigureOut">
               <a:rPr lang="LID4096" smtClean="0"/>
-              <a:t>06/26/2025</a:t>
+              <a:t>06/29/2025</a:t>
             </a:fld>
             <a:endParaRPr lang="LID4096"/>
           </a:p>
@@ -5576,7 +5782,7 @@
           <a:p>
             <a:fld id="{71C9DD0B-7FC0-4858-B5CE-84176FCB6606}" type="datetimeFigureOut">
               <a:rPr lang="LID4096" smtClean="0"/>
-              <a:t>06/26/2025</a:t>
+              <a:t>06/29/2025</a:t>
             </a:fld>
             <a:endParaRPr lang="LID4096"/>
           </a:p>
@@ -6169,7 +6375,17 @@
           </a:bodyPr>
           <a:lstStyle/>
           <a:p>
-            <a:endParaRPr lang="LID4096" sz="5400"/>
+            <a:r>
+              <a:rPr lang="en-US" sz="5400" dirty="0">
+                <a:latin typeface="Assistant" pitchFamily="2" charset="-79"/>
+                <a:cs typeface="Assistant" pitchFamily="2" charset="-79"/>
+              </a:rPr>
+              <a:t>Motivation</a:t>
+            </a:r>
+            <a:endParaRPr lang="LID4096" sz="5400" dirty="0">
+              <a:latin typeface="Assistant" pitchFamily="2" charset="-79"/>
+              <a:cs typeface="Assistant" pitchFamily="2" charset="-79"/>
+            </a:endParaRPr>
           </a:p>
         </p:txBody>
       </p:sp>
@@ -6835,12 +7051,1755 @@
           </a:p>
         </p:txBody>
       </p:sp>
+      <p:sp>
+        <p:nvSpPr>
+          <p:cNvPr id="8" name="Content Placeholder 7">
+            <a:extLst>
+              <a:ext uri="{FF2B5EF4-FFF2-40B4-BE49-F238E27FC236}">
+                <a16:creationId xmlns:a16="http://schemas.microsoft.com/office/drawing/2014/main" id="{D62743CD-F7BB-5EF8-24D1-5D1CFC78B696}"/>
+              </a:ext>
+            </a:extLst>
+          </p:cNvPr>
+          <p:cNvSpPr>
+            <a:spLocks noGrp="1"/>
+          </p:cNvSpPr>
+          <p:nvPr>
+            <p:ph idx="1"/>
+          </p:nvPr>
+        </p:nvSpPr>
+        <p:spPr/>
+        <p:txBody>
+          <a:bodyPr>
+            <a:normAutofit/>
+          </a:bodyPr>
+          <a:lstStyle/>
+          <a:p>
+            <a:pPr marL="0" indent="0">
+              <a:buNone/>
+            </a:pPr>
+            <a:r>
+              <a:rPr lang="en-US" sz="3600" dirty="0">
+                <a:latin typeface="Assistant" pitchFamily="2" charset="-79"/>
+                <a:cs typeface="Assistant" pitchFamily="2" charset="-79"/>
+              </a:rPr>
+              <a:t>Can learning happen in single cells?</a:t>
+            </a:r>
+          </a:p>
+          <a:p>
+            <a:pPr marL="0" indent="0">
+              <a:buNone/>
+            </a:pPr>
+            <a:endParaRPr lang="en-US" sz="3600" dirty="0">
+              <a:latin typeface="Assistant" pitchFamily="2" charset="-79"/>
+              <a:cs typeface="Assistant" pitchFamily="2" charset="-79"/>
+            </a:endParaRPr>
+          </a:p>
+          <a:p>
+            <a:pPr marL="0" indent="0">
+              <a:buNone/>
+            </a:pPr>
+            <a:r>
+              <a:rPr lang="en-US" sz="3600" dirty="0">
+                <a:latin typeface="Assistant" pitchFamily="2" charset="-79"/>
+                <a:cs typeface="Assistant" pitchFamily="2" charset="-79"/>
+              </a:rPr>
+              <a:t>Importance of learning (fitness but cost)</a:t>
+            </a:r>
+            <a:endParaRPr lang="LID4096" sz="3600" dirty="0">
+              <a:latin typeface="Assistant" pitchFamily="2" charset="-79"/>
+              <a:cs typeface="Assistant" pitchFamily="2" charset="-79"/>
+            </a:endParaRPr>
+          </a:p>
+        </p:txBody>
+      </p:sp>
+    </p:spTree>
+    <p:extLst>
+      <p:ext uri="{BB962C8B-B14F-4D97-AF65-F5344CB8AC3E}">
+        <p14:creationId xmlns:p14="http://schemas.microsoft.com/office/powerpoint/2010/main" val="1931218120"/>
+      </p:ext>
+    </p:extLst>
+  </p:cSld>
+  <p:clrMapOvr>
+    <a:masterClrMapping/>
+  </p:clrMapOvr>
+</p:sld>
+</file>
+
+<file path=ppt/slides/slide3.xml><?xml version="1.0" encoding="utf-8"?>
+<p:sld xmlns:a="http://schemas.openxmlformats.org/drawingml/2006/main" xmlns:r="http://schemas.openxmlformats.org/officeDocument/2006/relationships" xmlns:p="http://schemas.openxmlformats.org/presentationml/2006/main">
+  <p:cSld>
+    <p:bg>
+      <p:bgPr>
+        <a:solidFill>
+          <a:schemeClr val="bg1"/>
+        </a:solidFill>
+        <a:effectLst/>
+      </p:bgPr>
+    </p:bg>
+    <p:spTree>
+      <p:nvGrpSpPr>
+        <p:cNvPr id="1" name="">
+          <a:extLst>
+            <a:ext uri="{FF2B5EF4-FFF2-40B4-BE49-F238E27FC236}">
+              <a16:creationId xmlns:a16="http://schemas.microsoft.com/office/drawing/2014/main" id="{EE4E0E6D-EB26-359A-4B2B-C182A8D7B16C}"/>
+            </a:ext>
+          </a:extLst>
+        </p:cNvPr>
+        <p:cNvGrpSpPr/>
+        <p:nvPr/>
+      </p:nvGrpSpPr>
+      <p:grpSpPr>
+        <a:xfrm>
+          <a:off x="0" y="0"/>
+          <a:ext cx="0" cy="0"/>
+          <a:chOff x="0" y="0"/>
+          <a:chExt cx="0" cy="0"/>
+        </a:xfrm>
+      </p:grpSpPr>
+      <p:sp useBgFill="1">
+        <p:nvSpPr>
+          <p:cNvPr id="18" name="Rectangle 17">
+            <a:extLst>
+              <a:ext uri="{FF2B5EF4-FFF2-40B4-BE49-F238E27FC236}">
+                <a16:creationId xmlns:a16="http://schemas.microsoft.com/office/drawing/2014/main" id="{910ED104-1421-CE74-7796-B0346833CB8B}"/>
+              </a:ext>
+              <a:ext uri="{C183D7F6-B498-43B3-948B-1728B52AA6E4}">
+                <adec:decorative xmlns:adec="http://schemas.microsoft.com/office/drawing/2017/decorative" val="1"/>
+              </a:ext>
+            </a:extLst>
+          </p:cNvPr>
+          <p:cNvSpPr>
+            <a:spLocks noGrp="1" noRot="1" noChangeAspect="1" noMove="1" noResize="1" noEditPoints="1" noAdjustHandles="1" noChangeArrowheads="1" noChangeShapeType="1" noTextEdit="1"/>
+          </p:cNvSpPr>
+          <p:nvPr>
+            <p:extLst>
+              <p:ext uri="{386F3935-93C4-4BCD-93E2-E3B085C9AB24}">
+                <p16:designElem xmlns:p16="http://schemas.microsoft.com/office/powerpoint/2015/main" val="1"/>
+              </p:ext>
+            </p:extLst>
+          </p:nvPr>
+        </p:nvSpPr>
+        <p:spPr>
+          <a:xfrm>
+            <a:off x="0" y="0"/>
+            <a:ext cx="12188952" cy="6858000"/>
+          </a:xfrm>
+          <a:prstGeom prst="rect">
+            <a:avLst/>
+          </a:prstGeom>
+          <a:ln>
+            <a:noFill/>
+          </a:ln>
+        </p:spPr>
+        <p:style>
+          <a:lnRef idx="2">
+            <a:schemeClr val="accent1">
+              <a:shade val="50000"/>
+            </a:schemeClr>
+          </a:lnRef>
+          <a:fillRef idx="1">
+            <a:schemeClr val="accent1"/>
+          </a:fillRef>
+          <a:effectRef idx="0">
+            <a:schemeClr val="accent1"/>
+          </a:effectRef>
+          <a:fontRef idx="minor">
+            <a:schemeClr val="lt1"/>
+          </a:fontRef>
+        </p:style>
+        <p:txBody>
+          <a:bodyPr rtlCol="0" anchor="ctr"/>
+          <a:lstStyle/>
+          <a:p>
+            <a:pPr algn="ctr"/>
+            <a:endParaRPr lang="en-US"/>
+          </a:p>
+        </p:txBody>
+      </p:sp>
+      <p:sp>
+        <p:nvSpPr>
+          <p:cNvPr id="2" name="Title 1">
+            <a:extLst>
+              <a:ext uri="{FF2B5EF4-FFF2-40B4-BE49-F238E27FC236}">
+                <a16:creationId xmlns:a16="http://schemas.microsoft.com/office/drawing/2014/main" id="{98B014C1-33E6-DE01-F1EC-8436A4D197F5}"/>
+              </a:ext>
+            </a:extLst>
+          </p:cNvPr>
+          <p:cNvSpPr>
+            <a:spLocks noGrp="1"/>
+          </p:cNvSpPr>
+          <p:nvPr>
+            <p:ph type="title"/>
+          </p:nvPr>
+        </p:nvSpPr>
+        <p:spPr>
+          <a:xfrm>
+            <a:off x="572493" y="238539"/>
+            <a:ext cx="11018520" cy="1434415"/>
+          </a:xfrm>
+        </p:spPr>
+        <p:txBody>
+          <a:bodyPr anchor="b">
+            <a:normAutofit/>
+          </a:bodyPr>
+          <a:lstStyle/>
+          <a:p>
+            <a:r>
+              <a:rPr lang="en-US" sz="5400" dirty="0">
+                <a:latin typeface="Assistant" pitchFamily="2" charset="-79"/>
+                <a:cs typeface="Assistant" pitchFamily="2" charset="-79"/>
+              </a:rPr>
+              <a:t>Model	</a:t>
+            </a:r>
+            <a:endParaRPr lang="LID4096" sz="5400" dirty="0">
+              <a:latin typeface="Assistant" pitchFamily="2" charset="-79"/>
+              <a:cs typeface="Assistant" pitchFamily="2" charset="-79"/>
+            </a:endParaRPr>
+          </a:p>
+        </p:txBody>
+      </p:sp>
+      <p:sp>
+        <p:nvSpPr>
+          <p:cNvPr id="20" name="sketchy line">
+            <a:extLst>
+              <a:ext uri="{FF2B5EF4-FFF2-40B4-BE49-F238E27FC236}">
+                <a16:creationId xmlns:a16="http://schemas.microsoft.com/office/drawing/2014/main" id="{2F1BEDD9-5364-9508-F5CA-964BB8542AF4}"/>
+              </a:ext>
+              <a:ext uri="{C183D7F6-B498-43B3-948B-1728B52AA6E4}">
+                <adec:decorative xmlns:adec="http://schemas.microsoft.com/office/drawing/2017/decorative" val="1"/>
+              </a:ext>
+            </a:extLst>
+          </p:cNvPr>
+          <p:cNvSpPr>
+            <a:spLocks noGrp="1" noRot="1" noChangeAspect="1" noMove="1" noResize="1" noEditPoints="1" noAdjustHandles="1" noChangeArrowheads="1" noChangeShapeType="1" noTextEdit="1"/>
+          </p:cNvSpPr>
+          <p:nvPr>
+            <p:extLst>
+              <p:ext uri="{386F3935-93C4-4BCD-93E2-E3B085C9AB24}">
+                <p16:designElem xmlns:p16="http://schemas.microsoft.com/office/powerpoint/2015/main" val="1"/>
+              </p:ext>
+            </p:extLst>
+          </p:nvPr>
+        </p:nvSpPr>
+        <p:spPr>
+          <a:xfrm>
+            <a:off x="572493" y="1681544"/>
+            <a:ext cx="10972800" cy="18288"/>
+          </a:xfrm>
+          <a:custGeom>
+            <a:avLst/>
+            <a:gdLst>
+              <a:gd name="connsiteX0" fmla="*/ 0 w 10972800"/>
+              <a:gd name="connsiteY0" fmla="*/ 0 h 18288"/>
+              <a:gd name="connsiteX1" fmla="*/ 356616 w 10972800"/>
+              <a:gd name="connsiteY1" fmla="*/ 0 h 18288"/>
+              <a:gd name="connsiteX2" fmla="*/ 1042416 w 10972800"/>
+              <a:gd name="connsiteY2" fmla="*/ 0 h 18288"/>
+              <a:gd name="connsiteX3" fmla="*/ 1947672 w 10972800"/>
+              <a:gd name="connsiteY3" fmla="*/ 0 h 18288"/>
+              <a:gd name="connsiteX4" fmla="*/ 2633472 w 10972800"/>
+              <a:gd name="connsiteY4" fmla="*/ 0 h 18288"/>
+              <a:gd name="connsiteX5" fmla="*/ 2990088 w 10972800"/>
+              <a:gd name="connsiteY5" fmla="*/ 0 h 18288"/>
+              <a:gd name="connsiteX6" fmla="*/ 3456432 w 10972800"/>
+              <a:gd name="connsiteY6" fmla="*/ 0 h 18288"/>
+              <a:gd name="connsiteX7" fmla="*/ 4361688 w 10972800"/>
+              <a:gd name="connsiteY7" fmla="*/ 0 h 18288"/>
+              <a:gd name="connsiteX8" fmla="*/ 5266944 w 10972800"/>
+              <a:gd name="connsiteY8" fmla="*/ 0 h 18288"/>
+              <a:gd name="connsiteX9" fmla="*/ 6172200 w 10972800"/>
+              <a:gd name="connsiteY9" fmla="*/ 0 h 18288"/>
+              <a:gd name="connsiteX10" fmla="*/ 6528816 w 10972800"/>
+              <a:gd name="connsiteY10" fmla="*/ 0 h 18288"/>
+              <a:gd name="connsiteX11" fmla="*/ 7214616 w 10972800"/>
+              <a:gd name="connsiteY11" fmla="*/ 0 h 18288"/>
+              <a:gd name="connsiteX12" fmla="*/ 7790688 w 10972800"/>
+              <a:gd name="connsiteY12" fmla="*/ 0 h 18288"/>
+              <a:gd name="connsiteX13" fmla="*/ 8147304 w 10972800"/>
+              <a:gd name="connsiteY13" fmla="*/ 0 h 18288"/>
+              <a:gd name="connsiteX14" fmla="*/ 9052560 w 10972800"/>
+              <a:gd name="connsiteY14" fmla="*/ 0 h 18288"/>
+              <a:gd name="connsiteX15" fmla="*/ 9409176 w 10972800"/>
+              <a:gd name="connsiteY15" fmla="*/ 0 h 18288"/>
+              <a:gd name="connsiteX16" fmla="*/ 9765792 w 10972800"/>
+              <a:gd name="connsiteY16" fmla="*/ 0 h 18288"/>
+              <a:gd name="connsiteX17" fmla="*/ 10341864 w 10972800"/>
+              <a:gd name="connsiteY17" fmla="*/ 0 h 18288"/>
+              <a:gd name="connsiteX18" fmla="*/ 10972800 w 10972800"/>
+              <a:gd name="connsiteY18" fmla="*/ 0 h 18288"/>
+              <a:gd name="connsiteX19" fmla="*/ 10972800 w 10972800"/>
+              <a:gd name="connsiteY19" fmla="*/ 18288 h 18288"/>
+              <a:gd name="connsiteX20" fmla="*/ 10177272 w 10972800"/>
+              <a:gd name="connsiteY20" fmla="*/ 18288 h 18288"/>
+              <a:gd name="connsiteX21" fmla="*/ 9820656 w 10972800"/>
+              <a:gd name="connsiteY21" fmla="*/ 18288 h 18288"/>
+              <a:gd name="connsiteX22" fmla="*/ 9464040 w 10972800"/>
+              <a:gd name="connsiteY22" fmla="*/ 18288 h 18288"/>
+              <a:gd name="connsiteX23" fmla="*/ 8778240 w 10972800"/>
+              <a:gd name="connsiteY23" fmla="*/ 18288 h 18288"/>
+              <a:gd name="connsiteX24" fmla="*/ 8421624 w 10972800"/>
+              <a:gd name="connsiteY24" fmla="*/ 18288 h 18288"/>
+              <a:gd name="connsiteX25" fmla="*/ 7735824 w 10972800"/>
+              <a:gd name="connsiteY25" fmla="*/ 18288 h 18288"/>
+              <a:gd name="connsiteX26" fmla="*/ 6940296 w 10972800"/>
+              <a:gd name="connsiteY26" fmla="*/ 18288 h 18288"/>
+              <a:gd name="connsiteX27" fmla="*/ 6254496 w 10972800"/>
+              <a:gd name="connsiteY27" fmla="*/ 18288 h 18288"/>
+              <a:gd name="connsiteX28" fmla="*/ 5458968 w 10972800"/>
+              <a:gd name="connsiteY28" fmla="*/ 18288 h 18288"/>
+              <a:gd name="connsiteX29" fmla="*/ 4663440 w 10972800"/>
+              <a:gd name="connsiteY29" fmla="*/ 18288 h 18288"/>
+              <a:gd name="connsiteX30" fmla="*/ 4306824 w 10972800"/>
+              <a:gd name="connsiteY30" fmla="*/ 18288 h 18288"/>
+              <a:gd name="connsiteX31" fmla="*/ 3840480 w 10972800"/>
+              <a:gd name="connsiteY31" fmla="*/ 18288 h 18288"/>
+              <a:gd name="connsiteX32" fmla="*/ 3264408 w 10972800"/>
+              <a:gd name="connsiteY32" fmla="*/ 18288 h 18288"/>
+              <a:gd name="connsiteX33" fmla="*/ 2578608 w 10972800"/>
+              <a:gd name="connsiteY33" fmla="*/ 18288 h 18288"/>
+              <a:gd name="connsiteX34" fmla="*/ 1673352 w 10972800"/>
+              <a:gd name="connsiteY34" fmla="*/ 18288 h 18288"/>
+              <a:gd name="connsiteX35" fmla="*/ 877824 w 10972800"/>
+              <a:gd name="connsiteY35" fmla="*/ 18288 h 18288"/>
+              <a:gd name="connsiteX36" fmla="*/ 0 w 10972800"/>
+              <a:gd name="connsiteY36" fmla="*/ 18288 h 18288"/>
+              <a:gd name="connsiteX37" fmla="*/ 0 w 10972800"/>
+              <a:gd name="connsiteY37" fmla="*/ 0 h 18288"/>
+            </a:gdLst>
+            <a:ahLst/>
+            <a:cxnLst>
+              <a:cxn ang="0">
+                <a:pos x="connsiteX0" y="connsiteY0"/>
+              </a:cxn>
+              <a:cxn ang="0">
+                <a:pos x="connsiteX1" y="connsiteY1"/>
+              </a:cxn>
+              <a:cxn ang="0">
+                <a:pos x="connsiteX2" y="connsiteY2"/>
+              </a:cxn>
+              <a:cxn ang="0">
+                <a:pos x="connsiteX3" y="connsiteY3"/>
+              </a:cxn>
+              <a:cxn ang="0">
+                <a:pos x="connsiteX4" y="connsiteY4"/>
+              </a:cxn>
+              <a:cxn ang="0">
+                <a:pos x="connsiteX5" y="connsiteY5"/>
+              </a:cxn>
+              <a:cxn ang="0">
+                <a:pos x="connsiteX6" y="connsiteY6"/>
+              </a:cxn>
+              <a:cxn ang="0">
+                <a:pos x="connsiteX7" y="connsiteY7"/>
+              </a:cxn>
+              <a:cxn ang="0">
+                <a:pos x="connsiteX8" y="connsiteY8"/>
+              </a:cxn>
+              <a:cxn ang="0">
+                <a:pos x="connsiteX9" y="connsiteY9"/>
+              </a:cxn>
+              <a:cxn ang="0">
+                <a:pos x="connsiteX10" y="connsiteY10"/>
+              </a:cxn>
+              <a:cxn ang="0">
+                <a:pos x="connsiteX11" y="connsiteY11"/>
+              </a:cxn>
+              <a:cxn ang="0">
+                <a:pos x="connsiteX12" y="connsiteY12"/>
+              </a:cxn>
+              <a:cxn ang="0">
+                <a:pos x="connsiteX13" y="connsiteY13"/>
+              </a:cxn>
+              <a:cxn ang="0">
+                <a:pos x="connsiteX14" y="connsiteY14"/>
+              </a:cxn>
+              <a:cxn ang="0">
+                <a:pos x="connsiteX15" y="connsiteY15"/>
+              </a:cxn>
+              <a:cxn ang="0">
+                <a:pos x="connsiteX16" y="connsiteY16"/>
+              </a:cxn>
+              <a:cxn ang="0">
+                <a:pos x="connsiteX17" y="connsiteY17"/>
+              </a:cxn>
+              <a:cxn ang="0">
+                <a:pos x="connsiteX18" y="connsiteY18"/>
+              </a:cxn>
+              <a:cxn ang="0">
+                <a:pos x="connsiteX19" y="connsiteY19"/>
+              </a:cxn>
+              <a:cxn ang="0">
+                <a:pos x="connsiteX20" y="connsiteY20"/>
+              </a:cxn>
+              <a:cxn ang="0">
+                <a:pos x="connsiteX21" y="connsiteY21"/>
+              </a:cxn>
+              <a:cxn ang="0">
+                <a:pos x="connsiteX22" y="connsiteY22"/>
+              </a:cxn>
+              <a:cxn ang="0">
+                <a:pos x="connsiteX23" y="connsiteY23"/>
+              </a:cxn>
+              <a:cxn ang="0">
+                <a:pos x="connsiteX24" y="connsiteY24"/>
+              </a:cxn>
+              <a:cxn ang="0">
+                <a:pos x="connsiteX25" y="connsiteY25"/>
+              </a:cxn>
+              <a:cxn ang="0">
+                <a:pos x="connsiteX26" y="connsiteY26"/>
+              </a:cxn>
+              <a:cxn ang="0">
+                <a:pos x="connsiteX27" y="connsiteY27"/>
+              </a:cxn>
+              <a:cxn ang="0">
+                <a:pos x="connsiteX28" y="connsiteY28"/>
+              </a:cxn>
+              <a:cxn ang="0">
+                <a:pos x="connsiteX29" y="connsiteY29"/>
+              </a:cxn>
+              <a:cxn ang="0">
+                <a:pos x="connsiteX30" y="connsiteY30"/>
+              </a:cxn>
+              <a:cxn ang="0">
+                <a:pos x="connsiteX31" y="connsiteY31"/>
+              </a:cxn>
+              <a:cxn ang="0">
+                <a:pos x="connsiteX32" y="connsiteY32"/>
+              </a:cxn>
+              <a:cxn ang="0">
+                <a:pos x="connsiteX33" y="connsiteY33"/>
+              </a:cxn>
+              <a:cxn ang="0">
+                <a:pos x="connsiteX34" y="connsiteY34"/>
+              </a:cxn>
+              <a:cxn ang="0">
+                <a:pos x="connsiteX35" y="connsiteY35"/>
+              </a:cxn>
+              <a:cxn ang="0">
+                <a:pos x="connsiteX36" y="connsiteY36"/>
+              </a:cxn>
+              <a:cxn ang="0">
+                <a:pos x="connsiteX37" y="connsiteY37"/>
+              </a:cxn>
+            </a:cxnLst>
+            <a:rect l="l" t="t" r="r" b="b"/>
+            <a:pathLst>
+              <a:path w="10972800" h="18288" fill="none" extrusionOk="0">
+                <a:moveTo>
+                  <a:pt x="0" y="0"/>
+                </a:moveTo>
+                <a:cubicBezTo>
+                  <a:pt x="165916" y="-1866"/>
+                  <a:pt x="188720" y="13756"/>
+                  <a:pt x="356616" y="0"/>
+                </a:cubicBezTo>
+                <a:cubicBezTo>
+                  <a:pt x="524512" y="-13756"/>
+                  <a:pt x="734781" y="8922"/>
+                  <a:pt x="1042416" y="0"/>
+                </a:cubicBezTo>
+                <a:cubicBezTo>
+                  <a:pt x="1350051" y="-8922"/>
+                  <a:pt x="1595982" y="-26315"/>
+                  <a:pt x="1947672" y="0"/>
+                </a:cubicBezTo>
+                <a:cubicBezTo>
+                  <a:pt x="2299362" y="26315"/>
+                  <a:pt x="2292691" y="-19526"/>
+                  <a:pt x="2633472" y="0"/>
+                </a:cubicBezTo>
+                <a:cubicBezTo>
+                  <a:pt x="2974253" y="19526"/>
+                  <a:pt x="2857309" y="10773"/>
+                  <a:pt x="2990088" y="0"/>
+                </a:cubicBezTo>
+                <a:cubicBezTo>
+                  <a:pt x="3122867" y="-10773"/>
+                  <a:pt x="3359343" y="7194"/>
+                  <a:pt x="3456432" y="0"/>
+                </a:cubicBezTo>
+                <a:cubicBezTo>
+                  <a:pt x="3553521" y="-7194"/>
+                  <a:pt x="4136258" y="5108"/>
+                  <a:pt x="4361688" y="0"/>
+                </a:cubicBezTo>
+                <a:cubicBezTo>
+                  <a:pt x="4587118" y="-5108"/>
+                  <a:pt x="4992424" y="-42958"/>
+                  <a:pt x="5266944" y="0"/>
+                </a:cubicBezTo>
+                <a:cubicBezTo>
+                  <a:pt x="5541464" y="42958"/>
+                  <a:pt x="5882966" y="-3430"/>
+                  <a:pt x="6172200" y="0"/>
+                </a:cubicBezTo>
+                <a:cubicBezTo>
+                  <a:pt x="6461434" y="3430"/>
+                  <a:pt x="6432127" y="6688"/>
+                  <a:pt x="6528816" y="0"/>
+                </a:cubicBezTo>
+                <a:cubicBezTo>
+                  <a:pt x="6625505" y="-6688"/>
+                  <a:pt x="6916805" y="-436"/>
+                  <a:pt x="7214616" y="0"/>
+                </a:cubicBezTo>
+                <a:cubicBezTo>
+                  <a:pt x="7512427" y="436"/>
+                  <a:pt x="7626159" y="-6909"/>
+                  <a:pt x="7790688" y="0"/>
+                </a:cubicBezTo>
+                <a:cubicBezTo>
+                  <a:pt x="7955217" y="6909"/>
+                  <a:pt x="8048891" y="15307"/>
+                  <a:pt x="8147304" y="0"/>
+                </a:cubicBezTo>
+                <a:cubicBezTo>
+                  <a:pt x="8245717" y="-15307"/>
+                  <a:pt x="8645618" y="-11734"/>
+                  <a:pt x="9052560" y="0"/>
+                </a:cubicBezTo>
+                <a:cubicBezTo>
+                  <a:pt x="9459502" y="11734"/>
+                  <a:pt x="9320584" y="8388"/>
+                  <a:pt x="9409176" y="0"/>
+                </a:cubicBezTo>
+                <a:cubicBezTo>
+                  <a:pt x="9497768" y="-8388"/>
+                  <a:pt x="9644192" y="8379"/>
+                  <a:pt x="9765792" y="0"/>
+                </a:cubicBezTo>
+                <a:cubicBezTo>
+                  <a:pt x="9887392" y="-8379"/>
+                  <a:pt x="10105220" y="-12663"/>
+                  <a:pt x="10341864" y="0"/>
+                </a:cubicBezTo>
+                <a:cubicBezTo>
+                  <a:pt x="10578508" y="12663"/>
+                  <a:pt x="10773103" y="-5786"/>
+                  <a:pt x="10972800" y="0"/>
+                </a:cubicBezTo>
+                <a:cubicBezTo>
+                  <a:pt x="10972146" y="8818"/>
+                  <a:pt x="10972240" y="13823"/>
+                  <a:pt x="10972800" y="18288"/>
+                </a:cubicBezTo>
+                <a:cubicBezTo>
+                  <a:pt x="10588778" y="31598"/>
+                  <a:pt x="10543381" y="-12698"/>
+                  <a:pt x="10177272" y="18288"/>
+                </a:cubicBezTo>
+                <a:cubicBezTo>
+                  <a:pt x="9811163" y="49274"/>
+                  <a:pt x="9996817" y="25662"/>
+                  <a:pt x="9820656" y="18288"/>
+                </a:cubicBezTo>
+                <a:cubicBezTo>
+                  <a:pt x="9644495" y="10914"/>
+                  <a:pt x="9607007" y="31631"/>
+                  <a:pt x="9464040" y="18288"/>
+                </a:cubicBezTo>
+                <a:cubicBezTo>
+                  <a:pt x="9321073" y="4945"/>
+                  <a:pt x="9114189" y="28940"/>
+                  <a:pt x="8778240" y="18288"/>
+                </a:cubicBezTo>
+                <a:cubicBezTo>
+                  <a:pt x="8442291" y="7636"/>
+                  <a:pt x="8594763" y="987"/>
+                  <a:pt x="8421624" y="18288"/>
+                </a:cubicBezTo>
+                <a:cubicBezTo>
+                  <a:pt x="8248485" y="35589"/>
+                  <a:pt x="7929515" y="37573"/>
+                  <a:pt x="7735824" y="18288"/>
+                </a:cubicBezTo>
+                <a:cubicBezTo>
+                  <a:pt x="7542133" y="-997"/>
+                  <a:pt x="7252504" y="33858"/>
+                  <a:pt x="6940296" y="18288"/>
+                </a:cubicBezTo>
+                <a:cubicBezTo>
+                  <a:pt x="6628088" y="2718"/>
+                  <a:pt x="6528503" y="48389"/>
+                  <a:pt x="6254496" y="18288"/>
+                </a:cubicBezTo>
+                <a:cubicBezTo>
+                  <a:pt x="5980489" y="-11813"/>
+                  <a:pt x="5695784" y="-3740"/>
+                  <a:pt x="5458968" y="18288"/>
+                </a:cubicBezTo>
+                <a:cubicBezTo>
+                  <a:pt x="5222152" y="40316"/>
+                  <a:pt x="5010751" y="19095"/>
+                  <a:pt x="4663440" y="18288"/>
+                </a:cubicBezTo>
+                <a:cubicBezTo>
+                  <a:pt x="4316129" y="17481"/>
+                  <a:pt x="4425552" y="1606"/>
+                  <a:pt x="4306824" y="18288"/>
+                </a:cubicBezTo>
+                <a:cubicBezTo>
+                  <a:pt x="4188096" y="34970"/>
+                  <a:pt x="3941535" y="7481"/>
+                  <a:pt x="3840480" y="18288"/>
+                </a:cubicBezTo>
+                <a:cubicBezTo>
+                  <a:pt x="3739425" y="29095"/>
+                  <a:pt x="3402388" y="17641"/>
+                  <a:pt x="3264408" y="18288"/>
+                </a:cubicBezTo>
+                <a:cubicBezTo>
+                  <a:pt x="3126428" y="18935"/>
+                  <a:pt x="2776779" y="9983"/>
+                  <a:pt x="2578608" y="18288"/>
+                </a:cubicBezTo>
+                <a:cubicBezTo>
+                  <a:pt x="2380437" y="26593"/>
+                  <a:pt x="1909468" y="25818"/>
+                  <a:pt x="1673352" y="18288"/>
+                </a:cubicBezTo>
+                <a:cubicBezTo>
+                  <a:pt x="1437236" y="10758"/>
+                  <a:pt x="1131180" y="49884"/>
+                  <a:pt x="877824" y="18288"/>
+                </a:cubicBezTo>
+                <a:cubicBezTo>
+                  <a:pt x="624468" y="-13308"/>
+                  <a:pt x="206753" y="2195"/>
+                  <a:pt x="0" y="18288"/>
+                </a:cubicBezTo>
+                <a:cubicBezTo>
+                  <a:pt x="313" y="10654"/>
+                  <a:pt x="-263" y="4056"/>
+                  <a:pt x="0" y="0"/>
+                </a:cubicBezTo>
+                <a:close/>
+              </a:path>
+              <a:path w="10972800" h="18288" stroke="0" extrusionOk="0">
+                <a:moveTo>
+                  <a:pt x="0" y="0"/>
+                </a:moveTo>
+                <a:cubicBezTo>
+                  <a:pt x="164017" y="-17675"/>
+                  <a:pt x="309425" y="9913"/>
+                  <a:pt x="466344" y="0"/>
+                </a:cubicBezTo>
+                <a:cubicBezTo>
+                  <a:pt x="623263" y="-9913"/>
+                  <a:pt x="659300" y="-14524"/>
+                  <a:pt x="822960" y="0"/>
+                </a:cubicBezTo>
+                <a:cubicBezTo>
+                  <a:pt x="986620" y="14524"/>
+                  <a:pt x="1105222" y="-16481"/>
+                  <a:pt x="1289304" y="0"/>
+                </a:cubicBezTo>
+                <a:cubicBezTo>
+                  <a:pt x="1473386" y="16481"/>
+                  <a:pt x="1693223" y="26161"/>
+                  <a:pt x="1975104" y="0"/>
+                </a:cubicBezTo>
+                <a:cubicBezTo>
+                  <a:pt x="2256985" y="-26161"/>
+                  <a:pt x="2435781" y="23061"/>
+                  <a:pt x="2770632" y="0"/>
+                </a:cubicBezTo>
+                <a:cubicBezTo>
+                  <a:pt x="3105483" y="-23061"/>
+                  <a:pt x="3247479" y="-44011"/>
+                  <a:pt x="3675888" y="0"/>
+                </a:cubicBezTo>
+                <a:cubicBezTo>
+                  <a:pt x="4104297" y="44011"/>
+                  <a:pt x="4280918" y="4017"/>
+                  <a:pt x="4581144" y="0"/>
+                </a:cubicBezTo>
+                <a:cubicBezTo>
+                  <a:pt x="4881370" y="-4017"/>
+                  <a:pt x="5021699" y="-11889"/>
+                  <a:pt x="5157216" y="0"/>
+                </a:cubicBezTo>
+                <a:cubicBezTo>
+                  <a:pt x="5292733" y="11889"/>
+                  <a:pt x="5603398" y="-17698"/>
+                  <a:pt x="5952744" y="0"/>
+                </a:cubicBezTo>
+                <a:cubicBezTo>
+                  <a:pt x="6302090" y="17698"/>
+                  <a:pt x="6353093" y="-11909"/>
+                  <a:pt x="6638544" y="0"/>
+                </a:cubicBezTo>
+                <a:cubicBezTo>
+                  <a:pt x="6923995" y="11909"/>
+                  <a:pt x="7053404" y="21630"/>
+                  <a:pt x="7214616" y="0"/>
+                </a:cubicBezTo>
+                <a:cubicBezTo>
+                  <a:pt x="7375828" y="-21630"/>
+                  <a:pt x="7837963" y="3886"/>
+                  <a:pt x="8010144" y="0"/>
+                </a:cubicBezTo>
+                <a:cubicBezTo>
+                  <a:pt x="8182325" y="-3886"/>
+                  <a:pt x="8224183" y="16009"/>
+                  <a:pt x="8366760" y="0"/>
+                </a:cubicBezTo>
+                <a:cubicBezTo>
+                  <a:pt x="8509337" y="-16009"/>
+                  <a:pt x="8687920" y="-5720"/>
+                  <a:pt x="8942832" y="0"/>
+                </a:cubicBezTo>
+                <a:cubicBezTo>
+                  <a:pt x="9197744" y="5720"/>
+                  <a:pt x="9368437" y="20479"/>
+                  <a:pt x="9628632" y="0"/>
+                </a:cubicBezTo>
+                <a:cubicBezTo>
+                  <a:pt x="9888827" y="-20479"/>
+                  <a:pt x="10560858" y="-20746"/>
+                  <a:pt x="10972800" y="0"/>
+                </a:cubicBezTo>
+                <a:cubicBezTo>
+                  <a:pt x="10972186" y="5722"/>
+                  <a:pt x="10972980" y="12495"/>
+                  <a:pt x="10972800" y="18288"/>
+                </a:cubicBezTo>
+                <a:cubicBezTo>
+                  <a:pt x="10786146" y="12536"/>
+                  <a:pt x="10623717" y="14033"/>
+                  <a:pt x="10506456" y="18288"/>
+                </a:cubicBezTo>
+                <a:cubicBezTo>
+                  <a:pt x="10389195" y="22543"/>
+                  <a:pt x="10296178" y="20107"/>
+                  <a:pt x="10149840" y="18288"/>
+                </a:cubicBezTo>
+                <a:cubicBezTo>
+                  <a:pt x="10003502" y="16469"/>
+                  <a:pt x="9767530" y="28891"/>
+                  <a:pt x="9464040" y="18288"/>
+                </a:cubicBezTo>
+                <a:cubicBezTo>
+                  <a:pt x="9160550" y="7685"/>
+                  <a:pt x="9229050" y="2659"/>
+                  <a:pt x="8997696" y="18288"/>
+                </a:cubicBezTo>
+                <a:cubicBezTo>
+                  <a:pt x="8766342" y="33917"/>
+                  <a:pt x="8340136" y="34864"/>
+                  <a:pt x="8092440" y="18288"/>
+                </a:cubicBezTo>
+                <a:cubicBezTo>
+                  <a:pt x="7844744" y="1712"/>
+                  <a:pt x="7863720" y="27405"/>
+                  <a:pt x="7735824" y="18288"/>
+                </a:cubicBezTo>
+                <a:cubicBezTo>
+                  <a:pt x="7607928" y="9171"/>
+                  <a:pt x="7323619" y="461"/>
+                  <a:pt x="7050024" y="18288"/>
+                </a:cubicBezTo>
+                <a:cubicBezTo>
+                  <a:pt x="6776429" y="36115"/>
+                  <a:pt x="6787899" y="28206"/>
+                  <a:pt x="6693408" y="18288"/>
+                </a:cubicBezTo>
+                <a:cubicBezTo>
+                  <a:pt x="6598917" y="8370"/>
+                  <a:pt x="6395231" y="19114"/>
+                  <a:pt x="6227064" y="18288"/>
+                </a:cubicBezTo>
+                <a:cubicBezTo>
+                  <a:pt x="6058897" y="17462"/>
+                  <a:pt x="5618582" y="1091"/>
+                  <a:pt x="5431536" y="18288"/>
+                </a:cubicBezTo>
+                <a:cubicBezTo>
+                  <a:pt x="5244490" y="35485"/>
+                  <a:pt x="4729797" y="-9650"/>
+                  <a:pt x="4526280" y="18288"/>
+                </a:cubicBezTo>
+                <a:cubicBezTo>
+                  <a:pt x="4322763" y="46226"/>
+                  <a:pt x="4216797" y="756"/>
+                  <a:pt x="4059936" y="18288"/>
+                </a:cubicBezTo>
+                <a:cubicBezTo>
+                  <a:pt x="3903075" y="35820"/>
+                  <a:pt x="3537912" y="42098"/>
+                  <a:pt x="3374136" y="18288"/>
+                </a:cubicBezTo>
+                <a:cubicBezTo>
+                  <a:pt x="3210360" y="-5522"/>
+                  <a:pt x="3126842" y="39135"/>
+                  <a:pt x="2907792" y="18288"/>
+                </a:cubicBezTo>
+                <a:cubicBezTo>
+                  <a:pt x="2688742" y="-2559"/>
+                  <a:pt x="2490436" y="34100"/>
+                  <a:pt x="2112264" y="18288"/>
+                </a:cubicBezTo>
+                <a:cubicBezTo>
+                  <a:pt x="1734092" y="2476"/>
+                  <a:pt x="1744622" y="-7274"/>
+                  <a:pt x="1536192" y="18288"/>
+                </a:cubicBezTo>
+                <a:cubicBezTo>
+                  <a:pt x="1327762" y="43850"/>
+                  <a:pt x="1189025" y="6435"/>
+                  <a:pt x="1069848" y="18288"/>
+                </a:cubicBezTo>
+                <a:cubicBezTo>
+                  <a:pt x="950671" y="30141"/>
+                  <a:pt x="858345" y="33684"/>
+                  <a:pt x="713232" y="18288"/>
+                </a:cubicBezTo>
+                <a:cubicBezTo>
+                  <a:pt x="568119" y="2892"/>
+                  <a:pt x="250292" y="5410"/>
+                  <a:pt x="0" y="18288"/>
+                </a:cubicBezTo>
+                <a:cubicBezTo>
+                  <a:pt x="465" y="13062"/>
+                  <a:pt x="-894" y="9029"/>
+                  <a:pt x="0" y="0"/>
+                </a:cubicBezTo>
+                <a:close/>
+              </a:path>
+            </a:pathLst>
+          </a:custGeom>
+          <a:solidFill>
+            <a:schemeClr val="accent2">
+              <a:alpha val="75000"/>
+            </a:schemeClr>
+          </a:solidFill>
+          <a:ln w="44450" cap="rnd">
+            <a:solidFill>
+              <a:schemeClr val="accent2">
+                <a:alpha val="75000"/>
+              </a:schemeClr>
+            </a:solidFill>
+            <a:round/>
+            <a:extLst>
+              <a:ext uri="{C807C97D-BFC1-408E-A445-0C87EB9F89A2}">
+                <ask:lineSketchStyleProps xmlns:ask="http://schemas.microsoft.com/office/drawing/2018/sketchyshapes" sd="2727557108">
+                  <a:prstGeom prst="rect">
+                    <a:avLst/>
+                  </a:prstGeom>
+                  <ask:type>
+                    <ask:lineSketchFreehand/>
+                  </ask:type>
+                </ask:lineSketchStyleProps>
+              </a:ext>
+            </a:extLst>
+          </a:ln>
+        </p:spPr>
+        <p:style>
+          <a:lnRef idx="2">
+            <a:schemeClr val="accent1">
+              <a:shade val="50000"/>
+            </a:schemeClr>
+          </a:lnRef>
+          <a:fillRef idx="1">
+            <a:schemeClr val="accent1"/>
+          </a:fillRef>
+          <a:effectRef idx="0">
+            <a:schemeClr val="accent1"/>
+          </a:effectRef>
+          <a:fontRef idx="minor">
+            <a:schemeClr val="lt1"/>
+          </a:fontRef>
+        </p:style>
+        <p:txBody>
+          <a:bodyPr rtlCol="0" anchor="ctr"/>
+          <a:lstStyle/>
+          <a:p>
+            <a:pPr algn="ctr"/>
+            <a:endParaRPr lang="en-US"/>
+          </a:p>
+        </p:txBody>
+      </p:sp>
+      <p:sp>
+        <p:nvSpPr>
+          <p:cNvPr id="8" name="Content Placeholder 7">
+            <a:extLst>
+              <a:ext uri="{FF2B5EF4-FFF2-40B4-BE49-F238E27FC236}">
+                <a16:creationId xmlns:a16="http://schemas.microsoft.com/office/drawing/2014/main" id="{F9230E13-57A8-4B69-DBAB-565D5227123B}"/>
+              </a:ext>
+            </a:extLst>
+          </p:cNvPr>
+          <p:cNvSpPr>
+            <a:spLocks noGrp="1"/>
+          </p:cNvSpPr>
+          <p:nvPr>
+            <p:ph idx="1"/>
+          </p:nvPr>
+        </p:nvSpPr>
+        <p:spPr/>
+        <p:txBody>
+          <a:bodyPr>
+            <a:normAutofit/>
+          </a:bodyPr>
+          <a:lstStyle/>
+          <a:p>
+            <a:pPr marL="0" indent="0">
+              <a:buNone/>
+            </a:pPr>
+            <a:r>
+              <a:rPr lang="en-US" sz="3600" dirty="0">
+                <a:latin typeface="Assistant" pitchFamily="2" charset="-79"/>
+                <a:cs typeface="Assistant" pitchFamily="2" charset="-79"/>
+              </a:rPr>
+              <a:t>Sorek et. al. 2013</a:t>
+            </a:r>
+          </a:p>
+          <a:p>
+            <a:pPr marL="0" indent="0">
+              <a:buNone/>
+            </a:pPr>
+            <a:endParaRPr lang="en-US" sz="3600" dirty="0">
+              <a:latin typeface="Assistant" pitchFamily="2" charset="-79"/>
+              <a:cs typeface="Assistant" pitchFamily="2" charset="-79"/>
+            </a:endParaRPr>
+          </a:p>
+          <a:p>
+            <a:pPr marL="0" indent="0">
+              <a:buNone/>
+            </a:pPr>
+            <a:r>
+              <a:rPr lang="en-US" sz="3600" dirty="0">
+                <a:latin typeface="Assistant" pitchFamily="2" charset="-79"/>
+                <a:cs typeface="Assistant" pitchFamily="2" charset="-79"/>
+              </a:rPr>
+              <a:t>A word about population</a:t>
+            </a:r>
+          </a:p>
+          <a:p>
+            <a:pPr marL="0" indent="0">
+              <a:buNone/>
+            </a:pPr>
+            <a:endParaRPr lang="LID4096" sz="3600" dirty="0">
+              <a:latin typeface="Assistant" pitchFamily="2" charset="-79"/>
+              <a:cs typeface="Assistant" pitchFamily="2" charset="-79"/>
+            </a:endParaRPr>
+          </a:p>
+        </p:txBody>
+      </p:sp>
+    </p:spTree>
+    <p:extLst>
+      <p:ext uri="{BB962C8B-B14F-4D97-AF65-F5344CB8AC3E}">
+        <p14:creationId xmlns:p14="http://schemas.microsoft.com/office/powerpoint/2010/main" val="2355995172"/>
+      </p:ext>
+    </p:extLst>
+  </p:cSld>
+  <p:clrMapOvr>
+    <a:masterClrMapping/>
+  </p:clrMapOvr>
+</p:sld>
+</file>
+
+<file path=ppt/slides/slide4.xml><?xml version="1.0" encoding="utf-8"?>
+<p:sld xmlns:a="http://schemas.openxmlformats.org/drawingml/2006/main" xmlns:r="http://schemas.openxmlformats.org/officeDocument/2006/relationships" xmlns:p="http://schemas.openxmlformats.org/presentationml/2006/main">
+  <p:cSld>
+    <p:bg>
+      <p:bgPr>
+        <a:solidFill>
+          <a:schemeClr val="bg1"/>
+        </a:solidFill>
+        <a:effectLst/>
+      </p:bgPr>
+    </p:bg>
+    <p:spTree>
+      <p:nvGrpSpPr>
+        <p:cNvPr id="1" name="">
+          <a:extLst>
+            <a:ext uri="{FF2B5EF4-FFF2-40B4-BE49-F238E27FC236}">
+              <a16:creationId xmlns:a16="http://schemas.microsoft.com/office/drawing/2014/main" id="{FFC74EBF-7B0E-FD9D-26A3-1F15DDD9C835}"/>
+            </a:ext>
+          </a:extLst>
+        </p:cNvPr>
+        <p:cNvGrpSpPr/>
+        <p:nvPr/>
+      </p:nvGrpSpPr>
+      <p:grpSpPr>
+        <a:xfrm>
+          <a:off x="0" y="0"/>
+          <a:ext cx="0" cy="0"/>
+          <a:chOff x="0" y="0"/>
+          <a:chExt cx="0" cy="0"/>
+        </a:xfrm>
+      </p:grpSpPr>
+      <p:sp useBgFill="1">
+        <p:nvSpPr>
+          <p:cNvPr id="18" name="Rectangle 17">
+            <a:extLst>
+              <a:ext uri="{FF2B5EF4-FFF2-40B4-BE49-F238E27FC236}">
+                <a16:creationId xmlns:a16="http://schemas.microsoft.com/office/drawing/2014/main" id="{B2E85E0F-2400-F655-A441-297240AD8FBB}"/>
+              </a:ext>
+              <a:ext uri="{C183D7F6-B498-43B3-948B-1728B52AA6E4}">
+                <adec:decorative xmlns:adec="http://schemas.microsoft.com/office/drawing/2017/decorative" val="1"/>
+              </a:ext>
+            </a:extLst>
+          </p:cNvPr>
+          <p:cNvSpPr>
+            <a:spLocks noGrp="1" noRot="1" noChangeAspect="1" noMove="1" noResize="1" noEditPoints="1" noAdjustHandles="1" noChangeArrowheads="1" noChangeShapeType="1" noTextEdit="1"/>
+          </p:cNvSpPr>
+          <p:nvPr>
+            <p:extLst>
+              <p:ext uri="{386F3935-93C4-4BCD-93E2-E3B085C9AB24}">
+                <p16:designElem xmlns:p16="http://schemas.microsoft.com/office/powerpoint/2015/main" val="1"/>
+              </p:ext>
+            </p:extLst>
+          </p:nvPr>
+        </p:nvSpPr>
+        <p:spPr>
+          <a:xfrm>
+            <a:off x="0" y="0"/>
+            <a:ext cx="12188952" cy="6858000"/>
+          </a:xfrm>
+          <a:prstGeom prst="rect">
+            <a:avLst/>
+          </a:prstGeom>
+          <a:ln>
+            <a:noFill/>
+          </a:ln>
+        </p:spPr>
+        <p:style>
+          <a:lnRef idx="2">
+            <a:schemeClr val="accent1">
+              <a:shade val="50000"/>
+            </a:schemeClr>
+          </a:lnRef>
+          <a:fillRef idx="1">
+            <a:schemeClr val="accent1"/>
+          </a:fillRef>
+          <a:effectRef idx="0">
+            <a:schemeClr val="accent1"/>
+          </a:effectRef>
+          <a:fontRef idx="minor">
+            <a:schemeClr val="lt1"/>
+          </a:fontRef>
+        </p:style>
+        <p:txBody>
+          <a:bodyPr rtlCol="0" anchor="ctr"/>
+          <a:lstStyle/>
+          <a:p>
+            <a:pPr algn="ctr"/>
+            <a:endParaRPr lang="en-US"/>
+          </a:p>
+        </p:txBody>
+      </p:sp>
+      <p:sp>
+        <p:nvSpPr>
+          <p:cNvPr id="2" name="Title 1">
+            <a:extLst>
+              <a:ext uri="{FF2B5EF4-FFF2-40B4-BE49-F238E27FC236}">
+                <a16:creationId xmlns:a16="http://schemas.microsoft.com/office/drawing/2014/main" id="{F6910B2A-69BC-9DC2-5F5A-8F3E0940A5AD}"/>
+              </a:ext>
+            </a:extLst>
+          </p:cNvPr>
+          <p:cNvSpPr>
+            <a:spLocks noGrp="1"/>
+          </p:cNvSpPr>
+          <p:nvPr>
+            <p:ph type="title"/>
+          </p:nvPr>
+        </p:nvSpPr>
+        <p:spPr>
+          <a:xfrm>
+            <a:off x="572493" y="238539"/>
+            <a:ext cx="11018520" cy="1434415"/>
+          </a:xfrm>
+        </p:spPr>
+        <p:txBody>
+          <a:bodyPr anchor="b">
+            <a:normAutofit/>
+          </a:bodyPr>
+          <a:lstStyle/>
+          <a:p>
+            <a:r>
+              <a:rPr lang="en-US" sz="5400" dirty="0">
+                <a:latin typeface="Assistant" pitchFamily="2" charset="-79"/>
+                <a:cs typeface="Assistant" pitchFamily="2" charset="-79"/>
+              </a:rPr>
+              <a:t>Problems</a:t>
+            </a:r>
+            <a:endParaRPr lang="LID4096" sz="5400" dirty="0">
+              <a:latin typeface="Assistant" pitchFamily="2" charset="-79"/>
+              <a:cs typeface="Assistant" pitchFamily="2" charset="-79"/>
+            </a:endParaRPr>
+          </a:p>
+        </p:txBody>
+      </p:sp>
+      <p:sp>
+        <p:nvSpPr>
+          <p:cNvPr id="20" name="sketchy line">
+            <a:extLst>
+              <a:ext uri="{FF2B5EF4-FFF2-40B4-BE49-F238E27FC236}">
+                <a16:creationId xmlns:a16="http://schemas.microsoft.com/office/drawing/2014/main" id="{CD930D20-20D4-B610-96C5-90791FFB8667}"/>
+              </a:ext>
+              <a:ext uri="{C183D7F6-B498-43B3-948B-1728B52AA6E4}">
+                <adec:decorative xmlns:adec="http://schemas.microsoft.com/office/drawing/2017/decorative" val="1"/>
+              </a:ext>
+            </a:extLst>
+          </p:cNvPr>
+          <p:cNvSpPr>
+            <a:spLocks noGrp="1" noRot="1" noChangeAspect="1" noMove="1" noResize="1" noEditPoints="1" noAdjustHandles="1" noChangeArrowheads="1" noChangeShapeType="1" noTextEdit="1"/>
+          </p:cNvSpPr>
+          <p:nvPr>
+            <p:extLst>
+              <p:ext uri="{386F3935-93C4-4BCD-93E2-E3B085C9AB24}">
+                <p16:designElem xmlns:p16="http://schemas.microsoft.com/office/powerpoint/2015/main" val="1"/>
+              </p:ext>
+            </p:extLst>
+          </p:nvPr>
+        </p:nvSpPr>
+        <p:spPr>
+          <a:xfrm>
+            <a:off x="572493" y="1681544"/>
+            <a:ext cx="10972800" cy="18288"/>
+          </a:xfrm>
+          <a:custGeom>
+            <a:avLst/>
+            <a:gdLst>
+              <a:gd name="connsiteX0" fmla="*/ 0 w 10972800"/>
+              <a:gd name="connsiteY0" fmla="*/ 0 h 18288"/>
+              <a:gd name="connsiteX1" fmla="*/ 356616 w 10972800"/>
+              <a:gd name="connsiteY1" fmla="*/ 0 h 18288"/>
+              <a:gd name="connsiteX2" fmla="*/ 1042416 w 10972800"/>
+              <a:gd name="connsiteY2" fmla="*/ 0 h 18288"/>
+              <a:gd name="connsiteX3" fmla="*/ 1947672 w 10972800"/>
+              <a:gd name="connsiteY3" fmla="*/ 0 h 18288"/>
+              <a:gd name="connsiteX4" fmla="*/ 2633472 w 10972800"/>
+              <a:gd name="connsiteY4" fmla="*/ 0 h 18288"/>
+              <a:gd name="connsiteX5" fmla="*/ 2990088 w 10972800"/>
+              <a:gd name="connsiteY5" fmla="*/ 0 h 18288"/>
+              <a:gd name="connsiteX6" fmla="*/ 3456432 w 10972800"/>
+              <a:gd name="connsiteY6" fmla="*/ 0 h 18288"/>
+              <a:gd name="connsiteX7" fmla="*/ 4361688 w 10972800"/>
+              <a:gd name="connsiteY7" fmla="*/ 0 h 18288"/>
+              <a:gd name="connsiteX8" fmla="*/ 5266944 w 10972800"/>
+              <a:gd name="connsiteY8" fmla="*/ 0 h 18288"/>
+              <a:gd name="connsiteX9" fmla="*/ 6172200 w 10972800"/>
+              <a:gd name="connsiteY9" fmla="*/ 0 h 18288"/>
+              <a:gd name="connsiteX10" fmla="*/ 6528816 w 10972800"/>
+              <a:gd name="connsiteY10" fmla="*/ 0 h 18288"/>
+              <a:gd name="connsiteX11" fmla="*/ 7214616 w 10972800"/>
+              <a:gd name="connsiteY11" fmla="*/ 0 h 18288"/>
+              <a:gd name="connsiteX12" fmla="*/ 7790688 w 10972800"/>
+              <a:gd name="connsiteY12" fmla="*/ 0 h 18288"/>
+              <a:gd name="connsiteX13" fmla="*/ 8147304 w 10972800"/>
+              <a:gd name="connsiteY13" fmla="*/ 0 h 18288"/>
+              <a:gd name="connsiteX14" fmla="*/ 9052560 w 10972800"/>
+              <a:gd name="connsiteY14" fmla="*/ 0 h 18288"/>
+              <a:gd name="connsiteX15" fmla="*/ 9409176 w 10972800"/>
+              <a:gd name="connsiteY15" fmla="*/ 0 h 18288"/>
+              <a:gd name="connsiteX16" fmla="*/ 9765792 w 10972800"/>
+              <a:gd name="connsiteY16" fmla="*/ 0 h 18288"/>
+              <a:gd name="connsiteX17" fmla="*/ 10341864 w 10972800"/>
+              <a:gd name="connsiteY17" fmla="*/ 0 h 18288"/>
+              <a:gd name="connsiteX18" fmla="*/ 10972800 w 10972800"/>
+              <a:gd name="connsiteY18" fmla="*/ 0 h 18288"/>
+              <a:gd name="connsiteX19" fmla="*/ 10972800 w 10972800"/>
+              <a:gd name="connsiteY19" fmla="*/ 18288 h 18288"/>
+              <a:gd name="connsiteX20" fmla="*/ 10177272 w 10972800"/>
+              <a:gd name="connsiteY20" fmla="*/ 18288 h 18288"/>
+              <a:gd name="connsiteX21" fmla="*/ 9820656 w 10972800"/>
+              <a:gd name="connsiteY21" fmla="*/ 18288 h 18288"/>
+              <a:gd name="connsiteX22" fmla="*/ 9464040 w 10972800"/>
+              <a:gd name="connsiteY22" fmla="*/ 18288 h 18288"/>
+              <a:gd name="connsiteX23" fmla="*/ 8778240 w 10972800"/>
+              <a:gd name="connsiteY23" fmla="*/ 18288 h 18288"/>
+              <a:gd name="connsiteX24" fmla="*/ 8421624 w 10972800"/>
+              <a:gd name="connsiteY24" fmla="*/ 18288 h 18288"/>
+              <a:gd name="connsiteX25" fmla="*/ 7735824 w 10972800"/>
+              <a:gd name="connsiteY25" fmla="*/ 18288 h 18288"/>
+              <a:gd name="connsiteX26" fmla="*/ 6940296 w 10972800"/>
+              <a:gd name="connsiteY26" fmla="*/ 18288 h 18288"/>
+              <a:gd name="connsiteX27" fmla="*/ 6254496 w 10972800"/>
+              <a:gd name="connsiteY27" fmla="*/ 18288 h 18288"/>
+              <a:gd name="connsiteX28" fmla="*/ 5458968 w 10972800"/>
+              <a:gd name="connsiteY28" fmla="*/ 18288 h 18288"/>
+              <a:gd name="connsiteX29" fmla="*/ 4663440 w 10972800"/>
+              <a:gd name="connsiteY29" fmla="*/ 18288 h 18288"/>
+              <a:gd name="connsiteX30" fmla="*/ 4306824 w 10972800"/>
+              <a:gd name="connsiteY30" fmla="*/ 18288 h 18288"/>
+              <a:gd name="connsiteX31" fmla="*/ 3840480 w 10972800"/>
+              <a:gd name="connsiteY31" fmla="*/ 18288 h 18288"/>
+              <a:gd name="connsiteX32" fmla="*/ 3264408 w 10972800"/>
+              <a:gd name="connsiteY32" fmla="*/ 18288 h 18288"/>
+              <a:gd name="connsiteX33" fmla="*/ 2578608 w 10972800"/>
+              <a:gd name="connsiteY33" fmla="*/ 18288 h 18288"/>
+              <a:gd name="connsiteX34" fmla="*/ 1673352 w 10972800"/>
+              <a:gd name="connsiteY34" fmla="*/ 18288 h 18288"/>
+              <a:gd name="connsiteX35" fmla="*/ 877824 w 10972800"/>
+              <a:gd name="connsiteY35" fmla="*/ 18288 h 18288"/>
+              <a:gd name="connsiteX36" fmla="*/ 0 w 10972800"/>
+              <a:gd name="connsiteY36" fmla="*/ 18288 h 18288"/>
+              <a:gd name="connsiteX37" fmla="*/ 0 w 10972800"/>
+              <a:gd name="connsiteY37" fmla="*/ 0 h 18288"/>
+            </a:gdLst>
+            <a:ahLst/>
+            <a:cxnLst>
+              <a:cxn ang="0">
+                <a:pos x="connsiteX0" y="connsiteY0"/>
+              </a:cxn>
+              <a:cxn ang="0">
+                <a:pos x="connsiteX1" y="connsiteY1"/>
+              </a:cxn>
+              <a:cxn ang="0">
+                <a:pos x="connsiteX2" y="connsiteY2"/>
+              </a:cxn>
+              <a:cxn ang="0">
+                <a:pos x="connsiteX3" y="connsiteY3"/>
+              </a:cxn>
+              <a:cxn ang="0">
+                <a:pos x="connsiteX4" y="connsiteY4"/>
+              </a:cxn>
+              <a:cxn ang="0">
+                <a:pos x="connsiteX5" y="connsiteY5"/>
+              </a:cxn>
+              <a:cxn ang="0">
+                <a:pos x="connsiteX6" y="connsiteY6"/>
+              </a:cxn>
+              <a:cxn ang="0">
+                <a:pos x="connsiteX7" y="connsiteY7"/>
+              </a:cxn>
+              <a:cxn ang="0">
+                <a:pos x="connsiteX8" y="connsiteY8"/>
+              </a:cxn>
+              <a:cxn ang="0">
+                <a:pos x="connsiteX9" y="connsiteY9"/>
+              </a:cxn>
+              <a:cxn ang="0">
+                <a:pos x="connsiteX10" y="connsiteY10"/>
+              </a:cxn>
+              <a:cxn ang="0">
+                <a:pos x="connsiteX11" y="connsiteY11"/>
+              </a:cxn>
+              <a:cxn ang="0">
+                <a:pos x="connsiteX12" y="connsiteY12"/>
+              </a:cxn>
+              <a:cxn ang="0">
+                <a:pos x="connsiteX13" y="connsiteY13"/>
+              </a:cxn>
+              <a:cxn ang="0">
+                <a:pos x="connsiteX14" y="connsiteY14"/>
+              </a:cxn>
+              <a:cxn ang="0">
+                <a:pos x="connsiteX15" y="connsiteY15"/>
+              </a:cxn>
+              <a:cxn ang="0">
+                <a:pos x="connsiteX16" y="connsiteY16"/>
+              </a:cxn>
+              <a:cxn ang="0">
+                <a:pos x="connsiteX17" y="connsiteY17"/>
+              </a:cxn>
+              <a:cxn ang="0">
+                <a:pos x="connsiteX18" y="connsiteY18"/>
+              </a:cxn>
+              <a:cxn ang="0">
+                <a:pos x="connsiteX19" y="connsiteY19"/>
+              </a:cxn>
+              <a:cxn ang="0">
+                <a:pos x="connsiteX20" y="connsiteY20"/>
+              </a:cxn>
+              <a:cxn ang="0">
+                <a:pos x="connsiteX21" y="connsiteY21"/>
+              </a:cxn>
+              <a:cxn ang="0">
+                <a:pos x="connsiteX22" y="connsiteY22"/>
+              </a:cxn>
+              <a:cxn ang="0">
+                <a:pos x="connsiteX23" y="connsiteY23"/>
+              </a:cxn>
+              <a:cxn ang="0">
+                <a:pos x="connsiteX24" y="connsiteY24"/>
+              </a:cxn>
+              <a:cxn ang="0">
+                <a:pos x="connsiteX25" y="connsiteY25"/>
+              </a:cxn>
+              <a:cxn ang="0">
+                <a:pos x="connsiteX26" y="connsiteY26"/>
+              </a:cxn>
+              <a:cxn ang="0">
+                <a:pos x="connsiteX27" y="connsiteY27"/>
+              </a:cxn>
+              <a:cxn ang="0">
+                <a:pos x="connsiteX28" y="connsiteY28"/>
+              </a:cxn>
+              <a:cxn ang="0">
+                <a:pos x="connsiteX29" y="connsiteY29"/>
+              </a:cxn>
+              <a:cxn ang="0">
+                <a:pos x="connsiteX30" y="connsiteY30"/>
+              </a:cxn>
+              <a:cxn ang="0">
+                <a:pos x="connsiteX31" y="connsiteY31"/>
+              </a:cxn>
+              <a:cxn ang="0">
+                <a:pos x="connsiteX32" y="connsiteY32"/>
+              </a:cxn>
+              <a:cxn ang="0">
+                <a:pos x="connsiteX33" y="connsiteY33"/>
+              </a:cxn>
+              <a:cxn ang="0">
+                <a:pos x="connsiteX34" y="connsiteY34"/>
+              </a:cxn>
+              <a:cxn ang="0">
+                <a:pos x="connsiteX35" y="connsiteY35"/>
+              </a:cxn>
+              <a:cxn ang="0">
+                <a:pos x="connsiteX36" y="connsiteY36"/>
+              </a:cxn>
+              <a:cxn ang="0">
+                <a:pos x="connsiteX37" y="connsiteY37"/>
+              </a:cxn>
+            </a:cxnLst>
+            <a:rect l="l" t="t" r="r" b="b"/>
+            <a:pathLst>
+              <a:path w="10972800" h="18288" fill="none" extrusionOk="0">
+                <a:moveTo>
+                  <a:pt x="0" y="0"/>
+                </a:moveTo>
+                <a:cubicBezTo>
+                  <a:pt x="165916" y="-1866"/>
+                  <a:pt x="188720" y="13756"/>
+                  <a:pt x="356616" y="0"/>
+                </a:cubicBezTo>
+                <a:cubicBezTo>
+                  <a:pt x="524512" y="-13756"/>
+                  <a:pt x="734781" y="8922"/>
+                  <a:pt x="1042416" y="0"/>
+                </a:cubicBezTo>
+                <a:cubicBezTo>
+                  <a:pt x="1350051" y="-8922"/>
+                  <a:pt x="1595982" y="-26315"/>
+                  <a:pt x="1947672" y="0"/>
+                </a:cubicBezTo>
+                <a:cubicBezTo>
+                  <a:pt x="2299362" y="26315"/>
+                  <a:pt x="2292691" y="-19526"/>
+                  <a:pt x="2633472" y="0"/>
+                </a:cubicBezTo>
+                <a:cubicBezTo>
+                  <a:pt x="2974253" y="19526"/>
+                  <a:pt x="2857309" y="10773"/>
+                  <a:pt x="2990088" y="0"/>
+                </a:cubicBezTo>
+                <a:cubicBezTo>
+                  <a:pt x="3122867" y="-10773"/>
+                  <a:pt x="3359343" y="7194"/>
+                  <a:pt x="3456432" y="0"/>
+                </a:cubicBezTo>
+                <a:cubicBezTo>
+                  <a:pt x="3553521" y="-7194"/>
+                  <a:pt x="4136258" y="5108"/>
+                  <a:pt x="4361688" y="0"/>
+                </a:cubicBezTo>
+                <a:cubicBezTo>
+                  <a:pt x="4587118" y="-5108"/>
+                  <a:pt x="4992424" y="-42958"/>
+                  <a:pt x="5266944" y="0"/>
+                </a:cubicBezTo>
+                <a:cubicBezTo>
+                  <a:pt x="5541464" y="42958"/>
+                  <a:pt x="5882966" y="-3430"/>
+                  <a:pt x="6172200" y="0"/>
+                </a:cubicBezTo>
+                <a:cubicBezTo>
+                  <a:pt x="6461434" y="3430"/>
+                  <a:pt x="6432127" y="6688"/>
+                  <a:pt x="6528816" y="0"/>
+                </a:cubicBezTo>
+                <a:cubicBezTo>
+                  <a:pt x="6625505" y="-6688"/>
+                  <a:pt x="6916805" y="-436"/>
+                  <a:pt x="7214616" y="0"/>
+                </a:cubicBezTo>
+                <a:cubicBezTo>
+                  <a:pt x="7512427" y="436"/>
+                  <a:pt x="7626159" y="-6909"/>
+                  <a:pt x="7790688" y="0"/>
+                </a:cubicBezTo>
+                <a:cubicBezTo>
+                  <a:pt x="7955217" y="6909"/>
+                  <a:pt x="8048891" y="15307"/>
+                  <a:pt x="8147304" y="0"/>
+                </a:cubicBezTo>
+                <a:cubicBezTo>
+                  <a:pt x="8245717" y="-15307"/>
+                  <a:pt x="8645618" y="-11734"/>
+                  <a:pt x="9052560" y="0"/>
+                </a:cubicBezTo>
+                <a:cubicBezTo>
+                  <a:pt x="9459502" y="11734"/>
+                  <a:pt x="9320584" y="8388"/>
+                  <a:pt x="9409176" y="0"/>
+                </a:cubicBezTo>
+                <a:cubicBezTo>
+                  <a:pt x="9497768" y="-8388"/>
+                  <a:pt x="9644192" y="8379"/>
+                  <a:pt x="9765792" y="0"/>
+                </a:cubicBezTo>
+                <a:cubicBezTo>
+                  <a:pt x="9887392" y="-8379"/>
+                  <a:pt x="10105220" y="-12663"/>
+                  <a:pt x="10341864" y="0"/>
+                </a:cubicBezTo>
+                <a:cubicBezTo>
+                  <a:pt x="10578508" y="12663"/>
+                  <a:pt x="10773103" y="-5786"/>
+                  <a:pt x="10972800" y="0"/>
+                </a:cubicBezTo>
+                <a:cubicBezTo>
+                  <a:pt x="10972146" y="8818"/>
+                  <a:pt x="10972240" y="13823"/>
+                  <a:pt x="10972800" y="18288"/>
+                </a:cubicBezTo>
+                <a:cubicBezTo>
+                  <a:pt x="10588778" y="31598"/>
+                  <a:pt x="10543381" y="-12698"/>
+                  <a:pt x="10177272" y="18288"/>
+                </a:cubicBezTo>
+                <a:cubicBezTo>
+                  <a:pt x="9811163" y="49274"/>
+                  <a:pt x="9996817" y="25662"/>
+                  <a:pt x="9820656" y="18288"/>
+                </a:cubicBezTo>
+                <a:cubicBezTo>
+                  <a:pt x="9644495" y="10914"/>
+                  <a:pt x="9607007" y="31631"/>
+                  <a:pt x="9464040" y="18288"/>
+                </a:cubicBezTo>
+                <a:cubicBezTo>
+                  <a:pt x="9321073" y="4945"/>
+                  <a:pt x="9114189" y="28940"/>
+                  <a:pt x="8778240" y="18288"/>
+                </a:cubicBezTo>
+                <a:cubicBezTo>
+                  <a:pt x="8442291" y="7636"/>
+                  <a:pt x="8594763" y="987"/>
+                  <a:pt x="8421624" y="18288"/>
+                </a:cubicBezTo>
+                <a:cubicBezTo>
+                  <a:pt x="8248485" y="35589"/>
+                  <a:pt x="7929515" y="37573"/>
+                  <a:pt x="7735824" y="18288"/>
+                </a:cubicBezTo>
+                <a:cubicBezTo>
+                  <a:pt x="7542133" y="-997"/>
+                  <a:pt x="7252504" y="33858"/>
+                  <a:pt x="6940296" y="18288"/>
+                </a:cubicBezTo>
+                <a:cubicBezTo>
+                  <a:pt x="6628088" y="2718"/>
+                  <a:pt x="6528503" y="48389"/>
+                  <a:pt x="6254496" y="18288"/>
+                </a:cubicBezTo>
+                <a:cubicBezTo>
+                  <a:pt x="5980489" y="-11813"/>
+                  <a:pt x="5695784" y="-3740"/>
+                  <a:pt x="5458968" y="18288"/>
+                </a:cubicBezTo>
+                <a:cubicBezTo>
+                  <a:pt x="5222152" y="40316"/>
+                  <a:pt x="5010751" y="19095"/>
+                  <a:pt x="4663440" y="18288"/>
+                </a:cubicBezTo>
+                <a:cubicBezTo>
+                  <a:pt x="4316129" y="17481"/>
+                  <a:pt x="4425552" y="1606"/>
+                  <a:pt x="4306824" y="18288"/>
+                </a:cubicBezTo>
+                <a:cubicBezTo>
+                  <a:pt x="4188096" y="34970"/>
+                  <a:pt x="3941535" y="7481"/>
+                  <a:pt x="3840480" y="18288"/>
+                </a:cubicBezTo>
+                <a:cubicBezTo>
+                  <a:pt x="3739425" y="29095"/>
+                  <a:pt x="3402388" y="17641"/>
+                  <a:pt x="3264408" y="18288"/>
+                </a:cubicBezTo>
+                <a:cubicBezTo>
+                  <a:pt x="3126428" y="18935"/>
+                  <a:pt x="2776779" y="9983"/>
+                  <a:pt x="2578608" y="18288"/>
+                </a:cubicBezTo>
+                <a:cubicBezTo>
+                  <a:pt x="2380437" y="26593"/>
+                  <a:pt x="1909468" y="25818"/>
+                  <a:pt x="1673352" y="18288"/>
+                </a:cubicBezTo>
+                <a:cubicBezTo>
+                  <a:pt x="1437236" y="10758"/>
+                  <a:pt x="1131180" y="49884"/>
+                  <a:pt x="877824" y="18288"/>
+                </a:cubicBezTo>
+                <a:cubicBezTo>
+                  <a:pt x="624468" y="-13308"/>
+                  <a:pt x="206753" y="2195"/>
+                  <a:pt x="0" y="18288"/>
+                </a:cubicBezTo>
+                <a:cubicBezTo>
+                  <a:pt x="313" y="10654"/>
+                  <a:pt x="-263" y="4056"/>
+                  <a:pt x="0" y="0"/>
+                </a:cubicBezTo>
+                <a:close/>
+              </a:path>
+              <a:path w="10972800" h="18288" stroke="0" extrusionOk="0">
+                <a:moveTo>
+                  <a:pt x="0" y="0"/>
+                </a:moveTo>
+                <a:cubicBezTo>
+                  <a:pt x="164017" y="-17675"/>
+                  <a:pt x="309425" y="9913"/>
+                  <a:pt x="466344" y="0"/>
+                </a:cubicBezTo>
+                <a:cubicBezTo>
+                  <a:pt x="623263" y="-9913"/>
+                  <a:pt x="659300" y="-14524"/>
+                  <a:pt x="822960" y="0"/>
+                </a:cubicBezTo>
+                <a:cubicBezTo>
+                  <a:pt x="986620" y="14524"/>
+                  <a:pt x="1105222" y="-16481"/>
+                  <a:pt x="1289304" y="0"/>
+                </a:cubicBezTo>
+                <a:cubicBezTo>
+                  <a:pt x="1473386" y="16481"/>
+                  <a:pt x="1693223" y="26161"/>
+                  <a:pt x="1975104" y="0"/>
+                </a:cubicBezTo>
+                <a:cubicBezTo>
+                  <a:pt x="2256985" y="-26161"/>
+                  <a:pt x="2435781" y="23061"/>
+                  <a:pt x="2770632" y="0"/>
+                </a:cubicBezTo>
+                <a:cubicBezTo>
+                  <a:pt x="3105483" y="-23061"/>
+                  <a:pt x="3247479" y="-44011"/>
+                  <a:pt x="3675888" y="0"/>
+                </a:cubicBezTo>
+                <a:cubicBezTo>
+                  <a:pt x="4104297" y="44011"/>
+                  <a:pt x="4280918" y="4017"/>
+                  <a:pt x="4581144" y="0"/>
+                </a:cubicBezTo>
+                <a:cubicBezTo>
+                  <a:pt x="4881370" y="-4017"/>
+                  <a:pt x="5021699" y="-11889"/>
+                  <a:pt x="5157216" y="0"/>
+                </a:cubicBezTo>
+                <a:cubicBezTo>
+                  <a:pt x="5292733" y="11889"/>
+                  <a:pt x="5603398" y="-17698"/>
+                  <a:pt x="5952744" y="0"/>
+                </a:cubicBezTo>
+                <a:cubicBezTo>
+                  <a:pt x="6302090" y="17698"/>
+                  <a:pt x="6353093" y="-11909"/>
+                  <a:pt x="6638544" y="0"/>
+                </a:cubicBezTo>
+                <a:cubicBezTo>
+                  <a:pt x="6923995" y="11909"/>
+                  <a:pt x="7053404" y="21630"/>
+                  <a:pt x="7214616" y="0"/>
+                </a:cubicBezTo>
+                <a:cubicBezTo>
+                  <a:pt x="7375828" y="-21630"/>
+                  <a:pt x="7837963" y="3886"/>
+                  <a:pt x="8010144" y="0"/>
+                </a:cubicBezTo>
+                <a:cubicBezTo>
+                  <a:pt x="8182325" y="-3886"/>
+                  <a:pt x="8224183" y="16009"/>
+                  <a:pt x="8366760" y="0"/>
+                </a:cubicBezTo>
+                <a:cubicBezTo>
+                  <a:pt x="8509337" y="-16009"/>
+                  <a:pt x="8687920" y="-5720"/>
+                  <a:pt x="8942832" y="0"/>
+                </a:cubicBezTo>
+                <a:cubicBezTo>
+                  <a:pt x="9197744" y="5720"/>
+                  <a:pt x="9368437" y="20479"/>
+                  <a:pt x="9628632" y="0"/>
+                </a:cubicBezTo>
+                <a:cubicBezTo>
+                  <a:pt x="9888827" y="-20479"/>
+                  <a:pt x="10560858" y="-20746"/>
+                  <a:pt x="10972800" y="0"/>
+                </a:cubicBezTo>
+                <a:cubicBezTo>
+                  <a:pt x="10972186" y="5722"/>
+                  <a:pt x="10972980" y="12495"/>
+                  <a:pt x="10972800" y="18288"/>
+                </a:cubicBezTo>
+                <a:cubicBezTo>
+                  <a:pt x="10786146" y="12536"/>
+                  <a:pt x="10623717" y="14033"/>
+                  <a:pt x="10506456" y="18288"/>
+                </a:cubicBezTo>
+                <a:cubicBezTo>
+                  <a:pt x="10389195" y="22543"/>
+                  <a:pt x="10296178" y="20107"/>
+                  <a:pt x="10149840" y="18288"/>
+                </a:cubicBezTo>
+                <a:cubicBezTo>
+                  <a:pt x="10003502" y="16469"/>
+                  <a:pt x="9767530" y="28891"/>
+                  <a:pt x="9464040" y="18288"/>
+                </a:cubicBezTo>
+                <a:cubicBezTo>
+                  <a:pt x="9160550" y="7685"/>
+                  <a:pt x="9229050" y="2659"/>
+                  <a:pt x="8997696" y="18288"/>
+                </a:cubicBezTo>
+                <a:cubicBezTo>
+                  <a:pt x="8766342" y="33917"/>
+                  <a:pt x="8340136" y="34864"/>
+                  <a:pt x="8092440" y="18288"/>
+                </a:cubicBezTo>
+                <a:cubicBezTo>
+                  <a:pt x="7844744" y="1712"/>
+                  <a:pt x="7863720" y="27405"/>
+                  <a:pt x="7735824" y="18288"/>
+                </a:cubicBezTo>
+                <a:cubicBezTo>
+                  <a:pt x="7607928" y="9171"/>
+                  <a:pt x="7323619" y="461"/>
+                  <a:pt x="7050024" y="18288"/>
+                </a:cubicBezTo>
+                <a:cubicBezTo>
+                  <a:pt x="6776429" y="36115"/>
+                  <a:pt x="6787899" y="28206"/>
+                  <a:pt x="6693408" y="18288"/>
+                </a:cubicBezTo>
+                <a:cubicBezTo>
+                  <a:pt x="6598917" y="8370"/>
+                  <a:pt x="6395231" y="19114"/>
+                  <a:pt x="6227064" y="18288"/>
+                </a:cubicBezTo>
+                <a:cubicBezTo>
+                  <a:pt x="6058897" y="17462"/>
+                  <a:pt x="5618582" y="1091"/>
+                  <a:pt x="5431536" y="18288"/>
+                </a:cubicBezTo>
+                <a:cubicBezTo>
+                  <a:pt x="5244490" y="35485"/>
+                  <a:pt x="4729797" y="-9650"/>
+                  <a:pt x="4526280" y="18288"/>
+                </a:cubicBezTo>
+                <a:cubicBezTo>
+                  <a:pt x="4322763" y="46226"/>
+                  <a:pt x="4216797" y="756"/>
+                  <a:pt x="4059936" y="18288"/>
+                </a:cubicBezTo>
+                <a:cubicBezTo>
+                  <a:pt x="3903075" y="35820"/>
+                  <a:pt x="3537912" y="42098"/>
+                  <a:pt x="3374136" y="18288"/>
+                </a:cubicBezTo>
+                <a:cubicBezTo>
+                  <a:pt x="3210360" y="-5522"/>
+                  <a:pt x="3126842" y="39135"/>
+                  <a:pt x="2907792" y="18288"/>
+                </a:cubicBezTo>
+                <a:cubicBezTo>
+                  <a:pt x="2688742" y="-2559"/>
+                  <a:pt x="2490436" y="34100"/>
+                  <a:pt x="2112264" y="18288"/>
+                </a:cubicBezTo>
+                <a:cubicBezTo>
+                  <a:pt x="1734092" y="2476"/>
+                  <a:pt x="1744622" y="-7274"/>
+                  <a:pt x="1536192" y="18288"/>
+                </a:cubicBezTo>
+                <a:cubicBezTo>
+                  <a:pt x="1327762" y="43850"/>
+                  <a:pt x="1189025" y="6435"/>
+                  <a:pt x="1069848" y="18288"/>
+                </a:cubicBezTo>
+                <a:cubicBezTo>
+                  <a:pt x="950671" y="30141"/>
+                  <a:pt x="858345" y="33684"/>
+                  <a:pt x="713232" y="18288"/>
+                </a:cubicBezTo>
+                <a:cubicBezTo>
+                  <a:pt x="568119" y="2892"/>
+                  <a:pt x="250292" y="5410"/>
+                  <a:pt x="0" y="18288"/>
+                </a:cubicBezTo>
+                <a:cubicBezTo>
+                  <a:pt x="465" y="13062"/>
+                  <a:pt x="-894" y="9029"/>
+                  <a:pt x="0" y="0"/>
+                </a:cubicBezTo>
+                <a:close/>
+              </a:path>
+            </a:pathLst>
+          </a:custGeom>
+          <a:solidFill>
+            <a:schemeClr val="accent2">
+              <a:alpha val="75000"/>
+            </a:schemeClr>
+          </a:solidFill>
+          <a:ln w="44450" cap="rnd">
+            <a:solidFill>
+              <a:schemeClr val="accent2">
+                <a:alpha val="75000"/>
+              </a:schemeClr>
+            </a:solidFill>
+            <a:round/>
+            <a:extLst>
+              <a:ext uri="{C807C97D-BFC1-408E-A445-0C87EB9F89A2}">
+                <ask:lineSketchStyleProps xmlns:ask="http://schemas.microsoft.com/office/drawing/2018/sketchyshapes" sd="2727557108">
+                  <a:prstGeom prst="rect">
+                    <a:avLst/>
+                  </a:prstGeom>
+                  <ask:type>
+                    <ask:lineSketchFreehand/>
+                  </ask:type>
+                </ask:lineSketchStyleProps>
+              </a:ext>
+            </a:extLst>
+          </a:ln>
+        </p:spPr>
+        <p:style>
+          <a:lnRef idx="2">
+            <a:schemeClr val="accent1">
+              <a:shade val="50000"/>
+            </a:schemeClr>
+          </a:lnRef>
+          <a:fillRef idx="1">
+            <a:schemeClr val="accent1"/>
+          </a:fillRef>
+          <a:effectRef idx="0">
+            <a:schemeClr val="accent1"/>
+          </a:effectRef>
+          <a:fontRef idx="minor">
+            <a:schemeClr val="lt1"/>
+          </a:fontRef>
+        </p:style>
+        <p:txBody>
+          <a:bodyPr rtlCol="0" anchor="ctr"/>
+          <a:lstStyle/>
+          <a:p>
+            <a:pPr algn="ctr"/>
+            <a:endParaRPr lang="en-US"/>
+          </a:p>
+        </p:txBody>
+      </p:sp>
       <p:pic>
         <p:nvPicPr>
           <p:cNvPr id="4" name="Picture 3" descr="Two wild wolves walking on a snow-covered road">
             <a:extLst>
               <a:ext uri="{FF2B5EF4-FFF2-40B4-BE49-F238E27FC236}">
-                <a16:creationId xmlns:a16="http://schemas.microsoft.com/office/drawing/2014/main" id="{AD418963-A7B2-9087-9957-AF836709067B}"/>
+                <a16:creationId xmlns:a16="http://schemas.microsoft.com/office/drawing/2014/main" id="{D173D085-E52F-A0A2-1878-B33309C4D7A4}"/>
               </a:ext>
             </a:extLst>
           </p:cNvPr>
@@ -6871,7 +8830,7 @@
           <p:cNvPr id="5" name="Content Placeholder 2">
             <a:extLst>
               <a:ext uri="{FF2B5EF4-FFF2-40B4-BE49-F238E27FC236}">
-                <a16:creationId xmlns:a16="http://schemas.microsoft.com/office/drawing/2014/main" id="{F5B39CCC-A67B-55AD-D0D8-07153B320309}"/>
+                <a16:creationId xmlns:a16="http://schemas.microsoft.com/office/drawing/2014/main" id="{1EDFDB75-278B-097D-33E0-AD272604FC1A}"/>
               </a:ext>
             </a:extLst>
           </p:cNvPr>
@@ -6880,11 +8839,6 @@
           </p:cNvGraphicFramePr>
           <p:nvPr>
             <p:ph idx="1"/>
-            <p:extLst>
-              <p:ext uri="{D42A27DB-BD31-4B8C-83A1-F6EECF244321}">
-                <p14:modId xmlns:p14="http://schemas.microsoft.com/office/powerpoint/2010/main" val="677256856"/>
-              </p:ext>
-            </p:extLst>
           </p:nvPr>
         </p:nvGraphicFramePr>
         <p:xfrm>
@@ -6900,7 +8854,7 @@
     </p:spTree>
     <p:extLst>
       <p:ext uri="{BB962C8B-B14F-4D97-AF65-F5344CB8AC3E}">
-        <p14:creationId xmlns:p14="http://schemas.microsoft.com/office/powerpoint/2010/main" val="1931218120"/>
+        <p14:creationId xmlns:p14="http://schemas.microsoft.com/office/powerpoint/2010/main" val="4151896962"/>
       </p:ext>
     </p:extLst>
   </p:cSld>
@@ -6910,7 +8864,2587 @@
 </p:sld>
 </file>
 
-<file path=ppt/slides/slide3.xml><?xml version="1.0" encoding="utf-8"?>
+<file path=ppt/slides/slide5.xml><?xml version="1.0" encoding="utf-8"?>
+<p:sld xmlns:a="http://schemas.openxmlformats.org/drawingml/2006/main" xmlns:r="http://schemas.openxmlformats.org/officeDocument/2006/relationships" xmlns:p="http://schemas.openxmlformats.org/presentationml/2006/main">
+  <p:cSld>
+    <p:bg>
+      <p:bgPr>
+        <a:solidFill>
+          <a:schemeClr val="bg1"/>
+        </a:solidFill>
+        <a:effectLst/>
+      </p:bgPr>
+    </p:bg>
+    <p:spTree>
+      <p:nvGrpSpPr>
+        <p:cNvPr id="1" name="">
+          <a:extLst>
+            <a:ext uri="{FF2B5EF4-FFF2-40B4-BE49-F238E27FC236}">
+              <a16:creationId xmlns:a16="http://schemas.microsoft.com/office/drawing/2014/main" id="{8594D0FD-7F9A-F4C4-5C9C-930B78E9DC20}"/>
+            </a:ext>
+          </a:extLst>
+        </p:cNvPr>
+        <p:cNvGrpSpPr/>
+        <p:nvPr/>
+      </p:nvGrpSpPr>
+      <p:grpSpPr>
+        <a:xfrm>
+          <a:off x="0" y="0"/>
+          <a:ext cx="0" cy="0"/>
+          <a:chOff x="0" y="0"/>
+          <a:chExt cx="0" cy="0"/>
+        </a:xfrm>
+      </p:grpSpPr>
+      <p:sp useBgFill="1">
+        <p:nvSpPr>
+          <p:cNvPr id="18" name="Rectangle 17">
+            <a:extLst>
+              <a:ext uri="{FF2B5EF4-FFF2-40B4-BE49-F238E27FC236}">
+                <a16:creationId xmlns:a16="http://schemas.microsoft.com/office/drawing/2014/main" id="{962F575F-2B3A-486B-80D1-B7D0ABE3A90E}"/>
+              </a:ext>
+              <a:ext uri="{C183D7F6-B498-43B3-948B-1728B52AA6E4}">
+                <adec:decorative xmlns:adec="http://schemas.microsoft.com/office/drawing/2017/decorative" val="1"/>
+              </a:ext>
+            </a:extLst>
+          </p:cNvPr>
+          <p:cNvSpPr>
+            <a:spLocks noGrp="1" noRot="1" noChangeAspect="1" noMove="1" noResize="1" noEditPoints="1" noAdjustHandles="1" noChangeArrowheads="1" noChangeShapeType="1" noTextEdit="1"/>
+          </p:cNvSpPr>
+          <p:nvPr>
+            <p:extLst>
+              <p:ext uri="{386F3935-93C4-4BCD-93E2-E3B085C9AB24}">
+                <p16:designElem xmlns:p16="http://schemas.microsoft.com/office/powerpoint/2015/main" val="1"/>
+              </p:ext>
+            </p:extLst>
+          </p:nvPr>
+        </p:nvSpPr>
+        <p:spPr>
+          <a:xfrm>
+            <a:off x="0" y="0"/>
+            <a:ext cx="12188952" cy="6858000"/>
+          </a:xfrm>
+          <a:prstGeom prst="rect">
+            <a:avLst/>
+          </a:prstGeom>
+          <a:ln>
+            <a:noFill/>
+          </a:ln>
+        </p:spPr>
+        <p:style>
+          <a:lnRef idx="2">
+            <a:schemeClr val="accent1">
+              <a:shade val="50000"/>
+            </a:schemeClr>
+          </a:lnRef>
+          <a:fillRef idx="1">
+            <a:schemeClr val="accent1"/>
+          </a:fillRef>
+          <a:effectRef idx="0">
+            <a:schemeClr val="accent1"/>
+          </a:effectRef>
+          <a:fontRef idx="minor">
+            <a:schemeClr val="lt1"/>
+          </a:fontRef>
+        </p:style>
+        <p:txBody>
+          <a:bodyPr rtlCol="0" anchor="ctr"/>
+          <a:lstStyle/>
+          <a:p>
+            <a:pPr algn="ctr"/>
+            <a:endParaRPr lang="en-US"/>
+          </a:p>
+        </p:txBody>
+      </p:sp>
+      <p:sp>
+        <p:nvSpPr>
+          <p:cNvPr id="2" name="Title 1">
+            <a:extLst>
+              <a:ext uri="{FF2B5EF4-FFF2-40B4-BE49-F238E27FC236}">
+                <a16:creationId xmlns:a16="http://schemas.microsoft.com/office/drawing/2014/main" id="{DC19C957-B165-C9F7-FADF-1EEEED0E8189}"/>
+              </a:ext>
+            </a:extLst>
+          </p:cNvPr>
+          <p:cNvSpPr>
+            <a:spLocks noGrp="1"/>
+          </p:cNvSpPr>
+          <p:nvPr>
+            <p:ph type="title"/>
+          </p:nvPr>
+        </p:nvSpPr>
+        <p:spPr>
+          <a:xfrm>
+            <a:off x="572493" y="238539"/>
+            <a:ext cx="11018520" cy="1434415"/>
+          </a:xfrm>
+        </p:spPr>
+        <p:txBody>
+          <a:bodyPr anchor="b">
+            <a:normAutofit/>
+          </a:bodyPr>
+          <a:lstStyle/>
+          <a:p>
+            <a:r>
+              <a:rPr lang="en-US" sz="5400" dirty="0">
+                <a:latin typeface="Assistant" pitchFamily="2" charset="-79"/>
+                <a:cs typeface="Assistant" pitchFamily="2" charset="-79"/>
+              </a:rPr>
+              <a:t>Proposal</a:t>
+            </a:r>
+            <a:endParaRPr lang="LID4096" sz="5400" dirty="0">
+              <a:latin typeface="Assistant" pitchFamily="2" charset="-79"/>
+              <a:cs typeface="Assistant" pitchFamily="2" charset="-79"/>
+            </a:endParaRPr>
+          </a:p>
+        </p:txBody>
+      </p:sp>
+      <p:sp>
+        <p:nvSpPr>
+          <p:cNvPr id="20" name="sketchy line">
+            <a:extLst>
+              <a:ext uri="{FF2B5EF4-FFF2-40B4-BE49-F238E27FC236}">
+                <a16:creationId xmlns:a16="http://schemas.microsoft.com/office/drawing/2014/main" id="{7568DB85-C52D-F66B-629A-86BE54E331E2}"/>
+              </a:ext>
+              <a:ext uri="{C183D7F6-B498-43B3-948B-1728B52AA6E4}">
+                <adec:decorative xmlns:adec="http://schemas.microsoft.com/office/drawing/2017/decorative" val="1"/>
+              </a:ext>
+            </a:extLst>
+          </p:cNvPr>
+          <p:cNvSpPr>
+            <a:spLocks noGrp="1" noRot="1" noChangeAspect="1" noMove="1" noResize="1" noEditPoints="1" noAdjustHandles="1" noChangeArrowheads="1" noChangeShapeType="1" noTextEdit="1"/>
+          </p:cNvSpPr>
+          <p:nvPr>
+            <p:extLst>
+              <p:ext uri="{386F3935-93C4-4BCD-93E2-E3B085C9AB24}">
+                <p16:designElem xmlns:p16="http://schemas.microsoft.com/office/powerpoint/2015/main" val="1"/>
+              </p:ext>
+            </p:extLst>
+          </p:nvPr>
+        </p:nvSpPr>
+        <p:spPr>
+          <a:xfrm>
+            <a:off x="572493" y="1681544"/>
+            <a:ext cx="10972800" cy="18288"/>
+          </a:xfrm>
+          <a:custGeom>
+            <a:avLst/>
+            <a:gdLst>
+              <a:gd name="connsiteX0" fmla="*/ 0 w 10972800"/>
+              <a:gd name="connsiteY0" fmla="*/ 0 h 18288"/>
+              <a:gd name="connsiteX1" fmla="*/ 356616 w 10972800"/>
+              <a:gd name="connsiteY1" fmla="*/ 0 h 18288"/>
+              <a:gd name="connsiteX2" fmla="*/ 1042416 w 10972800"/>
+              <a:gd name="connsiteY2" fmla="*/ 0 h 18288"/>
+              <a:gd name="connsiteX3" fmla="*/ 1947672 w 10972800"/>
+              <a:gd name="connsiteY3" fmla="*/ 0 h 18288"/>
+              <a:gd name="connsiteX4" fmla="*/ 2633472 w 10972800"/>
+              <a:gd name="connsiteY4" fmla="*/ 0 h 18288"/>
+              <a:gd name="connsiteX5" fmla="*/ 2990088 w 10972800"/>
+              <a:gd name="connsiteY5" fmla="*/ 0 h 18288"/>
+              <a:gd name="connsiteX6" fmla="*/ 3456432 w 10972800"/>
+              <a:gd name="connsiteY6" fmla="*/ 0 h 18288"/>
+              <a:gd name="connsiteX7" fmla="*/ 4361688 w 10972800"/>
+              <a:gd name="connsiteY7" fmla="*/ 0 h 18288"/>
+              <a:gd name="connsiteX8" fmla="*/ 5266944 w 10972800"/>
+              <a:gd name="connsiteY8" fmla="*/ 0 h 18288"/>
+              <a:gd name="connsiteX9" fmla="*/ 6172200 w 10972800"/>
+              <a:gd name="connsiteY9" fmla="*/ 0 h 18288"/>
+              <a:gd name="connsiteX10" fmla="*/ 6528816 w 10972800"/>
+              <a:gd name="connsiteY10" fmla="*/ 0 h 18288"/>
+              <a:gd name="connsiteX11" fmla="*/ 7214616 w 10972800"/>
+              <a:gd name="connsiteY11" fmla="*/ 0 h 18288"/>
+              <a:gd name="connsiteX12" fmla="*/ 7790688 w 10972800"/>
+              <a:gd name="connsiteY12" fmla="*/ 0 h 18288"/>
+              <a:gd name="connsiteX13" fmla="*/ 8147304 w 10972800"/>
+              <a:gd name="connsiteY13" fmla="*/ 0 h 18288"/>
+              <a:gd name="connsiteX14" fmla="*/ 9052560 w 10972800"/>
+              <a:gd name="connsiteY14" fmla="*/ 0 h 18288"/>
+              <a:gd name="connsiteX15" fmla="*/ 9409176 w 10972800"/>
+              <a:gd name="connsiteY15" fmla="*/ 0 h 18288"/>
+              <a:gd name="connsiteX16" fmla="*/ 9765792 w 10972800"/>
+              <a:gd name="connsiteY16" fmla="*/ 0 h 18288"/>
+              <a:gd name="connsiteX17" fmla="*/ 10341864 w 10972800"/>
+              <a:gd name="connsiteY17" fmla="*/ 0 h 18288"/>
+              <a:gd name="connsiteX18" fmla="*/ 10972800 w 10972800"/>
+              <a:gd name="connsiteY18" fmla="*/ 0 h 18288"/>
+              <a:gd name="connsiteX19" fmla="*/ 10972800 w 10972800"/>
+              <a:gd name="connsiteY19" fmla="*/ 18288 h 18288"/>
+              <a:gd name="connsiteX20" fmla="*/ 10177272 w 10972800"/>
+              <a:gd name="connsiteY20" fmla="*/ 18288 h 18288"/>
+              <a:gd name="connsiteX21" fmla="*/ 9820656 w 10972800"/>
+              <a:gd name="connsiteY21" fmla="*/ 18288 h 18288"/>
+              <a:gd name="connsiteX22" fmla="*/ 9464040 w 10972800"/>
+              <a:gd name="connsiteY22" fmla="*/ 18288 h 18288"/>
+              <a:gd name="connsiteX23" fmla="*/ 8778240 w 10972800"/>
+              <a:gd name="connsiteY23" fmla="*/ 18288 h 18288"/>
+              <a:gd name="connsiteX24" fmla="*/ 8421624 w 10972800"/>
+              <a:gd name="connsiteY24" fmla="*/ 18288 h 18288"/>
+              <a:gd name="connsiteX25" fmla="*/ 7735824 w 10972800"/>
+              <a:gd name="connsiteY25" fmla="*/ 18288 h 18288"/>
+              <a:gd name="connsiteX26" fmla="*/ 6940296 w 10972800"/>
+              <a:gd name="connsiteY26" fmla="*/ 18288 h 18288"/>
+              <a:gd name="connsiteX27" fmla="*/ 6254496 w 10972800"/>
+              <a:gd name="connsiteY27" fmla="*/ 18288 h 18288"/>
+              <a:gd name="connsiteX28" fmla="*/ 5458968 w 10972800"/>
+              <a:gd name="connsiteY28" fmla="*/ 18288 h 18288"/>
+              <a:gd name="connsiteX29" fmla="*/ 4663440 w 10972800"/>
+              <a:gd name="connsiteY29" fmla="*/ 18288 h 18288"/>
+              <a:gd name="connsiteX30" fmla="*/ 4306824 w 10972800"/>
+              <a:gd name="connsiteY30" fmla="*/ 18288 h 18288"/>
+              <a:gd name="connsiteX31" fmla="*/ 3840480 w 10972800"/>
+              <a:gd name="connsiteY31" fmla="*/ 18288 h 18288"/>
+              <a:gd name="connsiteX32" fmla="*/ 3264408 w 10972800"/>
+              <a:gd name="connsiteY32" fmla="*/ 18288 h 18288"/>
+              <a:gd name="connsiteX33" fmla="*/ 2578608 w 10972800"/>
+              <a:gd name="connsiteY33" fmla="*/ 18288 h 18288"/>
+              <a:gd name="connsiteX34" fmla="*/ 1673352 w 10972800"/>
+              <a:gd name="connsiteY34" fmla="*/ 18288 h 18288"/>
+              <a:gd name="connsiteX35" fmla="*/ 877824 w 10972800"/>
+              <a:gd name="connsiteY35" fmla="*/ 18288 h 18288"/>
+              <a:gd name="connsiteX36" fmla="*/ 0 w 10972800"/>
+              <a:gd name="connsiteY36" fmla="*/ 18288 h 18288"/>
+              <a:gd name="connsiteX37" fmla="*/ 0 w 10972800"/>
+              <a:gd name="connsiteY37" fmla="*/ 0 h 18288"/>
+            </a:gdLst>
+            <a:ahLst/>
+            <a:cxnLst>
+              <a:cxn ang="0">
+                <a:pos x="connsiteX0" y="connsiteY0"/>
+              </a:cxn>
+              <a:cxn ang="0">
+                <a:pos x="connsiteX1" y="connsiteY1"/>
+              </a:cxn>
+              <a:cxn ang="0">
+                <a:pos x="connsiteX2" y="connsiteY2"/>
+              </a:cxn>
+              <a:cxn ang="0">
+                <a:pos x="connsiteX3" y="connsiteY3"/>
+              </a:cxn>
+              <a:cxn ang="0">
+                <a:pos x="connsiteX4" y="connsiteY4"/>
+              </a:cxn>
+              <a:cxn ang="0">
+                <a:pos x="connsiteX5" y="connsiteY5"/>
+              </a:cxn>
+              <a:cxn ang="0">
+                <a:pos x="connsiteX6" y="connsiteY6"/>
+              </a:cxn>
+              <a:cxn ang="0">
+                <a:pos x="connsiteX7" y="connsiteY7"/>
+              </a:cxn>
+              <a:cxn ang="0">
+                <a:pos x="connsiteX8" y="connsiteY8"/>
+              </a:cxn>
+              <a:cxn ang="0">
+                <a:pos x="connsiteX9" y="connsiteY9"/>
+              </a:cxn>
+              <a:cxn ang="0">
+                <a:pos x="connsiteX10" y="connsiteY10"/>
+              </a:cxn>
+              <a:cxn ang="0">
+                <a:pos x="connsiteX11" y="connsiteY11"/>
+              </a:cxn>
+              <a:cxn ang="0">
+                <a:pos x="connsiteX12" y="connsiteY12"/>
+              </a:cxn>
+              <a:cxn ang="0">
+                <a:pos x="connsiteX13" y="connsiteY13"/>
+              </a:cxn>
+              <a:cxn ang="0">
+                <a:pos x="connsiteX14" y="connsiteY14"/>
+              </a:cxn>
+              <a:cxn ang="0">
+                <a:pos x="connsiteX15" y="connsiteY15"/>
+              </a:cxn>
+              <a:cxn ang="0">
+                <a:pos x="connsiteX16" y="connsiteY16"/>
+              </a:cxn>
+              <a:cxn ang="0">
+                <a:pos x="connsiteX17" y="connsiteY17"/>
+              </a:cxn>
+              <a:cxn ang="0">
+                <a:pos x="connsiteX18" y="connsiteY18"/>
+              </a:cxn>
+              <a:cxn ang="0">
+                <a:pos x="connsiteX19" y="connsiteY19"/>
+              </a:cxn>
+              <a:cxn ang="0">
+                <a:pos x="connsiteX20" y="connsiteY20"/>
+              </a:cxn>
+              <a:cxn ang="0">
+                <a:pos x="connsiteX21" y="connsiteY21"/>
+              </a:cxn>
+              <a:cxn ang="0">
+                <a:pos x="connsiteX22" y="connsiteY22"/>
+              </a:cxn>
+              <a:cxn ang="0">
+                <a:pos x="connsiteX23" y="connsiteY23"/>
+              </a:cxn>
+              <a:cxn ang="0">
+                <a:pos x="connsiteX24" y="connsiteY24"/>
+              </a:cxn>
+              <a:cxn ang="0">
+                <a:pos x="connsiteX25" y="connsiteY25"/>
+              </a:cxn>
+              <a:cxn ang="0">
+                <a:pos x="connsiteX26" y="connsiteY26"/>
+              </a:cxn>
+              <a:cxn ang="0">
+                <a:pos x="connsiteX27" y="connsiteY27"/>
+              </a:cxn>
+              <a:cxn ang="0">
+                <a:pos x="connsiteX28" y="connsiteY28"/>
+              </a:cxn>
+              <a:cxn ang="0">
+                <a:pos x="connsiteX29" y="connsiteY29"/>
+              </a:cxn>
+              <a:cxn ang="0">
+                <a:pos x="connsiteX30" y="connsiteY30"/>
+              </a:cxn>
+              <a:cxn ang="0">
+                <a:pos x="connsiteX31" y="connsiteY31"/>
+              </a:cxn>
+              <a:cxn ang="0">
+                <a:pos x="connsiteX32" y="connsiteY32"/>
+              </a:cxn>
+              <a:cxn ang="0">
+                <a:pos x="connsiteX33" y="connsiteY33"/>
+              </a:cxn>
+              <a:cxn ang="0">
+                <a:pos x="connsiteX34" y="connsiteY34"/>
+              </a:cxn>
+              <a:cxn ang="0">
+                <a:pos x="connsiteX35" y="connsiteY35"/>
+              </a:cxn>
+              <a:cxn ang="0">
+                <a:pos x="connsiteX36" y="connsiteY36"/>
+              </a:cxn>
+              <a:cxn ang="0">
+                <a:pos x="connsiteX37" y="connsiteY37"/>
+              </a:cxn>
+            </a:cxnLst>
+            <a:rect l="l" t="t" r="r" b="b"/>
+            <a:pathLst>
+              <a:path w="10972800" h="18288" fill="none" extrusionOk="0">
+                <a:moveTo>
+                  <a:pt x="0" y="0"/>
+                </a:moveTo>
+                <a:cubicBezTo>
+                  <a:pt x="165916" y="-1866"/>
+                  <a:pt x="188720" y="13756"/>
+                  <a:pt x="356616" y="0"/>
+                </a:cubicBezTo>
+                <a:cubicBezTo>
+                  <a:pt x="524512" y="-13756"/>
+                  <a:pt x="734781" y="8922"/>
+                  <a:pt x="1042416" y="0"/>
+                </a:cubicBezTo>
+                <a:cubicBezTo>
+                  <a:pt x="1350051" y="-8922"/>
+                  <a:pt x="1595982" y="-26315"/>
+                  <a:pt x="1947672" y="0"/>
+                </a:cubicBezTo>
+                <a:cubicBezTo>
+                  <a:pt x="2299362" y="26315"/>
+                  <a:pt x="2292691" y="-19526"/>
+                  <a:pt x="2633472" y="0"/>
+                </a:cubicBezTo>
+                <a:cubicBezTo>
+                  <a:pt x="2974253" y="19526"/>
+                  <a:pt x="2857309" y="10773"/>
+                  <a:pt x="2990088" y="0"/>
+                </a:cubicBezTo>
+                <a:cubicBezTo>
+                  <a:pt x="3122867" y="-10773"/>
+                  <a:pt x="3359343" y="7194"/>
+                  <a:pt x="3456432" y="0"/>
+                </a:cubicBezTo>
+                <a:cubicBezTo>
+                  <a:pt x="3553521" y="-7194"/>
+                  <a:pt x="4136258" y="5108"/>
+                  <a:pt x="4361688" y="0"/>
+                </a:cubicBezTo>
+                <a:cubicBezTo>
+                  <a:pt x="4587118" y="-5108"/>
+                  <a:pt x="4992424" y="-42958"/>
+                  <a:pt x="5266944" y="0"/>
+                </a:cubicBezTo>
+                <a:cubicBezTo>
+                  <a:pt x="5541464" y="42958"/>
+                  <a:pt x="5882966" y="-3430"/>
+                  <a:pt x="6172200" y="0"/>
+                </a:cubicBezTo>
+                <a:cubicBezTo>
+                  <a:pt x="6461434" y="3430"/>
+                  <a:pt x="6432127" y="6688"/>
+                  <a:pt x="6528816" y="0"/>
+                </a:cubicBezTo>
+                <a:cubicBezTo>
+                  <a:pt x="6625505" y="-6688"/>
+                  <a:pt x="6916805" y="-436"/>
+                  <a:pt x="7214616" y="0"/>
+                </a:cubicBezTo>
+                <a:cubicBezTo>
+                  <a:pt x="7512427" y="436"/>
+                  <a:pt x="7626159" y="-6909"/>
+                  <a:pt x="7790688" y="0"/>
+                </a:cubicBezTo>
+                <a:cubicBezTo>
+                  <a:pt x="7955217" y="6909"/>
+                  <a:pt x="8048891" y="15307"/>
+                  <a:pt x="8147304" y="0"/>
+                </a:cubicBezTo>
+                <a:cubicBezTo>
+                  <a:pt x="8245717" y="-15307"/>
+                  <a:pt x="8645618" y="-11734"/>
+                  <a:pt x="9052560" y="0"/>
+                </a:cubicBezTo>
+                <a:cubicBezTo>
+                  <a:pt x="9459502" y="11734"/>
+                  <a:pt x="9320584" y="8388"/>
+                  <a:pt x="9409176" y="0"/>
+                </a:cubicBezTo>
+                <a:cubicBezTo>
+                  <a:pt x="9497768" y="-8388"/>
+                  <a:pt x="9644192" y="8379"/>
+                  <a:pt x="9765792" y="0"/>
+                </a:cubicBezTo>
+                <a:cubicBezTo>
+                  <a:pt x="9887392" y="-8379"/>
+                  <a:pt x="10105220" y="-12663"/>
+                  <a:pt x="10341864" y="0"/>
+                </a:cubicBezTo>
+                <a:cubicBezTo>
+                  <a:pt x="10578508" y="12663"/>
+                  <a:pt x="10773103" y="-5786"/>
+                  <a:pt x="10972800" y="0"/>
+                </a:cubicBezTo>
+                <a:cubicBezTo>
+                  <a:pt x="10972146" y="8818"/>
+                  <a:pt x="10972240" y="13823"/>
+                  <a:pt x="10972800" y="18288"/>
+                </a:cubicBezTo>
+                <a:cubicBezTo>
+                  <a:pt x="10588778" y="31598"/>
+                  <a:pt x="10543381" y="-12698"/>
+                  <a:pt x="10177272" y="18288"/>
+                </a:cubicBezTo>
+                <a:cubicBezTo>
+                  <a:pt x="9811163" y="49274"/>
+                  <a:pt x="9996817" y="25662"/>
+                  <a:pt x="9820656" y="18288"/>
+                </a:cubicBezTo>
+                <a:cubicBezTo>
+                  <a:pt x="9644495" y="10914"/>
+                  <a:pt x="9607007" y="31631"/>
+                  <a:pt x="9464040" y="18288"/>
+                </a:cubicBezTo>
+                <a:cubicBezTo>
+                  <a:pt x="9321073" y="4945"/>
+                  <a:pt x="9114189" y="28940"/>
+                  <a:pt x="8778240" y="18288"/>
+                </a:cubicBezTo>
+                <a:cubicBezTo>
+                  <a:pt x="8442291" y="7636"/>
+                  <a:pt x="8594763" y="987"/>
+                  <a:pt x="8421624" y="18288"/>
+                </a:cubicBezTo>
+                <a:cubicBezTo>
+                  <a:pt x="8248485" y="35589"/>
+                  <a:pt x="7929515" y="37573"/>
+                  <a:pt x="7735824" y="18288"/>
+                </a:cubicBezTo>
+                <a:cubicBezTo>
+                  <a:pt x="7542133" y="-997"/>
+                  <a:pt x="7252504" y="33858"/>
+                  <a:pt x="6940296" y="18288"/>
+                </a:cubicBezTo>
+                <a:cubicBezTo>
+                  <a:pt x="6628088" y="2718"/>
+                  <a:pt x="6528503" y="48389"/>
+                  <a:pt x="6254496" y="18288"/>
+                </a:cubicBezTo>
+                <a:cubicBezTo>
+                  <a:pt x="5980489" y="-11813"/>
+                  <a:pt x="5695784" y="-3740"/>
+                  <a:pt x="5458968" y="18288"/>
+                </a:cubicBezTo>
+                <a:cubicBezTo>
+                  <a:pt x="5222152" y="40316"/>
+                  <a:pt x="5010751" y="19095"/>
+                  <a:pt x="4663440" y="18288"/>
+                </a:cubicBezTo>
+                <a:cubicBezTo>
+                  <a:pt x="4316129" y="17481"/>
+                  <a:pt x="4425552" y="1606"/>
+                  <a:pt x="4306824" y="18288"/>
+                </a:cubicBezTo>
+                <a:cubicBezTo>
+                  <a:pt x="4188096" y="34970"/>
+                  <a:pt x="3941535" y="7481"/>
+                  <a:pt x="3840480" y="18288"/>
+                </a:cubicBezTo>
+                <a:cubicBezTo>
+                  <a:pt x="3739425" y="29095"/>
+                  <a:pt x="3402388" y="17641"/>
+                  <a:pt x="3264408" y="18288"/>
+                </a:cubicBezTo>
+                <a:cubicBezTo>
+                  <a:pt x="3126428" y="18935"/>
+                  <a:pt x="2776779" y="9983"/>
+                  <a:pt x="2578608" y="18288"/>
+                </a:cubicBezTo>
+                <a:cubicBezTo>
+                  <a:pt x="2380437" y="26593"/>
+                  <a:pt x="1909468" y="25818"/>
+                  <a:pt x="1673352" y="18288"/>
+                </a:cubicBezTo>
+                <a:cubicBezTo>
+                  <a:pt x="1437236" y="10758"/>
+                  <a:pt x="1131180" y="49884"/>
+                  <a:pt x="877824" y="18288"/>
+                </a:cubicBezTo>
+                <a:cubicBezTo>
+                  <a:pt x="624468" y="-13308"/>
+                  <a:pt x="206753" y="2195"/>
+                  <a:pt x="0" y="18288"/>
+                </a:cubicBezTo>
+                <a:cubicBezTo>
+                  <a:pt x="313" y="10654"/>
+                  <a:pt x="-263" y="4056"/>
+                  <a:pt x="0" y="0"/>
+                </a:cubicBezTo>
+                <a:close/>
+              </a:path>
+              <a:path w="10972800" h="18288" stroke="0" extrusionOk="0">
+                <a:moveTo>
+                  <a:pt x="0" y="0"/>
+                </a:moveTo>
+                <a:cubicBezTo>
+                  <a:pt x="164017" y="-17675"/>
+                  <a:pt x="309425" y="9913"/>
+                  <a:pt x="466344" y="0"/>
+                </a:cubicBezTo>
+                <a:cubicBezTo>
+                  <a:pt x="623263" y="-9913"/>
+                  <a:pt x="659300" y="-14524"/>
+                  <a:pt x="822960" y="0"/>
+                </a:cubicBezTo>
+                <a:cubicBezTo>
+                  <a:pt x="986620" y="14524"/>
+                  <a:pt x="1105222" y="-16481"/>
+                  <a:pt x="1289304" y="0"/>
+                </a:cubicBezTo>
+                <a:cubicBezTo>
+                  <a:pt x="1473386" y="16481"/>
+                  <a:pt x="1693223" y="26161"/>
+                  <a:pt x="1975104" y="0"/>
+                </a:cubicBezTo>
+                <a:cubicBezTo>
+                  <a:pt x="2256985" y="-26161"/>
+                  <a:pt x="2435781" y="23061"/>
+                  <a:pt x="2770632" y="0"/>
+                </a:cubicBezTo>
+                <a:cubicBezTo>
+                  <a:pt x="3105483" y="-23061"/>
+                  <a:pt x="3247479" y="-44011"/>
+                  <a:pt x="3675888" y="0"/>
+                </a:cubicBezTo>
+                <a:cubicBezTo>
+                  <a:pt x="4104297" y="44011"/>
+                  <a:pt x="4280918" y="4017"/>
+                  <a:pt x="4581144" y="0"/>
+                </a:cubicBezTo>
+                <a:cubicBezTo>
+                  <a:pt x="4881370" y="-4017"/>
+                  <a:pt x="5021699" y="-11889"/>
+                  <a:pt x="5157216" y="0"/>
+                </a:cubicBezTo>
+                <a:cubicBezTo>
+                  <a:pt x="5292733" y="11889"/>
+                  <a:pt x="5603398" y="-17698"/>
+                  <a:pt x="5952744" y="0"/>
+                </a:cubicBezTo>
+                <a:cubicBezTo>
+                  <a:pt x="6302090" y="17698"/>
+                  <a:pt x="6353093" y="-11909"/>
+                  <a:pt x="6638544" y="0"/>
+                </a:cubicBezTo>
+                <a:cubicBezTo>
+                  <a:pt x="6923995" y="11909"/>
+                  <a:pt x="7053404" y="21630"/>
+                  <a:pt x="7214616" y="0"/>
+                </a:cubicBezTo>
+                <a:cubicBezTo>
+                  <a:pt x="7375828" y="-21630"/>
+                  <a:pt x="7837963" y="3886"/>
+                  <a:pt x="8010144" y="0"/>
+                </a:cubicBezTo>
+                <a:cubicBezTo>
+                  <a:pt x="8182325" y="-3886"/>
+                  <a:pt x="8224183" y="16009"/>
+                  <a:pt x="8366760" y="0"/>
+                </a:cubicBezTo>
+                <a:cubicBezTo>
+                  <a:pt x="8509337" y="-16009"/>
+                  <a:pt x="8687920" y="-5720"/>
+                  <a:pt x="8942832" y="0"/>
+                </a:cubicBezTo>
+                <a:cubicBezTo>
+                  <a:pt x="9197744" y="5720"/>
+                  <a:pt x="9368437" y="20479"/>
+                  <a:pt x="9628632" y="0"/>
+                </a:cubicBezTo>
+                <a:cubicBezTo>
+                  <a:pt x="9888827" y="-20479"/>
+                  <a:pt x="10560858" y="-20746"/>
+                  <a:pt x="10972800" y="0"/>
+                </a:cubicBezTo>
+                <a:cubicBezTo>
+                  <a:pt x="10972186" y="5722"/>
+                  <a:pt x="10972980" y="12495"/>
+                  <a:pt x="10972800" y="18288"/>
+                </a:cubicBezTo>
+                <a:cubicBezTo>
+                  <a:pt x="10786146" y="12536"/>
+                  <a:pt x="10623717" y="14033"/>
+                  <a:pt x="10506456" y="18288"/>
+                </a:cubicBezTo>
+                <a:cubicBezTo>
+                  <a:pt x="10389195" y="22543"/>
+                  <a:pt x="10296178" y="20107"/>
+                  <a:pt x="10149840" y="18288"/>
+                </a:cubicBezTo>
+                <a:cubicBezTo>
+                  <a:pt x="10003502" y="16469"/>
+                  <a:pt x="9767530" y="28891"/>
+                  <a:pt x="9464040" y="18288"/>
+                </a:cubicBezTo>
+                <a:cubicBezTo>
+                  <a:pt x="9160550" y="7685"/>
+                  <a:pt x="9229050" y="2659"/>
+                  <a:pt x="8997696" y="18288"/>
+                </a:cubicBezTo>
+                <a:cubicBezTo>
+                  <a:pt x="8766342" y="33917"/>
+                  <a:pt x="8340136" y="34864"/>
+                  <a:pt x="8092440" y="18288"/>
+                </a:cubicBezTo>
+                <a:cubicBezTo>
+                  <a:pt x="7844744" y="1712"/>
+                  <a:pt x="7863720" y="27405"/>
+                  <a:pt x="7735824" y="18288"/>
+                </a:cubicBezTo>
+                <a:cubicBezTo>
+                  <a:pt x="7607928" y="9171"/>
+                  <a:pt x="7323619" y="461"/>
+                  <a:pt x="7050024" y="18288"/>
+                </a:cubicBezTo>
+                <a:cubicBezTo>
+                  <a:pt x="6776429" y="36115"/>
+                  <a:pt x="6787899" y="28206"/>
+                  <a:pt x="6693408" y="18288"/>
+                </a:cubicBezTo>
+                <a:cubicBezTo>
+                  <a:pt x="6598917" y="8370"/>
+                  <a:pt x="6395231" y="19114"/>
+                  <a:pt x="6227064" y="18288"/>
+                </a:cubicBezTo>
+                <a:cubicBezTo>
+                  <a:pt x="6058897" y="17462"/>
+                  <a:pt x="5618582" y="1091"/>
+                  <a:pt x="5431536" y="18288"/>
+                </a:cubicBezTo>
+                <a:cubicBezTo>
+                  <a:pt x="5244490" y="35485"/>
+                  <a:pt x="4729797" y="-9650"/>
+                  <a:pt x="4526280" y="18288"/>
+                </a:cubicBezTo>
+                <a:cubicBezTo>
+                  <a:pt x="4322763" y="46226"/>
+                  <a:pt x="4216797" y="756"/>
+                  <a:pt x="4059936" y="18288"/>
+                </a:cubicBezTo>
+                <a:cubicBezTo>
+                  <a:pt x="3903075" y="35820"/>
+                  <a:pt x="3537912" y="42098"/>
+                  <a:pt x="3374136" y="18288"/>
+                </a:cubicBezTo>
+                <a:cubicBezTo>
+                  <a:pt x="3210360" y="-5522"/>
+                  <a:pt x="3126842" y="39135"/>
+                  <a:pt x="2907792" y="18288"/>
+                </a:cubicBezTo>
+                <a:cubicBezTo>
+                  <a:pt x="2688742" y="-2559"/>
+                  <a:pt x="2490436" y="34100"/>
+                  <a:pt x="2112264" y="18288"/>
+                </a:cubicBezTo>
+                <a:cubicBezTo>
+                  <a:pt x="1734092" y="2476"/>
+                  <a:pt x="1744622" y="-7274"/>
+                  <a:pt x="1536192" y="18288"/>
+                </a:cubicBezTo>
+                <a:cubicBezTo>
+                  <a:pt x="1327762" y="43850"/>
+                  <a:pt x="1189025" y="6435"/>
+                  <a:pt x="1069848" y="18288"/>
+                </a:cubicBezTo>
+                <a:cubicBezTo>
+                  <a:pt x="950671" y="30141"/>
+                  <a:pt x="858345" y="33684"/>
+                  <a:pt x="713232" y="18288"/>
+                </a:cubicBezTo>
+                <a:cubicBezTo>
+                  <a:pt x="568119" y="2892"/>
+                  <a:pt x="250292" y="5410"/>
+                  <a:pt x="0" y="18288"/>
+                </a:cubicBezTo>
+                <a:cubicBezTo>
+                  <a:pt x="465" y="13062"/>
+                  <a:pt x="-894" y="9029"/>
+                  <a:pt x="0" y="0"/>
+                </a:cubicBezTo>
+                <a:close/>
+              </a:path>
+            </a:pathLst>
+          </a:custGeom>
+          <a:solidFill>
+            <a:schemeClr val="accent2">
+              <a:alpha val="75000"/>
+            </a:schemeClr>
+          </a:solidFill>
+          <a:ln w="44450" cap="rnd">
+            <a:solidFill>
+              <a:schemeClr val="accent2">
+                <a:alpha val="75000"/>
+              </a:schemeClr>
+            </a:solidFill>
+            <a:round/>
+            <a:extLst>
+              <a:ext uri="{C807C97D-BFC1-408E-A445-0C87EB9F89A2}">
+                <ask:lineSketchStyleProps xmlns:ask="http://schemas.microsoft.com/office/drawing/2018/sketchyshapes" sd="2727557108">
+                  <a:prstGeom prst="rect">
+                    <a:avLst/>
+                  </a:prstGeom>
+                  <ask:type>
+                    <ask:lineSketchFreehand/>
+                  </ask:type>
+                </ask:lineSketchStyleProps>
+              </a:ext>
+            </a:extLst>
+          </a:ln>
+        </p:spPr>
+        <p:style>
+          <a:lnRef idx="2">
+            <a:schemeClr val="accent1">
+              <a:shade val="50000"/>
+            </a:schemeClr>
+          </a:lnRef>
+          <a:fillRef idx="1">
+            <a:schemeClr val="accent1"/>
+          </a:fillRef>
+          <a:effectRef idx="0">
+            <a:schemeClr val="accent1"/>
+          </a:effectRef>
+          <a:fontRef idx="minor">
+            <a:schemeClr val="lt1"/>
+          </a:fontRef>
+        </p:style>
+        <p:txBody>
+          <a:bodyPr rtlCol="0" anchor="ctr"/>
+          <a:lstStyle/>
+          <a:p>
+            <a:pPr algn="ctr"/>
+            <a:endParaRPr lang="en-US"/>
+          </a:p>
+        </p:txBody>
+      </p:sp>
+      <p:sp>
+        <p:nvSpPr>
+          <p:cNvPr id="8" name="Content Placeholder 7">
+            <a:extLst>
+              <a:ext uri="{FF2B5EF4-FFF2-40B4-BE49-F238E27FC236}">
+                <a16:creationId xmlns:a16="http://schemas.microsoft.com/office/drawing/2014/main" id="{9CCF092A-23FB-CFB4-9CE3-FF5F6A05304A}"/>
+              </a:ext>
+            </a:extLst>
+          </p:cNvPr>
+          <p:cNvSpPr>
+            <a:spLocks noGrp="1"/>
+          </p:cNvSpPr>
+          <p:nvPr>
+            <p:ph idx="1"/>
+          </p:nvPr>
+        </p:nvSpPr>
+        <p:spPr/>
+        <p:txBody>
+          <a:bodyPr>
+            <a:normAutofit/>
+          </a:bodyPr>
+          <a:lstStyle/>
+          <a:p>
+            <a:pPr marL="0" indent="0">
+              <a:buNone/>
+            </a:pPr>
+            <a:r>
+              <a:rPr lang="en-US" sz="3600" dirty="0">
+                <a:latin typeface="Assistant" pitchFamily="2" charset="-79"/>
+                <a:cs typeface="Assistant" pitchFamily="2" charset="-79"/>
+              </a:rPr>
+              <a:t>Add repressor</a:t>
+            </a:r>
+            <a:endParaRPr lang="LID4096" sz="3600" dirty="0">
+              <a:latin typeface="Assistant" pitchFamily="2" charset="-79"/>
+              <a:cs typeface="Assistant" pitchFamily="2" charset="-79"/>
+            </a:endParaRPr>
+          </a:p>
+        </p:txBody>
+      </p:sp>
+    </p:spTree>
+    <p:extLst>
+      <p:ext uri="{BB962C8B-B14F-4D97-AF65-F5344CB8AC3E}">
+        <p14:creationId xmlns:p14="http://schemas.microsoft.com/office/powerpoint/2010/main" val="4100706807"/>
+      </p:ext>
+    </p:extLst>
+  </p:cSld>
+  <p:clrMapOvr>
+    <a:masterClrMapping/>
+  </p:clrMapOvr>
+</p:sld>
+</file>
+
+<file path=ppt/slides/slide6.xml><?xml version="1.0" encoding="utf-8"?>
+<p:sld xmlns:a="http://schemas.openxmlformats.org/drawingml/2006/main" xmlns:r="http://schemas.openxmlformats.org/officeDocument/2006/relationships" xmlns:p="http://schemas.openxmlformats.org/presentationml/2006/main">
+  <p:cSld>
+    <p:bg>
+      <p:bgPr>
+        <a:solidFill>
+          <a:schemeClr val="bg1"/>
+        </a:solidFill>
+        <a:effectLst/>
+      </p:bgPr>
+    </p:bg>
+    <p:spTree>
+      <p:nvGrpSpPr>
+        <p:cNvPr id="1" name="">
+          <a:extLst>
+            <a:ext uri="{FF2B5EF4-FFF2-40B4-BE49-F238E27FC236}">
+              <a16:creationId xmlns:a16="http://schemas.microsoft.com/office/drawing/2014/main" id="{A18DDA2A-D3CB-2D06-D50D-8BC1B6FF9E69}"/>
+            </a:ext>
+          </a:extLst>
+        </p:cNvPr>
+        <p:cNvGrpSpPr/>
+        <p:nvPr/>
+      </p:nvGrpSpPr>
+      <p:grpSpPr>
+        <a:xfrm>
+          <a:off x="0" y="0"/>
+          <a:ext cx="0" cy="0"/>
+          <a:chOff x="0" y="0"/>
+          <a:chExt cx="0" cy="0"/>
+        </a:xfrm>
+      </p:grpSpPr>
+      <p:sp useBgFill="1">
+        <p:nvSpPr>
+          <p:cNvPr id="18" name="Rectangle 17">
+            <a:extLst>
+              <a:ext uri="{FF2B5EF4-FFF2-40B4-BE49-F238E27FC236}">
+                <a16:creationId xmlns:a16="http://schemas.microsoft.com/office/drawing/2014/main" id="{8B498BA9-64E3-EE58-1582-41797454FE81}"/>
+              </a:ext>
+              <a:ext uri="{C183D7F6-B498-43B3-948B-1728B52AA6E4}">
+                <adec:decorative xmlns:adec="http://schemas.microsoft.com/office/drawing/2017/decorative" val="1"/>
+              </a:ext>
+            </a:extLst>
+          </p:cNvPr>
+          <p:cNvSpPr>
+            <a:spLocks noGrp="1" noRot="1" noChangeAspect="1" noMove="1" noResize="1" noEditPoints="1" noAdjustHandles="1" noChangeArrowheads="1" noChangeShapeType="1" noTextEdit="1"/>
+          </p:cNvSpPr>
+          <p:nvPr>
+            <p:extLst>
+              <p:ext uri="{386F3935-93C4-4BCD-93E2-E3B085C9AB24}">
+                <p16:designElem xmlns:p16="http://schemas.microsoft.com/office/powerpoint/2015/main" val="1"/>
+              </p:ext>
+            </p:extLst>
+          </p:nvPr>
+        </p:nvSpPr>
+        <p:spPr>
+          <a:xfrm>
+            <a:off x="0" y="0"/>
+            <a:ext cx="12188952" cy="6858000"/>
+          </a:xfrm>
+          <a:prstGeom prst="rect">
+            <a:avLst/>
+          </a:prstGeom>
+          <a:ln>
+            <a:noFill/>
+          </a:ln>
+        </p:spPr>
+        <p:style>
+          <a:lnRef idx="2">
+            <a:schemeClr val="accent1">
+              <a:shade val="50000"/>
+            </a:schemeClr>
+          </a:lnRef>
+          <a:fillRef idx="1">
+            <a:schemeClr val="accent1"/>
+          </a:fillRef>
+          <a:effectRef idx="0">
+            <a:schemeClr val="accent1"/>
+          </a:effectRef>
+          <a:fontRef idx="minor">
+            <a:schemeClr val="lt1"/>
+          </a:fontRef>
+        </p:style>
+        <p:txBody>
+          <a:bodyPr rtlCol="0" anchor="ctr"/>
+          <a:lstStyle/>
+          <a:p>
+            <a:pPr algn="ctr"/>
+            <a:endParaRPr lang="en-US"/>
+          </a:p>
+        </p:txBody>
+      </p:sp>
+      <p:sp>
+        <p:nvSpPr>
+          <p:cNvPr id="2" name="Title 1">
+            <a:extLst>
+              <a:ext uri="{FF2B5EF4-FFF2-40B4-BE49-F238E27FC236}">
+                <a16:creationId xmlns:a16="http://schemas.microsoft.com/office/drawing/2014/main" id="{E5C5A41E-1BAA-FA9E-1E39-8A477D8E0BB9}"/>
+              </a:ext>
+            </a:extLst>
+          </p:cNvPr>
+          <p:cNvSpPr>
+            <a:spLocks noGrp="1"/>
+          </p:cNvSpPr>
+          <p:nvPr>
+            <p:ph type="title"/>
+          </p:nvPr>
+        </p:nvSpPr>
+        <p:spPr>
+          <a:xfrm>
+            <a:off x="572493" y="238539"/>
+            <a:ext cx="11018520" cy="1434415"/>
+          </a:xfrm>
+        </p:spPr>
+        <p:txBody>
+          <a:bodyPr anchor="b">
+            <a:normAutofit/>
+          </a:bodyPr>
+          <a:lstStyle/>
+          <a:p>
+            <a:r>
+              <a:rPr lang="en-US" sz="5400" dirty="0">
+                <a:latin typeface="Assistant" pitchFamily="2" charset="-79"/>
+                <a:cs typeface="Assistant" pitchFamily="2" charset="-79"/>
+              </a:rPr>
+              <a:t>Results</a:t>
+            </a:r>
+            <a:endParaRPr lang="LID4096" sz="5400" dirty="0">
+              <a:latin typeface="Assistant" pitchFamily="2" charset="-79"/>
+              <a:cs typeface="Assistant" pitchFamily="2" charset="-79"/>
+            </a:endParaRPr>
+          </a:p>
+        </p:txBody>
+      </p:sp>
+      <p:sp>
+        <p:nvSpPr>
+          <p:cNvPr id="20" name="sketchy line">
+            <a:extLst>
+              <a:ext uri="{FF2B5EF4-FFF2-40B4-BE49-F238E27FC236}">
+                <a16:creationId xmlns:a16="http://schemas.microsoft.com/office/drawing/2014/main" id="{2E4FCC94-AE5E-CE02-5FE8-FFBDED2DDB36}"/>
+              </a:ext>
+              <a:ext uri="{C183D7F6-B498-43B3-948B-1728B52AA6E4}">
+                <adec:decorative xmlns:adec="http://schemas.microsoft.com/office/drawing/2017/decorative" val="1"/>
+              </a:ext>
+            </a:extLst>
+          </p:cNvPr>
+          <p:cNvSpPr>
+            <a:spLocks noGrp="1" noRot="1" noChangeAspect="1" noMove="1" noResize="1" noEditPoints="1" noAdjustHandles="1" noChangeArrowheads="1" noChangeShapeType="1" noTextEdit="1"/>
+          </p:cNvSpPr>
+          <p:nvPr>
+            <p:extLst>
+              <p:ext uri="{386F3935-93C4-4BCD-93E2-E3B085C9AB24}">
+                <p16:designElem xmlns:p16="http://schemas.microsoft.com/office/powerpoint/2015/main" val="1"/>
+              </p:ext>
+            </p:extLst>
+          </p:nvPr>
+        </p:nvSpPr>
+        <p:spPr>
+          <a:xfrm>
+            <a:off x="572493" y="1681544"/>
+            <a:ext cx="10972800" cy="18288"/>
+          </a:xfrm>
+          <a:custGeom>
+            <a:avLst/>
+            <a:gdLst>
+              <a:gd name="connsiteX0" fmla="*/ 0 w 10972800"/>
+              <a:gd name="connsiteY0" fmla="*/ 0 h 18288"/>
+              <a:gd name="connsiteX1" fmla="*/ 356616 w 10972800"/>
+              <a:gd name="connsiteY1" fmla="*/ 0 h 18288"/>
+              <a:gd name="connsiteX2" fmla="*/ 1042416 w 10972800"/>
+              <a:gd name="connsiteY2" fmla="*/ 0 h 18288"/>
+              <a:gd name="connsiteX3" fmla="*/ 1947672 w 10972800"/>
+              <a:gd name="connsiteY3" fmla="*/ 0 h 18288"/>
+              <a:gd name="connsiteX4" fmla="*/ 2633472 w 10972800"/>
+              <a:gd name="connsiteY4" fmla="*/ 0 h 18288"/>
+              <a:gd name="connsiteX5" fmla="*/ 2990088 w 10972800"/>
+              <a:gd name="connsiteY5" fmla="*/ 0 h 18288"/>
+              <a:gd name="connsiteX6" fmla="*/ 3456432 w 10972800"/>
+              <a:gd name="connsiteY6" fmla="*/ 0 h 18288"/>
+              <a:gd name="connsiteX7" fmla="*/ 4361688 w 10972800"/>
+              <a:gd name="connsiteY7" fmla="*/ 0 h 18288"/>
+              <a:gd name="connsiteX8" fmla="*/ 5266944 w 10972800"/>
+              <a:gd name="connsiteY8" fmla="*/ 0 h 18288"/>
+              <a:gd name="connsiteX9" fmla="*/ 6172200 w 10972800"/>
+              <a:gd name="connsiteY9" fmla="*/ 0 h 18288"/>
+              <a:gd name="connsiteX10" fmla="*/ 6528816 w 10972800"/>
+              <a:gd name="connsiteY10" fmla="*/ 0 h 18288"/>
+              <a:gd name="connsiteX11" fmla="*/ 7214616 w 10972800"/>
+              <a:gd name="connsiteY11" fmla="*/ 0 h 18288"/>
+              <a:gd name="connsiteX12" fmla="*/ 7790688 w 10972800"/>
+              <a:gd name="connsiteY12" fmla="*/ 0 h 18288"/>
+              <a:gd name="connsiteX13" fmla="*/ 8147304 w 10972800"/>
+              <a:gd name="connsiteY13" fmla="*/ 0 h 18288"/>
+              <a:gd name="connsiteX14" fmla="*/ 9052560 w 10972800"/>
+              <a:gd name="connsiteY14" fmla="*/ 0 h 18288"/>
+              <a:gd name="connsiteX15" fmla="*/ 9409176 w 10972800"/>
+              <a:gd name="connsiteY15" fmla="*/ 0 h 18288"/>
+              <a:gd name="connsiteX16" fmla="*/ 9765792 w 10972800"/>
+              <a:gd name="connsiteY16" fmla="*/ 0 h 18288"/>
+              <a:gd name="connsiteX17" fmla="*/ 10341864 w 10972800"/>
+              <a:gd name="connsiteY17" fmla="*/ 0 h 18288"/>
+              <a:gd name="connsiteX18" fmla="*/ 10972800 w 10972800"/>
+              <a:gd name="connsiteY18" fmla="*/ 0 h 18288"/>
+              <a:gd name="connsiteX19" fmla="*/ 10972800 w 10972800"/>
+              <a:gd name="connsiteY19" fmla="*/ 18288 h 18288"/>
+              <a:gd name="connsiteX20" fmla="*/ 10177272 w 10972800"/>
+              <a:gd name="connsiteY20" fmla="*/ 18288 h 18288"/>
+              <a:gd name="connsiteX21" fmla="*/ 9820656 w 10972800"/>
+              <a:gd name="connsiteY21" fmla="*/ 18288 h 18288"/>
+              <a:gd name="connsiteX22" fmla="*/ 9464040 w 10972800"/>
+              <a:gd name="connsiteY22" fmla="*/ 18288 h 18288"/>
+              <a:gd name="connsiteX23" fmla="*/ 8778240 w 10972800"/>
+              <a:gd name="connsiteY23" fmla="*/ 18288 h 18288"/>
+              <a:gd name="connsiteX24" fmla="*/ 8421624 w 10972800"/>
+              <a:gd name="connsiteY24" fmla="*/ 18288 h 18288"/>
+              <a:gd name="connsiteX25" fmla="*/ 7735824 w 10972800"/>
+              <a:gd name="connsiteY25" fmla="*/ 18288 h 18288"/>
+              <a:gd name="connsiteX26" fmla="*/ 6940296 w 10972800"/>
+              <a:gd name="connsiteY26" fmla="*/ 18288 h 18288"/>
+              <a:gd name="connsiteX27" fmla="*/ 6254496 w 10972800"/>
+              <a:gd name="connsiteY27" fmla="*/ 18288 h 18288"/>
+              <a:gd name="connsiteX28" fmla="*/ 5458968 w 10972800"/>
+              <a:gd name="connsiteY28" fmla="*/ 18288 h 18288"/>
+              <a:gd name="connsiteX29" fmla="*/ 4663440 w 10972800"/>
+              <a:gd name="connsiteY29" fmla="*/ 18288 h 18288"/>
+              <a:gd name="connsiteX30" fmla="*/ 4306824 w 10972800"/>
+              <a:gd name="connsiteY30" fmla="*/ 18288 h 18288"/>
+              <a:gd name="connsiteX31" fmla="*/ 3840480 w 10972800"/>
+              <a:gd name="connsiteY31" fmla="*/ 18288 h 18288"/>
+              <a:gd name="connsiteX32" fmla="*/ 3264408 w 10972800"/>
+              <a:gd name="connsiteY32" fmla="*/ 18288 h 18288"/>
+              <a:gd name="connsiteX33" fmla="*/ 2578608 w 10972800"/>
+              <a:gd name="connsiteY33" fmla="*/ 18288 h 18288"/>
+              <a:gd name="connsiteX34" fmla="*/ 1673352 w 10972800"/>
+              <a:gd name="connsiteY34" fmla="*/ 18288 h 18288"/>
+              <a:gd name="connsiteX35" fmla="*/ 877824 w 10972800"/>
+              <a:gd name="connsiteY35" fmla="*/ 18288 h 18288"/>
+              <a:gd name="connsiteX36" fmla="*/ 0 w 10972800"/>
+              <a:gd name="connsiteY36" fmla="*/ 18288 h 18288"/>
+              <a:gd name="connsiteX37" fmla="*/ 0 w 10972800"/>
+              <a:gd name="connsiteY37" fmla="*/ 0 h 18288"/>
+            </a:gdLst>
+            <a:ahLst/>
+            <a:cxnLst>
+              <a:cxn ang="0">
+                <a:pos x="connsiteX0" y="connsiteY0"/>
+              </a:cxn>
+              <a:cxn ang="0">
+                <a:pos x="connsiteX1" y="connsiteY1"/>
+              </a:cxn>
+              <a:cxn ang="0">
+                <a:pos x="connsiteX2" y="connsiteY2"/>
+              </a:cxn>
+              <a:cxn ang="0">
+                <a:pos x="connsiteX3" y="connsiteY3"/>
+              </a:cxn>
+              <a:cxn ang="0">
+                <a:pos x="connsiteX4" y="connsiteY4"/>
+              </a:cxn>
+              <a:cxn ang="0">
+                <a:pos x="connsiteX5" y="connsiteY5"/>
+              </a:cxn>
+              <a:cxn ang="0">
+                <a:pos x="connsiteX6" y="connsiteY6"/>
+              </a:cxn>
+              <a:cxn ang="0">
+                <a:pos x="connsiteX7" y="connsiteY7"/>
+              </a:cxn>
+              <a:cxn ang="0">
+                <a:pos x="connsiteX8" y="connsiteY8"/>
+              </a:cxn>
+              <a:cxn ang="0">
+                <a:pos x="connsiteX9" y="connsiteY9"/>
+              </a:cxn>
+              <a:cxn ang="0">
+                <a:pos x="connsiteX10" y="connsiteY10"/>
+              </a:cxn>
+              <a:cxn ang="0">
+                <a:pos x="connsiteX11" y="connsiteY11"/>
+              </a:cxn>
+              <a:cxn ang="0">
+                <a:pos x="connsiteX12" y="connsiteY12"/>
+              </a:cxn>
+              <a:cxn ang="0">
+                <a:pos x="connsiteX13" y="connsiteY13"/>
+              </a:cxn>
+              <a:cxn ang="0">
+                <a:pos x="connsiteX14" y="connsiteY14"/>
+              </a:cxn>
+              <a:cxn ang="0">
+                <a:pos x="connsiteX15" y="connsiteY15"/>
+              </a:cxn>
+              <a:cxn ang="0">
+                <a:pos x="connsiteX16" y="connsiteY16"/>
+              </a:cxn>
+              <a:cxn ang="0">
+                <a:pos x="connsiteX17" y="connsiteY17"/>
+              </a:cxn>
+              <a:cxn ang="0">
+                <a:pos x="connsiteX18" y="connsiteY18"/>
+              </a:cxn>
+              <a:cxn ang="0">
+                <a:pos x="connsiteX19" y="connsiteY19"/>
+              </a:cxn>
+              <a:cxn ang="0">
+                <a:pos x="connsiteX20" y="connsiteY20"/>
+              </a:cxn>
+              <a:cxn ang="0">
+                <a:pos x="connsiteX21" y="connsiteY21"/>
+              </a:cxn>
+              <a:cxn ang="0">
+                <a:pos x="connsiteX22" y="connsiteY22"/>
+              </a:cxn>
+              <a:cxn ang="0">
+                <a:pos x="connsiteX23" y="connsiteY23"/>
+              </a:cxn>
+              <a:cxn ang="0">
+                <a:pos x="connsiteX24" y="connsiteY24"/>
+              </a:cxn>
+              <a:cxn ang="0">
+                <a:pos x="connsiteX25" y="connsiteY25"/>
+              </a:cxn>
+              <a:cxn ang="0">
+                <a:pos x="connsiteX26" y="connsiteY26"/>
+              </a:cxn>
+              <a:cxn ang="0">
+                <a:pos x="connsiteX27" y="connsiteY27"/>
+              </a:cxn>
+              <a:cxn ang="0">
+                <a:pos x="connsiteX28" y="connsiteY28"/>
+              </a:cxn>
+              <a:cxn ang="0">
+                <a:pos x="connsiteX29" y="connsiteY29"/>
+              </a:cxn>
+              <a:cxn ang="0">
+                <a:pos x="connsiteX30" y="connsiteY30"/>
+              </a:cxn>
+              <a:cxn ang="0">
+                <a:pos x="connsiteX31" y="connsiteY31"/>
+              </a:cxn>
+              <a:cxn ang="0">
+                <a:pos x="connsiteX32" y="connsiteY32"/>
+              </a:cxn>
+              <a:cxn ang="0">
+                <a:pos x="connsiteX33" y="connsiteY33"/>
+              </a:cxn>
+              <a:cxn ang="0">
+                <a:pos x="connsiteX34" y="connsiteY34"/>
+              </a:cxn>
+              <a:cxn ang="0">
+                <a:pos x="connsiteX35" y="connsiteY35"/>
+              </a:cxn>
+              <a:cxn ang="0">
+                <a:pos x="connsiteX36" y="connsiteY36"/>
+              </a:cxn>
+              <a:cxn ang="0">
+                <a:pos x="connsiteX37" y="connsiteY37"/>
+              </a:cxn>
+            </a:cxnLst>
+            <a:rect l="l" t="t" r="r" b="b"/>
+            <a:pathLst>
+              <a:path w="10972800" h="18288" fill="none" extrusionOk="0">
+                <a:moveTo>
+                  <a:pt x="0" y="0"/>
+                </a:moveTo>
+                <a:cubicBezTo>
+                  <a:pt x="165916" y="-1866"/>
+                  <a:pt x="188720" y="13756"/>
+                  <a:pt x="356616" y="0"/>
+                </a:cubicBezTo>
+                <a:cubicBezTo>
+                  <a:pt x="524512" y="-13756"/>
+                  <a:pt x="734781" y="8922"/>
+                  <a:pt x="1042416" y="0"/>
+                </a:cubicBezTo>
+                <a:cubicBezTo>
+                  <a:pt x="1350051" y="-8922"/>
+                  <a:pt x="1595982" y="-26315"/>
+                  <a:pt x="1947672" y="0"/>
+                </a:cubicBezTo>
+                <a:cubicBezTo>
+                  <a:pt x="2299362" y="26315"/>
+                  <a:pt x="2292691" y="-19526"/>
+                  <a:pt x="2633472" y="0"/>
+                </a:cubicBezTo>
+                <a:cubicBezTo>
+                  <a:pt x="2974253" y="19526"/>
+                  <a:pt x="2857309" y="10773"/>
+                  <a:pt x="2990088" y="0"/>
+                </a:cubicBezTo>
+                <a:cubicBezTo>
+                  <a:pt x="3122867" y="-10773"/>
+                  <a:pt x="3359343" y="7194"/>
+                  <a:pt x="3456432" y="0"/>
+                </a:cubicBezTo>
+                <a:cubicBezTo>
+                  <a:pt x="3553521" y="-7194"/>
+                  <a:pt x="4136258" y="5108"/>
+                  <a:pt x="4361688" y="0"/>
+                </a:cubicBezTo>
+                <a:cubicBezTo>
+                  <a:pt x="4587118" y="-5108"/>
+                  <a:pt x="4992424" y="-42958"/>
+                  <a:pt x="5266944" y="0"/>
+                </a:cubicBezTo>
+                <a:cubicBezTo>
+                  <a:pt x="5541464" y="42958"/>
+                  <a:pt x="5882966" y="-3430"/>
+                  <a:pt x="6172200" y="0"/>
+                </a:cubicBezTo>
+                <a:cubicBezTo>
+                  <a:pt x="6461434" y="3430"/>
+                  <a:pt x="6432127" y="6688"/>
+                  <a:pt x="6528816" y="0"/>
+                </a:cubicBezTo>
+                <a:cubicBezTo>
+                  <a:pt x="6625505" y="-6688"/>
+                  <a:pt x="6916805" y="-436"/>
+                  <a:pt x="7214616" y="0"/>
+                </a:cubicBezTo>
+                <a:cubicBezTo>
+                  <a:pt x="7512427" y="436"/>
+                  <a:pt x="7626159" y="-6909"/>
+                  <a:pt x="7790688" y="0"/>
+                </a:cubicBezTo>
+                <a:cubicBezTo>
+                  <a:pt x="7955217" y="6909"/>
+                  <a:pt x="8048891" y="15307"/>
+                  <a:pt x="8147304" y="0"/>
+                </a:cubicBezTo>
+                <a:cubicBezTo>
+                  <a:pt x="8245717" y="-15307"/>
+                  <a:pt x="8645618" y="-11734"/>
+                  <a:pt x="9052560" y="0"/>
+                </a:cubicBezTo>
+                <a:cubicBezTo>
+                  <a:pt x="9459502" y="11734"/>
+                  <a:pt x="9320584" y="8388"/>
+                  <a:pt x="9409176" y="0"/>
+                </a:cubicBezTo>
+                <a:cubicBezTo>
+                  <a:pt x="9497768" y="-8388"/>
+                  <a:pt x="9644192" y="8379"/>
+                  <a:pt x="9765792" y="0"/>
+                </a:cubicBezTo>
+                <a:cubicBezTo>
+                  <a:pt x="9887392" y="-8379"/>
+                  <a:pt x="10105220" y="-12663"/>
+                  <a:pt x="10341864" y="0"/>
+                </a:cubicBezTo>
+                <a:cubicBezTo>
+                  <a:pt x="10578508" y="12663"/>
+                  <a:pt x="10773103" y="-5786"/>
+                  <a:pt x="10972800" y="0"/>
+                </a:cubicBezTo>
+                <a:cubicBezTo>
+                  <a:pt x="10972146" y="8818"/>
+                  <a:pt x="10972240" y="13823"/>
+                  <a:pt x="10972800" y="18288"/>
+                </a:cubicBezTo>
+                <a:cubicBezTo>
+                  <a:pt x="10588778" y="31598"/>
+                  <a:pt x="10543381" y="-12698"/>
+                  <a:pt x="10177272" y="18288"/>
+                </a:cubicBezTo>
+                <a:cubicBezTo>
+                  <a:pt x="9811163" y="49274"/>
+                  <a:pt x="9996817" y="25662"/>
+                  <a:pt x="9820656" y="18288"/>
+                </a:cubicBezTo>
+                <a:cubicBezTo>
+                  <a:pt x="9644495" y="10914"/>
+                  <a:pt x="9607007" y="31631"/>
+                  <a:pt x="9464040" y="18288"/>
+                </a:cubicBezTo>
+                <a:cubicBezTo>
+                  <a:pt x="9321073" y="4945"/>
+                  <a:pt x="9114189" y="28940"/>
+                  <a:pt x="8778240" y="18288"/>
+                </a:cubicBezTo>
+                <a:cubicBezTo>
+                  <a:pt x="8442291" y="7636"/>
+                  <a:pt x="8594763" y="987"/>
+                  <a:pt x="8421624" y="18288"/>
+                </a:cubicBezTo>
+                <a:cubicBezTo>
+                  <a:pt x="8248485" y="35589"/>
+                  <a:pt x="7929515" y="37573"/>
+                  <a:pt x="7735824" y="18288"/>
+                </a:cubicBezTo>
+                <a:cubicBezTo>
+                  <a:pt x="7542133" y="-997"/>
+                  <a:pt x="7252504" y="33858"/>
+                  <a:pt x="6940296" y="18288"/>
+                </a:cubicBezTo>
+                <a:cubicBezTo>
+                  <a:pt x="6628088" y="2718"/>
+                  <a:pt x="6528503" y="48389"/>
+                  <a:pt x="6254496" y="18288"/>
+                </a:cubicBezTo>
+                <a:cubicBezTo>
+                  <a:pt x="5980489" y="-11813"/>
+                  <a:pt x="5695784" y="-3740"/>
+                  <a:pt x="5458968" y="18288"/>
+                </a:cubicBezTo>
+                <a:cubicBezTo>
+                  <a:pt x="5222152" y="40316"/>
+                  <a:pt x="5010751" y="19095"/>
+                  <a:pt x="4663440" y="18288"/>
+                </a:cubicBezTo>
+                <a:cubicBezTo>
+                  <a:pt x="4316129" y="17481"/>
+                  <a:pt x="4425552" y="1606"/>
+                  <a:pt x="4306824" y="18288"/>
+                </a:cubicBezTo>
+                <a:cubicBezTo>
+                  <a:pt x="4188096" y="34970"/>
+                  <a:pt x="3941535" y="7481"/>
+                  <a:pt x="3840480" y="18288"/>
+                </a:cubicBezTo>
+                <a:cubicBezTo>
+                  <a:pt x="3739425" y="29095"/>
+                  <a:pt x="3402388" y="17641"/>
+                  <a:pt x="3264408" y="18288"/>
+                </a:cubicBezTo>
+                <a:cubicBezTo>
+                  <a:pt x="3126428" y="18935"/>
+                  <a:pt x="2776779" y="9983"/>
+                  <a:pt x="2578608" y="18288"/>
+                </a:cubicBezTo>
+                <a:cubicBezTo>
+                  <a:pt x="2380437" y="26593"/>
+                  <a:pt x="1909468" y="25818"/>
+                  <a:pt x="1673352" y="18288"/>
+                </a:cubicBezTo>
+                <a:cubicBezTo>
+                  <a:pt x="1437236" y="10758"/>
+                  <a:pt x="1131180" y="49884"/>
+                  <a:pt x="877824" y="18288"/>
+                </a:cubicBezTo>
+                <a:cubicBezTo>
+                  <a:pt x="624468" y="-13308"/>
+                  <a:pt x="206753" y="2195"/>
+                  <a:pt x="0" y="18288"/>
+                </a:cubicBezTo>
+                <a:cubicBezTo>
+                  <a:pt x="313" y="10654"/>
+                  <a:pt x="-263" y="4056"/>
+                  <a:pt x="0" y="0"/>
+                </a:cubicBezTo>
+                <a:close/>
+              </a:path>
+              <a:path w="10972800" h="18288" stroke="0" extrusionOk="0">
+                <a:moveTo>
+                  <a:pt x="0" y="0"/>
+                </a:moveTo>
+                <a:cubicBezTo>
+                  <a:pt x="164017" y="-17675"/>
+                  <a:pt x="309425" y="9913"/>
+                  <a:pt x="466344" y="0"/>
+                </a:cubicBezTo>
+                <a:cubicBezTo>
+                  <a:pt x="623263" y="-9913"/>
+                  <a:pt x="659300" y="-14524"/>
+                  <a:pt x="822960" y="0"/>
+                </a:cubicBezTo>
+                <a:cubicBezTo>
+                  <a:pt x="986620" y="14524"/>
+                  <a:pt x="1105222" y="-16481"/>
+                  <a:pt x="1289304" y="0"/>
+                </a:cubicBezTo>
+                <a:cubicBezTo>
+                  <a:pt x="1473386" y="16481"/>
+                  <a:pt x="1693223" y="26161"/>
+                  <a:pt x="1975104" y="0"/>
+                </a:cubicBezTo>
+                <a:cubicBezTo>
+                  <a:pt x="2256985" y="-26161"/>
+                  <a:pt x="2435781" y="23061"/>
+                  <a:pt x="2770632" y="0"/>
+                </a:cubicBezTo>
+                <a:cubicBezTo>
+                  <a:pt x="3105483" y="-23061"/>
+                  <a:pt x="3247479" y="-44011"/>
+                  <a:pt x="3675888" y="0"/>
+                </a:cubicBezTo>
+                <a:cubicBezTo>
+                  <a:pt x="4104297" y="44011"/>
+                  <a:pt x="4280918" y="4017"/>
+                  <a:pt x="4581144" y="0"/>
+                </a:cubicBezTo>
+                <a:cubicBezTo>
+                  <a:pt x="4881370" y="-4017"/>
+                  <a:pt x="5021699" y="-11889"/>
+                  <a:pt x="5157216" y="0"/>
+                </a:cubicBezTo>
+                <a:cubicBezTo>
+                  <a:pt x="5292733" y="11889"/>
+                  <a:pt x="5603398" y="-17698"/>
+                  <a:pt x="5952744" y="0"/>
+                </a:cubicBezTo>
+                <a:cubicBezTo>
+                  <a:pt x="6302090" y="17698"/>
+                  <a:pt x="6353093" y="-11909"/>
+                  <a:pt x="6638544" y="0"/>
+                </a:cubicBezTo>
+                <a:cubicBezTo>
+                  <a:pt x="6923995" y="11909"/>
+                  <a:pt x="7053404" y="21630"/>
+                  <a:pt x="7214616" y="0"/>
+                </a:cubicBezTo>
+                <a:cubicBezTo>
+                  <a:pt x="7375828" y="-21630"/>
+                  <a:pt x="7837963" y="3886"/>
+                  <a:pt x="8010144" y="0"/>
+                </a:cubicBezTo>
+                <a:cubicBezTo>
+                  <a:pt x="8182325" y="-3886"/>
+                  <a:pt x="8224183" y="16009"/>
+                  <a:pt x="8366760" y="0"/>
+                </a:cubicBezTo>
+                <a:cubicBezTo>
+                  <a:pt x="8509337" y="-16009"/>
+                  <a:pt x="8687920" y="-5720"/>
+                  <a:pt x="8942832" y="0"/>
+                </a:cubicBezTo>
+                <a:cubicBezTo>
+                  <a:pt x="9197744" y="5720"/>
+                  <a:pt x="9368437" y="20479"/>
+                  <a:pt x="9628632" y="0"/>
+                </a:cubicBezTo>
+                <a:cubicBezTo>
+                  <a:pt x="9888827" y="-20479"/>
+                  <a:pt x="10560858" y="-20746"/>
+                  <a:pt x="10972800" y="0"/>
+                </a:cubicBezTo>
+                <a:cubicBezTo>
+                  <a:pt x="10972186" y="5722"/>
+                  <a:pt x="10972980" y="12495"/>
+                  <a:pt x="10972800" y="18288"/>
+                </a:cubicBezTo>
+                <a:cubicBezTo>
+                  <a:pt x="10786146" y="12536"/>
+                  <a:pt x="10623717" y="14033"/>
+                  <a:pt x="10506456" y="18288"/>
+                </a:cubicBezTo>
+                <a:cubicBezTo>
+                  <a:pt x="10389195" y="22543"/>
+                  <a:pt x="10296178" y="20107"/>
+                  <a:pt x="10149840" y="18288"/>
+                </a:cubicBezTo>
+                <a:cubicBezTo>
+                  <a:pt x="10003502" y="16469"/>
+                  <a:pt x="9767530" y="28891"/>
+                  <a:pt x="9464040" y="18288"/>
+                </a:cubicBezTo>
+                <a:cubicBezTo>
+                  <a:pt x="9160550" y="7685"/>
+                  <a:pt x="9229050" y="2659"/>
+                  <a:pt x="8997696" y="18288"/>
+                </a:cubicBezTo>
+                <a:cubicBezTo>
+                  <a:pt x="8766342" y="33917"/>
+                  <a:pt x="8340136" y="34864"/>
+                  <a:pt x="8092440" y="18288"/>
+                </a:cubicBezTo>
+                <a:cubicBezTo>
+                  <a:pt x="7844744" y="1712"/>
+                  <a:pt x="7863720" y="27405"/>
+                  <a:pt x="7735824" y="18288"/>
+                </a:cubicBezTo>
+                <a:cubicBezTo>
+                  <a:pt x="7607928" y="9171"/>
+                  <a:pt x="7323619" y="461"/>
+                  <a:pt x="7050024" y="18288"/>
+                </a:cubicBezTo>
+                <a:cubicBezTo>
+                  <a:pt x="6776429" y="36115"/>
+                  <a:pt x="6787899" y="28206"/>
+                  <a:pt x="6693408" y="18288"/>
+                </a:cubicBezTo>
+                <a:cubicBezTo>
+                  <a:pt x="6598917" y="8370"/>
+                  <a:pt x="6395231" y="19114"/>
+                  <a:pt x="6227064" y="18288"/>
+                </a:cubicBezTo>
+                <a:cubicBezTo>
+                  <a:pt x="6058897" y="17462"/>
+                  <a:pt x="5618582" y="1091"/>
+                  <a:pt x="5431536" y="18288"/>
+                </a:cubicBezTo>
+                <a:cubicBezTo>
+                  <a:pt x="5244490" y="35485"/>
+                  <a:pt x="4729797" y="-9650"/>
+                  <a:pt x="4526280" y="18288"/>
+                </a:cubicBezTo>
+                <a:cubicBezTo>
+                  <a:pt x="4322763" y="46226"/>
+                  <a:pt x="4216797" y="756"/>
+                  <a:pt x="4059936" y="18288"/>
+                </a:cubicBezTo>
+                <a:cubicBezTo>
+                  <a:pt x="3903075" y="35820"/>
+                  <a:pt x="3537912" y="42098"/>
+                  <a:pt x="3374136" y="18288"/>
+                </a:cubicBezTo>
+                <a:cubicBezTo>
+                  <a:pt x="3210360" y="-5522"/>
+                  <a:pt x="3126842" y="39135"/>
+                  <a:pt x="2907792" y="18288"/>
+                </a:cubicBezTo>
+                <a:cubicBezTo>
+                  <a:pt x="2688742" y="-2559"/>
+                  <a:pt x="2490436" y="34100"/>
+                  <a:pt x="2112264" y="18288"/>
+                </a:cubicBezTo>
+                <a:cubicBezTo>
+                  <a:pt x="1734092" y="2476"/>
+                  <a:pt x="1744622" y="-7274"/>
+                  <a:pt x="1536192" y="18288"/>
+                </a:cubicBezTo>
+                <a:cubicBezTo>
+                  <a:pt x="1327762" y="43850"/>
+                  <a:pt x="1189025" y="6435"/>
+                  <a:pt x="1069848" y="18288"/>
+                </a:cubicBezTo>
+                <a:cubicBezTo>
+                  <a:pt x="950671" y="30141"/>
+                  <a:pt x="858345" y="33684"/>
+                  <a:pt x="713232" y="18288"/>
+                </a:cubicBezTo>
+                <a:cubicBezTo>
+                  <a:pt x="568119" y="2892"/>
+                  <a:pt x="250292" y="5410"/>
+                  <a:pt x="0" y="18288"/>
+                </a:cubicBezTo>
+                <a:cubicBezTo>
+                  <a:pt x="465" y="13062"/>
+                  <a:pt x="-894" y="9029"/>
+                  <a:pt x="0" y="0"/>
+                </a:cubicBezTo>
+                <a:close/>
+              </a:path>
+            </a:pathLst>
+          </a:custGeom>
+          <a:solidFill>
+            <a:schemeClr val="accent2">
+              <a:alpha val="75000"/>
+            </a:schemeClr>
+          </a:solidFill>
+          <a:ln w="44450" cap="rnd">
+            <a:solidFill>
+              <a:schemeClr val="accent2">
+                <a:alpha val="75000"/>
+              </a:schemeClr>
+            </a:solidFill>
+            <a:round/>
+            <a:extLst>
+              <a:ext uri="{C807C97D-BFC1-408E-A445-0C87EB9F89A2}">
+                <ask:lineSketchStyleProps xmlns:ask="http://schemas.microsoft.com/office/drawing/2018/sketchyshapes" sd="2727557108">
+                  <a:prstGeom prst="rect">
+                    <a:avLst/>
+                  </a:prstGeom>
+                  <ask:type>
+                    <ask:lineSketchFreehand/>
+                  </ask:type>
+                </ask:lineSketchStyleProps>
+              </a:ext>
+            </a:extLst>
+          </a:ln>
+        </p:spPr>
+        <p:style>
+          <a:lnRef idx="2">
+            <a:schemeClr val="accent1">
+              <a:shade val="50000"/>
+            </a:schemeClr>
+          </a:lnRef>
+          <a:fillRef idx="1">
+            <a:schemeClr val="accent1"/>
+          </a:fillRef>
+          <a:effectRef idx="0">
+            <a:schemeClr val="accent1"/>
+          </a:effectRef>
+          <a:fontRef idx="minor">
+            <a:schemeClr val="lt1"/>
+          </a:fontRef>
+        </p:style>
+        <p:txBody>
+          <a:bodyPr rtlCol="0" anchor="ctr"/>
+          <a:lstStyle/>
+          <a:p>
+            <a:pPr algn="ctr"/>
+            <a:endParaRPr lang="en-US"/>
+          </a:p>
+        </p:txBody>
+      </p:sp>
+      <p:sp>
+        <p:nvSpPr>
+          <p:cNvPr id="8" name="Content Placeholder 7">
+            <a:extLst>
+              <a:ext uri="{FF2B5EF4-FFF2-40B4-BE49-F238E27FC236}">
+                <a16:creationId xmlns:a16="http://schemas.microsoft.com/office/drawing/2014/main" id="{0293C29B-D536-2A2F-51E2-C9B0FEA98A8C}"/>
+              </a:ext>
+            </a:extLst>
+          </p:cNvPr>
+          <p:cNvSpPr>
+            <a:spLocks noGrp="1"/>
+          </p:cNvSpPr>
+          <p:nvPr>
+            <p:ph idx="1"/>
+          </p:nvPr>
+        </p:nvSpPr>
+        <p:spPr/>
+        <p:txBody>
+          <a:bodyPr>
+            <a:normAutofit/>
+          </a:bodyPr>
+          <a:lstStyle/>
+          <a:p>
+            <a:pPr marL="742950" indent="-742950">
+              <a:buAutoNum type="arabicParenR"/>
+            </a:pPr>
+            <a:r>
+              <a:rPr lang="en-US" sz="3600" dirty="0">
+                <a:latin typeface="Assistant" pitchFamily="2" charset="-79"/>
+                <a:cs typeface="Assistant" pitchFamily="2" charset="-79"/>
+              </a:rPr>
+              <a:t>Extinction &amp; Latent inhibition </a:t>
+            </a:r>
+          </a:p>
+          <a:p>
+            <a:pPr marL="742950" indent="-742950">
+              <a:buAutoNum type="arabicParenR"/>
+            </a:pPr>
+            <a:r>
+              <a:rPr lang="en-US" sz="3600" dirty="0">
+                <a:latin typeface="Assistant" pitchFamily="2" charset="-79"/>
+                <a:cs typeface="Assistant" pitchFamily="2" charset="-79"/>
+              </a:rPr>
+              <a:t>Capacity when s = 0</a:t>
+            </a:r>
+          </a:p>
+          <a:p>
+            <a:pPr marL="742950" indent="-742950">
+              <a:buAutoNum type="arabicParenR"/>
+            </a:pPr>
+            <a:r>
+              <a:rPr lang="en-US" sz="3600" dirty="0">
+                <a:latin typeface="Assistant" pitchFamily="2" charset="-79"/>
+                <a:cs typeface="Assistant" pitchFamily="2" charset="-79"/>
+              </a:rPr>
+              <a:t>Interesting: capacity with s &gt; 0</a:t>
+            </a:r>
+            <a:endParaRPr lang="LID4096" sz="3600" dirty="0">
+              <a:latin typeface="Assistant" pitchFamily="2" charset="-79"/>
+              <a:cs typeface="Assistant" pitchFamily="2" charset="-79"/>
+            </a:endParaRPr>
+          </a:p>
+        </p:txBody>
+      </p:sp>
+    </p:spTree>
+    <p:extLst>
+      <p:ext uri="{BB962C8B-B14F-4D97-AF65-F5344CB8AC3E}">
+        <p14:creationId xmlns:p14="http://schemas.microsoft.com/office/powerpoint/2010/main" val="649604960"/>
+      </p:ext>
+    </p:extLst>
+  </p:cSld>
+  <p:clrMapOvr>
+    <a:masterClrMapping/>
+  </p:clrMapOvr>
+</p:sld>
+</file>
+
+<file path=ppt/slides/slide7.xml><?xml version="1.0" encoding="utf-8"?>
+<p:sld xmlns:a="http://schemas.openxmlformats.org/drawingml/2006/main" xmlns:r="http://schemas.openxmlformats.org/officeDocument/2006/relationships" xmlns:p="http://schemas.openxmlformats.org/presentationml/2006/main">
+  <p:cSld>
+    <p:bg>
+      <p:bgPr>
+        <a:solidFill>
+          <a:schemeClr val="bg1"/>
+        </a:solidFill>
+        <a:effectLst/>
+      </p:bgPr>
+    </p:bg>
+    <p:spTree>
+      <p:nvGrpSpPr>
+        <p:cNvPr id="1" name="">
+          <a:extLst>
+            <a:ext uri="{FF2B5EF4-FFF2-40B4-BE49-F238E27FC236}">
+              <a16:creationId xmlns:a16="http://schemas.microsoft.com/office/drawing/2014/main" id="{63FC68C2-E162-A8C4-35AC-2404AE3B4230}"/>
+            </a:ext>
+          </a:extLst>
+        </p:cNvPr>
+        <p:cNvGrpSpPr/>
+        <p:nvPr/>
+      </p:nvGrpSpPr>
+      <p:grpSpPr>
+        <a:xfrm>
+          <a:off x="0" y="0"/>
+          <a:ext cx="0" cy="0"/>
+          <a:chOff x="0" y="0"/>
+          <a:chExt cx="0" cy="0"/>
+        </a:xfrm>
+      </p:grpSpPr>
+      <p:sp useBgFill="1">
+        <p:nvSpPr>
+          <p:cNvPr id="18" name="Rectangle 17">
+            <a:extLst>
+              <a:ext uri="{FF2B5EF4-FFF2-40B4-BE49-F238E27FC236}">
+                <a16:creationId xmlns:a16="http://schemas.microsoft.com/office/drawing/2014/main" id="{B8414D69-6607-4D04-C268-32950ADABA98}"/>
+              </a:ext>
+              <a:ext uri="{C183D7F6-B498-43B3-948B-1728B52AA6E4}">
+                <adec:decorative xmlns:adec="http://schemas.microsoft.com/office/drawing/2017/decorative" val="1"/>
+              </a:ext>
+            </a:extLst>
+          </p:cNvPr>
+          <p:cNvSpPr>
+            <a:spLocks noGrp="1" noRot="1" noChangeAspect="1" noMove="1" noResize="1" noEditPoints="1" noAdjustHandles="1" noChangeArrowheads="1" noChangeShapeType="1" noTextEdit="1"/>
+          </p:cNvSpPr>
+          <p:nvPr>
+            <p:extLst>
+              <p:ext uri="{386F3935-93C4-4BCD-93E2-E3B085C9AB24}">
+                <p16:designElem xmlns:p16="http://schemas.microsoft.com/office/powerpoint/2015/main" val="1"/>
+              </p:ext>
+            </p:extLst>
+          </p:nvPr>
+        </p:nvSpPr>
+        <p:spPr>
+          <a:xfrm>
+            <a:off x="0" y="0"/>
+            <a:ext cx="12188952" cy="6858000"/>
+          </a:xfrm>
+          <a:prstGeom prst="rect">
+            <a:avLst/>
+          </a:prstGeom>
+          <a:ln>
+            <a:noFill/>
+          </a:ln>
+        </p:spPr>
+        <p:style>
+          <a:lnRef idx="2">
+            <a:schemeClr val="accent1">
+              <a:shade val="50000"/>
+            </a:schemeClr>
+          </a:lnRef>
+          <a:fillRef idx="1">
+            <a:schemeClr val="accent1"/>
+          </a:fillRef>
+          <a:effectRef idx="0">
+            <a:schemeClr val="accent1"/>
+          </a:effectRef>
+          <a:fontRef idx="minor">
+            <a:schemeClr val="lt1"/>
+          </a:fontRef>
+        </p:style>
+        <p:txBody>
+          <a:bodyPr rtlCol="0" anchor="ctr"/>
+          <a:lstStyle/>
+          <a:p>
+            <a:pPr algn="ctr"/>
+            <a:endParaRPr lang="en-US"/>
+          </a:p>
+        </p:txBody>
+      </p:sp>
+      <p:sp>
+        <p:nvSpPr>
+          <p:cNvPr id="2" name="Title 1">
+            <a:extLst>
+              <a:ext uri="{FF2B5EF4-FFF2-40B4-BE49-F238E27FC236}">
+                <a16:creationId xmlns:a16="http://schemas.microsoft.com/office/drawing/2014/main" id="{A41E420E-127B-5E82-70FD-02DDBB3E1984}"/>
+              </a:ext>
+            </a:extLst>
+          </p:cNvPr>
+          <p:cNvSpPr>
+            <a:spLocks noGrp="1"/>
+          </p:cNvSpPr>
+          <p:nvPr>
+            <p:ph type="title"/>
+          </p:nvPr>
+        </p:nvSpPr>
+        <p:spPr>
+          <a:xfrm>
+            <a:off x="572493" y="238539"/>
+            <a:ext cx="11018520" cy="1434415"/>
+          </a:xfrm>
+        </p:spPr>
+        <p:txBody>
+          <a:bodyPr anchor="b">
+            <a:normAutofit/>
+          </a:bodyPr>
+          <a:lstStyle/>
+          <a:p>
+            <a:r>
+              <a:rPr lang="en-US" sz="5400" dirty="0">
+                <a:latin typeface="Assistant" pitchFamily="2" charset="-79"/>
+                <a:cs typeface="Assistant" pitchFamily="2" charset="-79"/>
+              </a:rPr>
+              <a:t>Conclusion	</a:t>
+            </a:r>
+            <a:endParaRPr lang="LID4096" sz="5400" dirty="0">
+              <a:latin typeface="Assistant" pitchFamily="2" charset="-79"/>
+              <a:cs typeface="Assistant" pitchFamily="2" charset="-79"/>
+            </a:endParaRPr>
+          </a:p>
+        </p:txBody>
+      </p:sp>
+      <p:sp>
+        <p:nvSpPr>
+          <p:cNvPr id="20" name="sketchy line">
+            <a:extLst>
+              <a:ext uri="{FF2B5EF4-FFF2-40B4-BE49-F238E27FC236}">
+                <a16:creationId xmlns:a16="http://schemas.microsoft.com/office/drawing/2014/main" id="{BDFFAF89-5ECB-225A-355D-99D7E8E505CE}"/>
+              </a:ext>
+              <a:ext uri="{C183D7F6-B498-43B3-948B-1728B52AA6E4}">
+                <adec:decorative xmlns:adec="http://schemas.microsoft.com/office/drawing/2017/decorative" val="1"/>
+              </a:ext>
+            </a:extLst>
+          </p:cNvPr>
+          <p:cNvSpPr>
+            <a:spLocks noGrp="1" noRot="1" noChangeAspect="1" noMove="1" noResize="1" noEditPoints="1" noAdjustHandles="1" noChangeArrowheads="1" noChangeShapeType="1" noTextEdit="1"/>
+          </p:cNvSpPr>
+          <p:nvPr>
+            <p:extLst>
+              <p:ext uri="{386F3935-93C4-4BCD-93E2-E3B085C9AB24}">
+                <p16:designElem xmlns:p16="http://schemas.microsoft.com/office/powerpoint/2015/main" val="1"/>
+              </p:ext>
+            </p:extLst>
+          </p:nvPr>
+        </p:nvSpPr>
+        <p:spPr>
+          <a:xfrm>
+            <a:off x="572493" y="1681544"/>
+            <a:ext cx="10972800" cy="18288"/>
+          </a:xfrm>
+          <a:custGeom>
+            <a:avLst/>
+            <a:gdLst>
+              <a:gd name="connsiteX0" fmla="*/ 0 w 10972800"/>
+              <a:gd name="connsiteY0" fmla="*/ 0 h 18288"/>
+              <a:gd name="connsiteX1" fmla="*/ 356616 w 10972800"/>
+              <a:gd name="connsiteY1" fmla="*/ 0 h 18288"/>
+              <a:gd name="connsiteX2" fmla="*/ 1042416 w 10972800"/>
+              <a:gd name="connsiteY2" fmla="*/ 0 h 18288"/>
+              <a:gd name="connsiteX3" fmla="*/ 1947672 w 10972800"/>
+              <a:gd name="connsiteY3" fmla="*/ 0 h 18288"/>
+              <a:gd name="connsiteX4" fmla="*/ 2633472 w 10972800"/>
+              <a:gd name="connsiteY4" fmla="*/ 0 h 18288"/>
+              <a:gd name="connsiteX5" fmla="*/ 2990088 w 10972800"/>
+              <a:gd name="connsiteY5" fmla="*/ 0 h 18288"/>
+              <a:gd name="connsiteX6" fmla="*/ 3456432 w 10972800"/>
+              <a:gd name="connsiteY6" fmla="*/ 0 h 18288"/>
+              <a:gd name="connsiteX7" fmla="*/ 4361688 w 10972800"/>
+              <a:gd name="connsiteY7" fmla="*/ 0 h 18288"/>
+              <a:gd name="connsiteX8" fmla="*/ 5266944 w 10972800"/>
+              <a:gd name="connsiteY8" fmla="*/ 0 h 18288"/>
+              <a:gd name="connsiteX9" fmla="*/ 6172200 w 10972800"/>
+              <a:gd name="connsiteY9" fmla="*/ 0 h 18288"/>
+              <a:gd name="connsiteX10" fmla="*/ 6528816 w 10972800"/>
+              <a:gd name="connsiteY10" fmla="*/ 0 h 18288"/>
+              <a:gd name="connsiteX11" fmla="*/ 7214616 w 10972800"/>
+              <a:gd name="connsiteY11" fmla="*/ 0 h 18288"/>
+              <a:gd name="connsiteX12" fmla="*/ 7790688 w 10972800"/>
+              <a:gd name="connsiteY12" fmla="*/ 0 h 18288"/>
+              <a:gd name="connsiteX13" fmla="*/ 8147304 w 10972800"/>
+              <a:gd name="connsiteY13" fmla="*/ 0 h 18288"/>
+              <a:gd name="connsiteX14" fmla="*/ 9052560 w 10972800"/>
+              <a:gd name="connsiteY14" fmla="*/ 0 h 18288"/>
+              <a:gd name="connsiteX15" fmla="*/ 9409176 w 10972800"/>
+              <a:gd name="connsiteY15" fmla="*/ 0 h 18288"/>
+              <a:gd name="connsiteX16" fmla="*/ 9765792 w 10972800"/>
+              <a:gd name="connsiteY16" fmla="*/ 0 h 18288"/>
+              <a:gd name="connsiteX17" fmla="*/ 10341864 w 10972800"/>
+              <a:gd name="connsiteY17" fmla="*/ 0 h 18288"/>
+              <a:gd name="connsiteX18" fmla="*/ 10972800 w 10972800"/>
+              <a:gd name="connsiteY18" fmla="*/ 0 h 18288"/>
+              <a:gd name="connsiteX19" fmla="*/ 10972800 w 10972800"/>
+              <a:gd name="connsiteY19" fmla="*/ 18288 h 18288"/>
+              <a:gd name="connsiteX20" fmla="*/ 10177272 w 10972800"/>
+              <a:gd name="connsiteY20" fmla="*/ 18288 h 18288"/>
+              <a:gd name="connsiteX21" fmla="*/ 9820656 w 10972800"/>
+              <a:gd name="connsiteY21" fmla="*/ 18288 h 18288"/>
+              <a:gd name="connsiteX22" fmla="*/ 9464040 w 10972800"/>
+              <a:gd name="connsiteY22" fmla="*/ 18288 h 18288"/>
+              <a:gd name="connsiteX23" fmla="*/ 8778240 w 10972800"/>
+              <a:gd name="connsiteY23" fmla="*/ 18288 h 18288"/>
+              <a:gd name="connsiteX24" fmla="*/ 8421624 w 10972800"/>
+              <a:gd name="connsiteY24" fmla="*/ 18288 h 18288"/>
+              <a:gd name="connsiteX25" fmla="*/ 7735824 w 10972800"/>
+              <a:gd name="connsiteY25" fmla="*/ 18288 h 18288"/>
+              <a:gd name="connsiteX26" fmla="*/ 6940296 w 10972800"/>
+              <a:gd name="connsiteY26" fmla="*/ 18288 h 18288"/>
+              <a:gd name="connsiteX27" fmla="*/ 6254496 w 10972800"/>
+              <a:gd name="connsiteY27" fmla="*/ 18288 h 18288"/>
+              <a:gd name="connsiteX28" fmla="*/ 5458968 w 10972800"/>
+              <a:gd name="connsiteY28" fmla="*/ 18288 h 18288"/>
+              <a:gd name="connsiteX29" fmla="*/ 4663440 w 10972800"/>
+              <a:gd name="connsiteY29" fmla="*/ 18288 h 18288"/>
+              <a:gd name="connsiteX30" fmla="*/ 4306824 w 10972800"/>
+              <a:gd name="connsiteY30" fmla="*/ 18288 h 18288"/>
+              <a:gd name="connsiteX31" fmla="*/ 3840480 w 10972800"/>
+              <a:gd name="connsiteY31" fmla="*/ 18288 h 18288"/>
+              <a:gd name="connsiteX32" fmla="*/ 3264408 w 10972800"/>
+              <a:gd name="connsiteY32" fmla="*/ 18288 h 18288"/>
+              <a:gd name="connsiteX33" fmla="*/ 2578608 w 10972800"/>
+              <a:gd name="connsiteY33" fmla="*/ 18288 h 18288"/>
+              <a:gd name="connsiteX34" fmla="*/ 1673352 w 10972800"/>
+              <a:gd name="connsiteY34" fmla="*/ 18288 h 18288"/>
+              <a:gd name="connsiteX35" fmla="*/ 877824 w 10972800"/>
+              <a:gd name="connsiteY35" fmla="*/ 18288 h 18288"/>
+              <a:gd name="connsiteX36" fmla="*/ 0 w 10972800"/>
+              <a:gd name="connsiteY36" fmla="*/ 18288 h 18288"/>
+              <a:gd name="connsiteX37" fmla="*/ 0 w 10972800"/>
+              <a:gd name="connsiteY37" fmla="*/ 0 h 18288"/>
+            </a:gdLst>
+            <a:ahLst/>
+            <a:cxnLst>
+              <a:cxn ang="0">
+                <a:pos x="connsiteX0" y="connsiteY0"/>
+              </a:cxn>
+              <a:cxn ang="0">
+                <a:pos x="connsiteX1" y="connsiteY1"/>
+              </a:cxn>
+              <a:cxn ang="0">
+                <a:pos x="connsiteX2" y="connsiteY2"/>
+              </a:cxn>
+              <a:cxn ang="0">
+                <a:pos x="connsiteX3" y="connsiteY3"/>
+              </a:cxn>
+              <a:cxn ang="0">
+                <a:pos x="connsiteX4" y="connsiteY4"/>
+              </a:cxn>
+              <a:cxn ang="0">
+                <a:pos x="connsiteX5" y="connsiteY5"/>
+              </a:cxn>
+              <a:cxn ang="0">
+                <a:pos x="connsiteX6" y="connsiteY6"/>
+              </a:cxn>
+              <a:cxn ang="0">
+                <a:pos x="connsiteX7" y="connsiteY7"/>
+              </a:cxn>
+              <a:cxn ang="0">
+                <a:pos x="connsiteX8" y="connsiteY8"/>
+              </a:cxn>
+              <a:cxn ang="0">
+                <a:pos x="connsiteX9" y="connsiteY9"/>
+              </a:cxn>
+              <a:cxn ang="0">
+                <a:pos x="connsiteX10" y="connsiteY10"/>
+              </a:cxn>
+              <a:cxn ang="0">
+                <a:pos x="connsiteX11" y="connsiteY11"/>
+              </a:cxn>
+              <a:cxn ang="0">
+                <a:pos x="connsiteX12" y="connsiteY12"/>
+              </a:cxn>
+              <a:cxn ang="0">
+                <a:pos x="connsiteX13" y="connsiteY13"/>
+              </a:cxn>
+              <a:cxn ang="0">
+                <a:pos x="connsiteX14" y="connsiteY14"/>
+              </a:cxn>
+              <a:cxn ang="0">
+                <a:pos x="connsiteX15" y="connsiteY15"/>
+              </a:cxn>
+              <a:cxn ang="0">
+                <a:pos x="connsiteX16" y="connsiteY16"/>
+              </a:cxn>
+              <a:cxn ang="0">
+                <a:pos x="connsiteX17" y="connsiteY17"/>
+              </a:cxn>
+              <a:cxn ang="0">
+                <a:pos x="connsiteX18" y="connsiteY18"/>
+              </a:cxn>
+              <a:cxn ang="0">
+                <a:pos x="connsiteX19" y="connsiteY19"/>
+              </a:cxn>
+              <a:cxn ang="0">
+                <a:pos x="connsiteX20" y="connsiteY20"/>
+              </a:cxn>
+              <a:cxn ang="0">
+                <a:pos x="connsiteX21" y="connsiteY21"/>
+              </a:cxn>
+              <a:cxn ang="0">
+                <a:pos x="connsiteX22" y="connsiteY22"/>
+              </a:cxn>
+              <a:cxn ang="0">
+                <a:pos x="connsiteX23" y="connsiteY23"/>
+              </a:cxn>
+              <a:cxn ang="0">
+                <a:pos x="connsiteX24" y="connsiteY24"/>
+              </a:cxn>
+              <a:cxn ang="0">
+                <a:pos x="connsiteX25" y="connsiteY25"/>
+              </a:cxn>
+              <a:cxn ang="0">
+                <a:pos x="connsiteX26" y="connsiteY26"/>
+              </a:cxn>
+              <a:cxn ang="0">
+                <a:pos x="connsiteX27" y="connsiteY27"/>
+              </a:cxn>
+              <a:cxn ang="0">
+                <a:pos x="connsiteX28" y="connsiteY28"/>
+              </a:cxn>
+              <a:cxn ang="0">
+                <a:pos x="connsiteX29" y="connsiteY29"/>
+              </a:cxn>
+              <a:cxn ang="0">
+                <a:pos x="connsiteX30" y="connsiteY30"/>
+              </a:cxn>
+              <a:cxn ang="0">
+                <a:pos x="connsiteX31" y="connsiteY31"/>
+              </a:cxn>
+              <a:cxn ang="0">
+                <a:pos x="connsiteX32" y="connsiteY32"/>
+              </a:cxn>
+              <a:cxn ang="0">
+                <a:pos x="connsiteX33" y="connsiteY33"/>
+              </a:cxn>
+              <a:cxn ang="0">
+                <a:pos x="connsiteX34" y="connsiteY34"/>
+              </a:cxn>
+              <a:cxn ang="0">
+                <a:pos x="connsiteX35" y="connsiteY35"/>
+              </a:cxn>
+              <a:cxn ang="0">
+                <a:pos x="connsiteX36" y="connsiteY36"/>
+              </a:cxn>
+              <a:cxn ang="0">
+                <a:pos x="connsiteX37" y="connsiteY37"/>
+              </a:cxn>
+            </a:cxnLst>
+            <a:rect l="l" t="t" r="r" b="b"/>
+            <a:pathLst>
+              <a:path w="10972800" h="18288" fill="none" extrusionOk="0">
+                <a:moveTo>
+                  <a:pt x="0" y="0"/>
+                </a:moveTo>
+                <a:cubicBezTo>
+                  <a:pt x="165916" y="-1866"/>
+                  <a:pt x="188720" y="13756"/>
+                  <a:pt x="356616" y="0"/>
+                </a:cubicBezTo>
+                <a:cubicBezTo>
+                  <a:pt x="524512" y="-13756"/>
+                  <a:pt x="734781" y="8922"/>
+                  <a:pt x="1042416" y="0"/>
+                </a:cubicBezTo>
+                <a:cubicBezTo>
+                  <a:pt x="1350051" y="-8922"/>
+                  <a:pt x="1595982" y="-26315"/>
+                  <a:pt x="1947672" y="0"/>
+                </a:cubicBezTo>
+                <a:cubicBezTo>
+                  <a:pt x="2299362" y="26315"/>
+                  <a:pt x="2292691" y="-19526"/>
+                  <a:pt x="2633472" y="0"/>
+                </a:cubicBezTo>
+                <a:cubicBezTo>
+                  <a:pt x="2974253" y="19526"/>
+                  <a:pt x="2857309" y="10773"/>
+                  <a:pt x="2990088" y="0"/>
+                </a:cubicBezTo>
+                <a:cubicBezTo>
+                  <a:pt x="3122867" y="-10773"/>
+                  <a:pt x="3359343" y="7194"/>
+                  <a:pt x="3456432" y="0"/>
+                </a:cubicBezTo>
+                <a:cubicBezTo>
+                  <a:pt x="3553521" y="-7194"/>
+                  <a:pt x="4136258" y="5108"/>
+                  <a:pt x="4361688" y="0"/>
+                </a:cubicBezTo>
+                <a:cubicBezTo>
+                  <a:pt x="4587118" y="-5108"/>
+                  <a:pt x="4992424" y="-42958"/>
+                  <a:pt x="5266944" y="0"/>
+                </a:cubicBezTo>
+                <a:cubicBezTo>
+                  <a:pt x="5541464" y="42958"/>
+                  <a:pt x="5882966" y="-3430"/>
+                  <a:pt x="6172200" y="0"/>
+                </a:cubicBezTo>
+                <a:cubicBezTo>
+                  <a:pt x="6461434" y="3430"/>
+                  <a:pt x="6432127" y="6688"/>
+                  <a:pt x="6528816" y="0"/>
+                </a:cubicBezTo>
+                <a:cubicBezTo>
+                  <a:pt x="6625505" y="-6688"/>
+                  <a:pt x="6916805" y="-436"/>
+                  <a:pt x="7214616" y="0"/>
+                </a:cubicBezTo>
+                <a:cubicBezTo>
+                  <a:pt x="7512427" y="436"/>
+                  <a:pt x="7626159" y="-6909"/>
+                  <a:pt x="7790688" y="0"/>
+                </a:cubicBezTo>
+                <a:cubicBezTo>
+                  <a:pt x="7955217" y="6909"/>
+                  <a:pt x="8048891" y="15307"/>
+                  <a:pt x="8147304" y="0"/>
+                </a:cubicBezTo>
+                <a:cubicBezTo>
+                  <a:pt x="8245717" y="-15307"/>
+                  <a:pt x="8645618" y="-11734"/>
+                  <a:pt x="9052560" y="0"/>
+                </a:cubicBezTo>
+                <a:cubicBezTo>
+                  <a:pt x="9459502" y="11734"/>
+                  <a:pt x="9320584" y="8388"/>
+                  <a:pt x="9409176" y="0"/>
+                </a:cubicBezTo>
+                <a:cubicBezTo>
+                  <a:pt x="9497768" y="-8388"/>
+                  <a:pt x="9644192" y="8379"/>
+                  <a:pt x="9765792" y="0"/>
+                </a:cubicBezTo>
+                <a:cubicBezTo>
+                  <a:pt x="9887392" y="-8379"/>
+                  <a:pt x="10105220" y="-12663"/>
+                  <a:pt x="10341864" y="0"/>
+                </a:cubicBezTo>
+                <a:cubicBezTo>
+                  <a:pt x="10578508" y="12663"/>
+                  <a:pt x="10773103" y="-5786"/>
+                  <a:pt x="10972800" y="0"/>
+                </a:cubicBezTo>
+                <a:cubicBezTo>
+                  <a:pt x="10972146" y="8818"/>
+                  <a:pt x="10972240" y="13823"/>
+                  <a:pt x="10972800" y="18288"/>
+                </a:cubicBezTo>
+                <a:cubicBezTo>
+                  <a:pt x="10588778" y="31598"/>
+                  <a:pt x="10543381" y="-12698"/>
+                  <a:pt x="10177272" y="18288"/>
+                </a:cubicBezTo>
+                <a:cubicBezTo>
+                  <a:pt x="9811163" y="49274"/>
+                  <a:pt x="9996817" y="25662"/>
+                  <a:pt x="9820656" y="18288"/>
+                </a:cubicBezTo>
+                <a:cubicBezTo>
+                  <a:pt x="9644495" y="10914"/>
+                  <a:pt x="9607007" y="31631"/>
+                  <a:pt x="9464040" y="18288"/>
+                </a:cubicBezTo>
+                <a:cubicBezTo>
+                  <a:pt x="9321073" y="4945"/>
+                  <a:pt x="9114189" y="28940"/>
+                  <a:pt x="8778240" y="18288"/>
+                </a:cubicBezTo>
+                <a:cubicBezTo>
+                  <a:pt x="8442291" y="7636"/>
+                  <a:pt x="8594763" y="987"/>
+                  <a:pt x="8421624" y="18288"/>
+                </a:cubicBezTo>
+                <a:cubicBezTo>
+                  <a:pt x="8248485" y="35589"/>
+                  <a:pt x="7929515" y="37573"/>
+                  <a:pt x="7735824" y="18288"/>
+                </a:cubicBezTo>
+                <a:cubicBezTo>
+                  <a:pt x="7542133" y="-997"/>
+                  <a:pt x="7252504" y="33858"/>
+                  <a:pt x="6940296" y="18288"/>
+                </a:cubicBezTo>
+                <a:cubicBezTo>
+                  <a:pt x="6628088" y="2718"/>
+                  <a:pt x="6528503" y="48389"/>
+                  <a:pt x="6254496" y="18288"/>
+                </a:cubicBezTo>
+                <a:cubicBezTo>
+                  <a:pt x="5980489" y="-11813"/>
+                  <a:pt x="5695784" y="-3740"/>
+                  <a:pt x="5458968" y="18288"/>
+                </a:cubicBezTo>
+                <a:cubicBezTo>
+                  <a:pt x="5222152" y="40316"/>
+                  <a:pt x="5010751" y="19095"/>
+                  <a:pt x="4663440" y="18288"/>
+                </a:cubicBezTo>
+                <a:cubicBezTo>
+                  <a:pt x="4316129" y="17481"/>
+                  <a:pt x="4425552" y="1606"/>
+                  <a:pt x="4306824" y="18288"/>
+                </a:cubicBezTo>
+                <a:cubicBezTo>
+                  <a:pt x="4188096" y="34970"/>
+                  <a:pt x="3941535" y="7481"/>
+                  <a:pt x="3840480" y="18288"/>
+                </a:cubicBezTo>
+                <a:cubicBezTo>
+                  <a:pt x="3739425" y="29095"/>
+                  <a:pt x="3402388" y="17641"/>
+                  <a:pt x="3264408" y="18288"/>
+                </a:cubicBezTo>
+                <a:cubicBezTo>
+                  <a:pt x="3126428" y="18935"/>
+                  <a:pt x="2776779" y="9983"/>
+                  <a:pt x="2578608" y="18288"/>
+                </a:cubicBezTo>
+                <a:cubicBezTo>
+                  <a:pt x="2380437" y="26593"/>
+                  <a:pt x="1909468" y="25818"/>
+                  <a:pt x="1673352" y="18288"/>
+                </a:cubicBezTo>
+                <a:cubicBezTo>
+                  <a:pt x="1437236" y="10758"/>
+                  <a:pt x="1131180" y="49884"/>
+                  <a:pt x="877824" y="18288"/>
+                </a:cubicBezTo>
+                <a:cubicBezTo>
+                  <a:pt x="624468" y="-13308"/>
+                  <a:pt x="206753" y="2195"/>
+                  <a:pt x="0" y="18288"/>
+                </a:cubicBezTo>
+                <a:cubicBezTo>
+                  <a:pt x="313" y="10654"/>
+                  <a:pt x="-263" y="4056"/>
+                  <a:pt x="0" y="0"/>
+                </a:cubicBezTo>
+                <a:close/>
+              </a:path>
+              <a:path w="10972800" h="18288" stroke="0" extrusionOk="0">
+                <a:moveTo>
+                  <a:pt x="0" y="0"/>
+                </a:moveTo>
+                <a:cubicBezTo>
+                  <a:pt x="164017" y="-17675"/>
+                  <a:pt x="309425" y="9913"/>
+                  <a:pt x="466344" y="0"/>
+                </a:cubicBezTo>
+                <a:cubicBezTo>
+                  <a:pt x="623263" y="-9913"/>
+                  <a:pt x="659300" y="-14524"/>
+                  <a:pt x="822960" y="0"/>
+                </a:cubicBezTo>
+                <a:cubicBezTo>
+                  <a:pt x="986620" y="14524"/>
+                  <a:pt x="1105222" y="-16481"/>
+                  <a:pt x="1289304" y="0"/>
+                </a:cubicBezTo>
+                <a:cubicBezTo>
+                  <a:pt x="1473386" y="16481"/>
+                  <a:pt x="1693223" y="26161"/>
+                  <a:pt x="1975104" y="0"/>
+                </a:cubicBezTo>
+                <a:cubicBezTo>
+                  <a:pt x="2256985" y="-26161"/>
+                  <a:pt x="2435781" y="23061"/>
+                  <a:pt x="2770632" y="0"/>
+                </a:cubicBezTo>
+                <a:cubicBezTo>
+                  <a:pt x="3105483" y="-23061"/>
+                  <a:pt x="3247479" y="-44011"/>
+                  <a:pt x="3675888" y="0"/>
+                </a:cubicBezTo>
+                <a:cubicBezTo>
+                  <a:pt x="4104297" y="44011"/>
+                  <a:pt x="4280918" y="4017"/>
+                  <a:pt x="4581144" y="0"/>
+                </a:cubicBezTo>
+                <a:cubicBezTo>
+                  <a:pt x="4881370" y="-4017"/>
+                  <a:pt x="5021699" y="-11889"/>
+                  <a:pt x="5157216" y="0"/>
+                </a:cubicBezTo>
+                <a:cubicBezTo>
+                  <a:pt x="5292733" y="11889"/>
+                  <a:pt x="5603398" y="-17698"/>
+                  <a:pt x="5952744" y="0"/>
+                </a:cubicBezTo>
+                <a:cubicBezTo>
+                  <a:pt x="6302090" y="17698"/>
+                  <a:pt x="6353093" y="-11909"/>
+                  <a:pt x="6638544" y="0"/>
+                </a:cubicBezTo>
+                <a:cubicBezTo>
+                  <a:pt x="6923995" y="11909"/>
+                  <a:pt x="7053404" y="21630"/>
+                  <a:pt x="7214616" y="0"/>
+                </a:cubicBezTo>
+                <a:cubicBezTo>
+                  <a:pt x="7375828" y="-21630"/>
+                  <a:pt x="7837963" y="3886"/>
+                  <a:pt x="8010144" y="0"/>
+                </a:cubicBezTo>
+                <a:cubicBezTo>
+                  <a:pt x="8182325" y="-3886"/>
+                  <a:pt x="8224183" y="16009"/>
+                  <a:pt x="8366760" y="0"/>
+                </a:cubicBezTo>
+                <a:cubicBezTo>
+                  <a:pt x="8509337" y="-16009"/>
+                  <a:pt x="8687920" y="-5720"/>
+                  <a:pt x="8942832" y="0"/>
+                </a:cubicBezTo>
+                <a:cubicBezTo>
+                  <a:pt x="9197744" y="5720"/>
+                  <a:pt x="9368437" y="20479"/>
+                  <a:pt x="9628632" y="0"/>
+                </a:cubicBezTo>
+                <a:cubicBezTo>
+                  <a:pt x="9888827" y="-20479"/>
+                  <a:pt x="10560858" y="-20746"/>
+                  <a:pt x="10972800" y="0"/>
+                </a:cubicBezTo>
+                <a:cubicBezTo>
+                  <a:pt x="10972186" y="5722"/>
+                  <a:pt x="10972980" y="12495"/>
+                  <a:pt x="10972800" y="18288"/>
+                </a:cubicBezTo>
+                <a:cubicBezTo>
+                  <a:pt x="10786146" y="12536"/>
+                  <a:pt x="10623717" y="14033"/>
+                  <a:pt x="10506456" y="18288"/>
+                </a:cubicBezTo>
+                <a:cubicBezTo>
+                  <a:pt x="10389195" y="22543"/>
+                  <a:pt x="10296178" y="20107"/>
+                  <a:pt x="10149840" y="18288"/>
+                </a:cubicBezTo>
+                <a:cubicBezTo>
+                  <a:pt x="10003502" y="16469"/>
+                  <a:pt x="9767530" y="28891"/>
+                  <a:pt x="9464040" y="18288"/>
+                </a:cubicBezTo>
+                <a:cubicBezTo>
+                  <a:pt x="9160550" y="7685"/>
+                  <a:pt x="9229050" y="2659"/>
+                  <a:pt x="8997696" y="18288"/>
+                </a:cubicBezTo>
+                <a:cubicBezTo>
+                  <a:pt x="8766342" y="33917"/>
+                  <a:pt x="8340136" y="34864"/>
+                  <a:pt x="8092440" y="18288"/>
+                </a:cubicBezTo>
+                <a:cubicBezTo>
+                  <a:pt x="7844744" y="1712"/>
+                  <a:pt x="7863720" y="27405"/>
+                  <a:pt x="7735824" y="18288"/>
+                </a:cubicBezTo>
+                <a:cubicBezTo>
+                  <a:pt x="7607928" y="9171"/>
+                  <a:pt x="7323619" y="461"/>
+                  <a:pt x="7050024" y="18288"/>
+                </a:cubicBezTo>
+                <a:cubicBezTo>
+                  <a:pt x="6776429" y="36115"/>
+                  <a:pt x="6787899" y="28206"/>
+                  <a:pt x="6693408" y="18288"/>
+                </a:cubicBezTo>
+                <a:cubicBezTo>
+                  <a:pt x="6598917" y="8370"/>
+                  <a:pt x="6395231" y="19114"/>
+                  <a:pt x="6227064" y="18288"/>
+                </a:cubicBezTo>
+                <a:cubicBezTo>
+                  <a:pt x="6058897" y="17462"/>
+                  <a:pt x="5618582" y="1091"/>
+                  <a:pt x="5431536" y="18288"/>
+                </a:cubicBezTo>
+                <a:cubicBezTo>
+                  <a:pt x="5244490" y="35485"/>
+                  <a:pt x="4729797" y="-9650"/>
+                  <a:pt x="4526280" y="18288"/>
+                </a:cubicBezTo>
+                <a:cubicBezTo>
+                  <a:pt x="4322763" y="46226"/>
+                  <a:pt x="4216797" y="756"/>
+                  <a:pt x="4059936" y="18288"/>
+                </a:cubicBezTo>
+                <a:cubicBezTo>
+                  <a:pt x="3903075" y="35820"/>
+                  <a:pt x="3537912" y="42098"/>
+                  <a:pt x="3374136" y="18288"/>
+                </a:cubicBezTo>
+                <a:cubicBezTo>
+                  <a:pt x="3210360" y="-5522"/>
+                  <a:pt x="3126842" y="39135"/>
+                  <a:pt x="2907792" y="18288"/>
+                </a:cubicBezTo>
+                <a:cubicBezTo>
+                  <a:pt x="2688742" y="-2559"/>
+                  <a:pt x="2490436" y="34100"/>
+                  <a:pt x="2112264" y="18288"/>
+                </a:cubicBezTo>
+                <a:cubicBezTo>
+                  <a:pt x="1734092" y="2476"/>
+                  <a:pt x="1744622" y="-7274"/>
+                  <a:pt x="1536192" y="18288"/>
+                </a:cubicBezTo>
+                <a:cubicBezTo>
+                  <a:pt x="1327762" y="43850"/>
+                  <a:pt x="1189025" y="6435"/>
+                  <a:pt x="1069848" y="18288"/>
+                </a:cubicBezTo>
+                <a:cubicBezTo>
+                  <a:pt x="950671" y="30141"/>
+                  <a:pt x="858345" y="33684"/>
+                  <a:pt x="713232" y="18288"/>
+                </a:cubicBezTo>
+                <a:cubicBezTo>
+                  <a:pt x="568119" y="2892"/>
+                  <a:pt x="250292" y="5410"/>
+                  <a:pt x="0" y="18288"/>
+                </a:cubicBezTo>
+                <a:cubicBezTo>
+                  <a:pt x="465" y="13062"/>
+                  <a:pt x="-894" y="9029"/>
+                  <a:pt x="0" y="0"/>
+                </a:cubicBezTo>
+                <a:close/>
+              </a:path>
+            </a:pathLst>
+          </a:custGeom>
+          <a:solidFill>
+            <a:schemeClr val="accent2">
+              <a:alpha val="75000"/>
+            </a:schemeClr>
+          </a:solidFill>
+          <a:ln w="44450" cap="rnd">
+            <a:solidFill>
+              <a:schemeClr val="accent2">
+                <a:alpha val="75000"/>
+              </a:schemeClr>
+            </a:solidFill>
+            <a:round/>
+            <a:extLst>
+              <a:ext uri="{C807C97D-BFC1-408E-A445-0C87EB9F89A2}">
+                <ask:lineSketchStyleProps xmlns:ask="http://schemas.microsoft.com/office/drawing/2018/sketchyshapes" sd="2727557108">
+                  <a:prstGeom prst="rect">
+                    <a:avLst/>
+                  </a:prstGeom>
+                  <ask:type>
+                    <ask:lineSketchFreehand/>
+                  </ask:type>
+                </ask:lineSketchStyleProps>
+              </a:ext>
+            </a:extLst>
+          </a:ln>
+        </p:spPr>
+        <p:style>
+          <a:lnRef idx="2">
+            <a:schemeClr val="accent1">
+              <a:shade val="50000"/>
+            </a:schemeClr>
+          </a:lnRef>
+          <a:fillRef idx="1">
+            <a:schemeClr val="accent1"/>
+          </a:fillRef>
+          <a:effectRef idx="0">
+            <a:schemeClr val="accent1"/>
+          </a:effectRef>
+          <a:fontRef idx="minor">
+            <a:schemeClr val="lt1"/>
+          </a:fontRef>
+        </p:style>
+        <p:txBody>
+          <a:bodyPr rtlCol="0" anchor="ctr"/>
+          <a:lstStyle/>
+          <a:p>
+            <a:pPr algn="ctr"/>
+            <a:endParaRPr lang="en-US"/>
+          </a:p>
+        </p:txBody>
+      </p:sp>
+      <p:sp>
+        <p:nvSpPr>
+          <p:cNvPr id="8" name="Content Placeholder 7">
+            <a:extLst>
+              <a:ext uri="{FF2B5EF4-FFF2-40B4-BE49-F238E27FC236}">
+                <a16:creationId xmlns:a16="http://schemas.microsoft.com/office/drawing/2014/main" id="{6ACB2A28-23E2-76E7-26F9-96E1300346EF}"/>
+              </a:ext>
+            </a:extLst>
+          </p:cNvPr>
+          <p:cNvSpPr>
+            <a:spLocks noGrp="1"/>
+          </p:cNvSpPr>
+          <p:nvPr>
+            <p:ph idx="1"/>
+          </p:nvPr>
+        </p:nvSpPr>
+        <p:spPr/>
+        <p:txBody>
+          <a:bodyPr>
+            <a:normAutofit/>
+          </a:bodyPr>
+          <a:lstStyle/>
+          <a:p>
+            <a:pPr marL="0" indent="0">
+              <a:buNone/>
+            </a:pPr>
+            <a:r>
+              <a:rPr lang="en-US" sz="3600" dirty="0">
+                <a:latin typeface="Assistant" pitchFamily="2" charset="-79"/>
+                <a:cs typeface="Assistant" pitchFamily="2" charset="-79"/>
+              </a:rPr>
+              <a:t>Mind-blowing speech of Prof. Segel</a:t>
+            </a:r>
+          </a:p>
+          <a:p>
+            <a:pPr marL="0" indent="0">
+              <a:buNone/>
+            </a:pPr>
+            <a:r>
+              <a:rPr lang="en-US" sz="3600" dirty="0">
+                <a:latin typeface="Assistant" pitchFamily="2" charset="-79"/>
+                <a:cs typeface="Assistant" pitchFamily="2" charset="-79"/>
+              </a:rPr>
+              <a:t>(biological plausibility)</a:t>
+            </a:r>
+            <a:endParaRPr lang="LID4096" sz="3600" dirty="0">
+              <a:latin typeface="Assistant" pitchFamily="2" charset="-79"/>
+              <a:cs typeface="Assistant" pitchFamily="2" charset="-79"/>
+            </a:endParaRPr>
+          </a:p>
+        </p:txBody>
+      </p:sp>
+    </p:spTree>
+    <p:extLst>
+      <p:ext uri="{BB962C8B-B14F-4D97-AF65-F5344CB8AC3E}">
+        <p14:creationId xmlns:p14="http://schemas.microsoft.com/office/powerpoint/2010/main" val="2217475511"/>
+      </p:ext>
+    </p:extLst>
+  </p:cSld>
+  <p:clrMapOvr>
+    <a:masterClrMapping/>
+  </p:clrMapOvr>
+</p:sld>
+</file>
+
+<file path=ppt/slides/slide8.xml><?xml version="1.0" encoding="utf-8"?>
 <p:sld xmlns:a="http://schemas.openxmlformats.org/drawingml/2006/main" xmlns:r="http://schemas.openxmlformats.org/officeDocument/2006/relationships" xmlns:p="http://schemas.openxmlformats.org/presentationml/2006/main">
   <p:cSld>
     <p:spTree>
@@ -6952,8 +11486,8 @@
           </a:p>
         </p:txBody>
       </p:sp>
-      <mc:AlternateContent xmlns:mc="http://schemas.openxmlformats.org/markup-compatibility/2006">
-        <mc:Choice xmlns:a14="http://schemas.microsoft.com/office/drawing/2010/main" Requires="a14">
+      <mc:AlternateContent xmlns:mc="http://schemas.openxmlformats.org/markup-compatibility/2006" xmlns:a14="http://schemas.microsoft.com/office/drawing/2010/main">
+        <mc:Choice Requires="a14">
           <p:sp>
             <p:nvSpPr>
               <p:cNvPr id="3" name="Content Placeholder 2">
@@ -7054,15 +11588,14 @@
               </a:p>
               <a:p>
                 <a:r>
-                  <a:rPr lang="en-US"/>
+                  <a:rPr lang="en-US" dirty="0"/>
                   <a:t>Biological justification</a:t>
                 </a:r>
-                <a:endParaRPr lang="en-US" dirty="0"/>
               </a:p>
             </p:txBody>
           </p:sp>
         </mc:Choice>
-        <mc:Fallback>
+        <mc:Fallback xmlns="">
           <p:sp>
             <p:nvSpPr>
               <p:cNvPr id="3" name="Content Placeholder 2">
